--- a/styles/img/Презентация1.pptx
+++ b/styles/img/Презентация1.pptx
@@ -6,7 +6,8 @@
   </p:sldMasterIdLst>
   <p:sldIdLst>
     <p:sldId id="256" r:id="rId2"/>
-    <p:sldId id="257" r:id="rId3"/>
+    <p:sldId id="258" r:id="rId3"/>
+    <p:sldId id="257" r:id="rId4"/>
   </p:sldIdLst>
   <p:sldSz cx="12192000" cy="6858000"/>
   <p:notesSz cx="6858000" cy="9144000"/>
@@ -105,6 +106,11 @@
       </a:defRPr>
     </a:lvl9pPr>
   </p:defaultTextStyle>
+  <p:extLst>
+    <p:ext uri="{EFAFB233-063F-42B5-8137-9DF3F51BA10A}">
+      <p15:sldGuideLst xmlns:p15="http://schemas.microsoft.com/office/powerpoint/2012/main"/>
+    </p:ext>
+  </p:extLst>
 </p:presentation>
 </file>
 
@@ -255,7 +261,7 @@
           <a:p>
             <a:fld id="{58815EAF-53FC-45F4-AD5D-73CE593E1C92}" type="datetimeFigureOut">
               <a:rPr lang="ru-RU" smtClean="0"/>
-              <a:t>29.12.2022</a:t>
+              <a:t>30.12.2022</a:t>
             </a:fld>
             <a:endParaRPr lang="ru-RU"/>
           </a:p>
@@ -453,7 +459,7 @@
           <a:p>
             <a:fld id="{58815EAF-53FC-45F4-AD5D-73CE593E1C92}" type="datetimeFigureOut">
               <a:rPr lang="ru-RU" smtClean="0"/>
-              <a:t>29.12.2022</a:t>
+              <a:t>30.12.2022</a:t>
             </a:fld>
             <a:endParaRPr lang="ru-RU"/>
           </a:p>
@@ -661,7 +667,7 @@
           <a:p>
             <a:fld id="{58815EAF-53FC-45F4-AD5D-73CE593E1C92}" type="datetimeFigureOut">
               <a:rPr lang="ru-RU" smtClean="0"/>
-              <a:t>29.12.2022</a:t>
+              <a:t>30.12.2022</a:t>
             </a:fld>
             <a:endParaRPr lang="ru-RU"/>
           </a:p>
@@ -859,7 +865,7 @@
           <a:p>
             <a:fld id="{58815EAF-53FC-45F4-AD5D-73CE593E1C92}" type="datetimeFigureOut">
               <a:rPr lang="ru-RU" smtClean="0"/>
-              <a:t>29.12.2022</a:t>
+              <a:t>30.12.2022</a:t>
             </a:fld>
             <a:endParaRPr lang="ru-RU"/>
           </a:p>
@@ -1134,7 +1140,7 @@
           <a:p>
             <a:fld id="{58815EAF-53FC-45F4-AD5D-73CE593E1C92}" type="datetimeFigureOut">
               <a:rPr lang="ru-RU" smtClean="0"/>
-              <a:t>29.12.2022</a:t>
+              <a:t>30.12.2022</a:t>
             </a:fld>
             <a:endParaRPr lang="ru-RU"/>
           </a:p>
@@ -1399,7 +1405,7 @@
           <a:p>
             <a:fld id="{58815EAF-53FC-45F4-AD5D-73CE593E1C92}" type="datetimeFigureOut">
               <a:rPr lang="ru-RU" smtClean="0"/>
-              <a:t>29.12.2022</a:t>
+              <a:t>30.12.2022</a:t>
             </a:fld>
             <a:endParaRPr lang="ru-RU"/>
           </a:p>
@@ -1811,7 +1817,7 @@
           <a:p>
             <a:fld id="{58815EAF-53FC-45F4-AD5D-73CE593E1C92}" type="datetimeFigureOut">
               <a:rPr lang="ru-RU" smtClean="0"/>
-              <a:t>29.12.2022</a:t>
+              <a:t>30.12.2022</a:t>
             </a:fld>
             <a:endParaRPr lang="ru-RU"/>
           </a:p>
@@ -1952,7 +1958,7 @@
           <a:p>
             <a:fld id="{58815EAF-53FC-45F4-AD5D-73CE593E1C92}" type="datetimeFigureOut">
               <a:rPr lang="ru-RU" smtClean="0"/>
-              <a:t>29.12.2022</a:t>
+              <a:t>30.12.2022</a:t>
             </a:fld>
             <a:endParaRPr lang="ru-RU"/>
           </a:p>
@@ -2065,7 +2071,7 @@
           <a:p>
             <a:fld id="{58815EAF-53FC-45F4-AD5D-73CE593E1C92}" type="datetimeFigureOut">
               <a:rPr lang="ru-RU" smtClean="0"/>
-              <a:t>29.12.2022</a:t>
+              <a:t>30.12.2022</a:t>
             </a:fld>
             <a:endParaRPr lang="ru-RU"/>
           </a:p>
@@ -2376,7 +2382,7 @@
           <a:p>
             <a:fld id="{58815EAF-53FC-45F4-AD5D-73CE593E1C92}" type="datetimeFigureOut">
               <a:rPr lang="ru-RU" smtClean="0"/>
-              <a:t>29.12.2022</a:t>
+              <a:t>30.12.2022</a:t>
             </a:fld>
             <a:endParaRPr lang="ru-RU"/>
           </a:p>
@@ -2664,7 +2670,7 @@
           <a:p>
             <a:fld id="{58815EAF-53FC-45F4-AD5D-73CE593E1C92}" type="datetimeFigureOut">
               <a:rPr lang="ru-RU" smtClean="0"/>
-              <a:t>29.12.2022</a:t>
+              <a:t>30.12.2022</a:t>
             </a:fld>
             <a:endParaRPr lang="ru-RU"/>
           </a:p>
@@ -2905,7 +2911,7 @@
           <a:p>
             <a:fld id="{58815EAF-53FC-45F4-AD5D-73CE593E1C92}" type="datetimeFigureOut">
               <a:rPr lang="ru-RU" smtClean="0"/>
-              <a:t>29.12.2022</a:t>
+              <a:t>30.12.2022</a:t>
             </a:fld>
             <a:endParaRPr lang="ru-RU"/>
           </a:p>
@@ -3430,6 +3436,92 @@
               <a:gd name="vf" fmla="val 115470"/>
             </a:avLst>
           </a:prstGeom>
+          <a:noFill/>
+          <a:ln w="28575">
+            <a:solidFill>
+              <a:srgbClr val="FF0000"/>
+            </a:solidFill>
+            <a:prstDash val="dash"/>
+          </a:ln>
+        </p:spPr>
+        <p:style>
+          <a:lnRef idx="2">
+            <a:schemeClr val="accent1">
+              <a:shade val="50000"/>
+            </a:schemeClr>
+          </a:lnRef>
+          <a:fillRef idx="1">
+            <a:schemeClr val="accent1"/>
+          </a:fillRef>
+          <a:effectRef idx="0">
+            <a:schemeClr val="accent1"/>
+          </a:effectRef>
+          <a:fontRef idx="minor">
+            <a:schemeClr val="lt1"/>
+          </a:fontRef>
+        </p:style>
+        <p:txBody>
+          <a:bodyPr rtlCol="0" anchor="ctr"/>
+          <a:lstStyle/>
+          <a:p>
+            <a:pPr algn="ctr"/>
+            <a:endParaRPr lang="ru-RU"/>
+          </a:p>
+        </p:txBody>
+      </p:sp>
+    </p:spTree>
+    <p:extLst>
+      <p:ext uri="{BB962C8B-B14F-4D97-AF65-F5344CB8AC3E}">
+        <p14:creationId xmlns:p14="http://schemas.microsoft.com/office/powerpoint/2010/main" val="3210739162"/>
+      </p:ext>
+    </p:extLst>
+  </p:cSld>
+  <p:clrMapOvr>
+    <a:masterClrMapping/>
+  </p:clrMapOvr>
+</p:sld>
+</file>
+
+<file path=ppt/slides/slide3.xml><?xml version="1.0" encoding="utf-8"?>
+<p:sld xmlns:a="http://schemas.openxmlformats.org/drawingml/2006/main" xmlns:r="http://schemas.openxmlformats.org/officeDocument/2006/relationships" xmlns:p="http://schemas.openxmlformats.org/presentationml/2006/main">
+  <p:cSld>
+    <p:spTree>
+      <p:nvGrpSpPr>
+        <p:cNvPr id="1" name=""/>
+        <p:cNvGrpSpPr/>
+        <p:nvPr/>
+      </p:nvGrpSpPr>
+      <p:grpSpPr>
+        <a:xfrm>
+          <a:off x="0" y="0"/>
+          <a:ext cx="0" cy="0"/>
+          <a:chOff x="0" y="0"/>
+          <a:chExt cx="0" cy="0"/>
+        </a:xfrm>
+      </p:grpSpPr>
+      <p:sp>
+        <p:nvSpPr>
+          <p:cNvPr id="4" name="Шестиугольник 3">
+            <a:extLst>
+              <a:ext uri="{FF2B5EF4-FFF2-40B4-BE49-F238E27FC236}">
+                <a16:creationId xmlns:a16="http://schemas.microsoft.com/office/drawing/2014/main" id="{A6C72720-2857-BE76-EB39-FEA6BBBE559E}"/>
+              </a:ext>
+            </a:extLst>
+          </p:cNvPr>
+          <p:cNvSpPr/>
+          <p:nvPr/>
+        </p:nvSpPr>
+        <p:spPr>
+          <a:xfrm>
+            <a:off x="2610035" y="1651247"/>
+            <a:ext cx="1429200" cy="856800"/>
+          </a:xfrm>
+          <a:prstGeom prst="hexagon">
+            <a:avLst>
+              <a:gd name="adj" fmla="val 33436"/>
+              <a:gd name="vf" fmla="val 115470"/>
+            </a:avLst>
+          </a:prstGeom>
           <a:pattFill prst="openDmnd">
             <a:fgClr>
               <a:srgbClr val="FFC000"/>

--- a/styles/img/Презентация1.pptx
+++ b/styles/img/Презентация1.pptx
@@ -5,9 +5,23 @@
     <p:sldMasterId id="2147483648" r:id="rId1"/>
   </p:sldMasterIdLst>
   <p:sldIdLst>
-    <p:sldId id="256" r:id="rId2"/>
-    <p:sldId id="258" r:id="rId3"/>
-    <p:sldId id="257" r:id="rId4"/>
+    <p:sldId id="272" r:id="rId2"/>
+    <p:sldId id="256" r:id="rId3"/>
+    <p:sldId id="258" r:id="rId4"/>
+    <p:sldId id="257" r:id="rId5"/>
+    <p:sldId id="259" r:id="rId6"/>
+    <p:sldId id="273" r:id="rId7"/>
+    <p:sldId id="261" r:id="rId8"/>
+    <p:sldId id="262" r:id="rId9"/>
+    <p:sldId id="263" r:id="rId10"/>
+    <p:sldId id="264" r:id="rId11"/>
+    <p:sldId id="265" r:id="rId12"/>
+    <p:sldId id="266" r:id="rId13"/>
+    <p:sldId id="267" r:id="rId14"/>
+    <p:sldId id="268" r:id="rId15"/>
+    <p:sldId id="269" r:id="rId16"/>
+    <p:sldId id="270" r:id="rId17"/>
+    <p:sldId id="271" r:id="rId18"/>
   </p:sldIdLst>
   <p:sldSz cx="12192000" cy="6858000"/>
   <p:notesSz cx="6858000" cy="9144000"/>
@@ -112,6 +126,174 @@
     </p:ext>
   </p:extLst>
 </p:presentation>
+</file>
+
+<file path=ppt/ink/ink1.xml><?xml version="1.0" encoding="utf-8"?>
+<inkml:ink xmlns:inkml="http://www.w3.org/2003/InkML">
+  <inkml:definitions>
+    <inkml:context xml:id="ctx0">
+      <inkml:inkSource xml:id="inkSrc0">
+        <inkml:traceFormat>
+          <inkml:channel name="X" type="integer" min="-2.14748E9" max="2.14748E9" units="cm"/>
+          <inkml:channel name="Y" type="integer" min="-2.14748E9" max="2.14748E9" units="cm"/>
+          <inkml:channel name="F" type="integer" max="32767" units="dev"/>
+        </inkml:traceFormat>
+        <inkml:channelProperties>
+          <inkml:channelProperty channel="X" name="resolution" value="1000" units="1/cm"/>
+          <inkml:channelProperty channel="Y" name="resolution" value="1000" units="1/cm"/>
+          <inkml:channelProperty channel="F" name="resolution" value="0" units="1/dev"/>
+        </inkml:channelProperties>
+      </inkml:inkSource>
+      <inkml:timestamp xml:id="ts0" timeString="2022-12-30T13:17:10.736"/>
+    </inkml:context>
+    <inkml:brush xml:id="br0">
+      <inkml:brushProperty name="width" value="0.05" units="cm"/>
+      <inkml:brushProperty name="height" value="0.05" units="cm"/>
+      <inkml:brushProperty name="color" value="#E71224"/>
+    </inkml:brush>
+  </inkml:definitions>
+  <inkml:trace contextRef="#ctx0" brushRef="#br0">2 703 24575,'0'12'0,"-1"26"0,2-1 0,1 0 0,10 47 0,-1-31 0,-8-33 0,0 0 0,2 0 0,0 0 0,1 0 0,2-1 0,-1 0 0,13 20 0,-19-38 0,-1 0 0,1 0 0,-1 0 0,1 0 0,0 0 0,0 0 0,0 0 0,0 0 0,0 0 0,0 0 0,0 0 0,0-1 0,0 1 0,0 0 0,0-1 0,0 1 0,0-1 0,3 2 0,-3-3 0,-1 1 0,1 0 0,0 0 0,-1-1 0,1 1 0,0 0 0,-1-1 0,1 1 0,-1 0 0,1-1 0,-1 1 0,1-1 0,-1 1 0,1-1 0,-1 1 0,1-1 0,-1 0 0,0 1 0,1-1 0,-1 1 0,0-1 0,0 0 0,1 1 0,-1-2 0,3-7 0,-1 0 0,0-1 0,0-15 0,-1 19 0,1-15 0,1 0 0,2 0 0,0 1 0,1 0 0,1 0 0,17-36 0,-17 42 0,-2-1 0,8-26 0,-10 27 0,2 0 0,-1 0 0,11-18 0,7-4 0,2 1 0,2 2 0,1 0 0,32-28 0,-13 12 0,70-82 0,129-192 0,-225 291-1365,-5 3-5461</inkml:trace>
+</inkml:ink>
+</file>
+
+<file path=ppt/ink/ink2.xml><?xml version="1.0" encoding="utf-8"?>
+<inkml:ink xmlns:inkml="http://www.w3.org/2003/InkML">
+  <inkml:definitions>
+    <inkml:context xml:id="ctx0">
+      <inkml:inkSource xml:id="inkSrc0">
+        <inkml:traceFormat>
+          <inkml:channel name="X" type="integer" min="-2.14748E9" max="2.14748E9" units="cm"/>
+          <inkml:channel name="Y" type="integer" min="-2.14748E9" max="2.14748E9" units="cm"/>
+          <inkml:channel name="F" type="integer" max="32767" units="dev"/>
+        </inkml:traceFormat>
+        <inkml:channelProperties>
+          <inkml:channelProperty channel="X" name="resolution" value="1000" units="1/cm"/>
+          <inkml:channelProperty channel="Y" name="resolution" value="1000" units="1/cm"/>
+          <inkml:channelProperty channel="F" name="resolution" value="0" units="1/dev"/>
+        </inkml:channelProperties>
+      </inkml:inkSource>
+      <inkml:timestamp xml:id="ts0" timeString="2022-12-30T13:17:13.006"/>
+    </inkml:context>
+    <inkml:brush xml:id="br0">
+      <inkml:brushProperty name="width" value="0.05" units="cm"/>
+      <inkml:brushProperty name="height" value="0.05" units="cm"/>
+      <inkml:brushProperty name="color" value="#E71224"/>
+    </inkml:brush>
+  </inkml:definitions>
+  <inkml:trace contextRef="#ctx0" brushRef="#br0">1 274 24575,'0'5'0,"1"1"0,0-1 0,0 1 0,1-1 0,-1 0 0,1 1 0,0-1 0,1 0 0,4 8 0,33 45 0,-20-31 0,-10-12 0,-1 1 0,-1 0 0,0 0 0,-1 1 0,-1 0 0,0 0 0,-1 0 0,-1 1 0,2 29 0,-3-18 0,2 1 0,0-1 0,2 0 0,1-1 0,1 0 0,22 47 0,-26-68 0,0 0 0,1 0 0,-1 0 0,9 7 0,-8-9 0,0 1 0,-1 0 0,1 1 0,5 9 0,-11-16 0,0 0 0,0 1 0,0-1 0,0 0 0,0 0 0,0 1 0,0-1 0,0 0 0,0 0 0,0 1 0,1-1 0,-1 0 0,0 0 0,0 1 0,0-1 0,0 0 0,0 0 0,1 1 0,-1-1 0,0 0 0,0 0 0,0 0 0,1 0 0,-1 1 0,0-1 0,0 0 0,0 0 0,1 0 0,-1 0 0,0 0 0,0 0 0,1 0 0,-1 0 0,0 1 0,0-1 0,1 0 0,-1 0 0,0 0 0,1 0 0,-1 0 0,0-1 0,0 1 0,1 0 0,-1 0 0,0 0 0,0 0 0,1 0 0,3-17 0,-5-39 0,1 44 0,-1-21 0,-2-97 0,19-188 0,-11 273 0,-3 20 0,2 1 0,7-33 0,-8 49 0,0-1 0,1 0 0,0 1 0,0-1 0,0 1 0,1 0 0,1 1 0,-1-1 0,13-12 0,6-1 59,50-35 0,-11 11-1542,-41 26-5343</inkml:trace>
+</inkml:ink>
+</file>
+
+<file path=ppt/ink/ink3.xml><?xml version="1.0" encoding="utf-8"?>
+<inkml:ink xmlns:inkml="http://www.w3.org/2003/InkML">
+  <inkml:definitions>
+    <inkml:context xml:id="ctx0">
+      <inkml:inkSource xml:id="inkSrc0">
+        <inkml:traceFormat>
+          <inkml:channel name="X" type="integer" min="-2.14748E9" max="2.14748E9" units="cm"/>
+          <inkml:channel name="Y" type="integer" min="-2.14748E9" max="2.14748E9" units="cm"/>
+          <inkml:channel name="F" type="integer" max="32767" units="dev"/>
+        </inkml:traceFormat>
+        <inkml:channelProperties>
+          <inkml:channelProperty channel="X" name="resolution" value="1000" units="1/cm"/>
+          <inkml:channelProperty channel="Y" name="resolution" value="1000" units="1/cm"/>
+          <inkml:channelProperty channel="F" name="resolution" value="0" units="1/dev"/>
+        </inkml:channelProperties>
+      </inkml:inkSource>
+      <inkml:timestamp xml:id="ts0" timeString="2022-12-30T13:23:25.847"/>
+    </inkml:context>
+    <inkml:brush xml:id="br0">
+      <inkml:brushProperty name="width" value="0.05" units="cm"/>
+      <inkml:brushProperty name="height" value="0.05" units="cm"/>
+      <inkml:brushProperty name="color" value="#E71224"/>
+    </inkml:brush>
+  </inkml:definitions>
+  <inkml:trace contextRef="#ctx0" brushRef="#br0">5 4 24575,'-2'90'0,"-1"-41"0,3 0 0,10 75 0,-4-95 0,21 53 0,-15-48 0,-9-26 0,1-1 0,0 1 0,0-1 0,1 0 0,7 8 0,16 28 0,-13-8 0,-1-3 0,27 46 0,-39-75 0,0 0 0,1 0 0,-1-1 0,0 1 0,1-1 0,-1 0 0,1 0 0,0 0 0,0 0 0,0 0 0,0-1 0,0 1 0,0-1 0,0 1 0,5 0 0,-6-2 0,-1 1 0,1-1 0,0 0 0,-1 0 0,1 0 0,0 0 0,-1 0 0,1-1 0,0 1 0,-1 0 0,1-1 0,-1 1 0,1-1 0,-1 1 0,1-1 0,-1 0 0,1 0 0,-1 0 0,1 0 0,-1 0 0,0 0 0,0 0 0,0 0 0,1 0 0,-1-1 0,0 1 0,0 0 0,-1-1 0,1 1 0,0-1 0,0 1 0,-1-1 0,2-2 0,42-135 0,-28 89 0,-6 18 0,1 1 0,19-39 0,-4 16 0,-3-1 0,17-63 0,5-10 0,-40 110 120,-5 7-1605</inkml:trace>
+</inkml:ink>
+</file>
+
+<file path=ppt/ink/ink4.xml><?xml version="1.0" encoding="utf-8"?>
+<inkml:ink xmlns:inkml="http://www.w3.org/2003/InkML">
+  <inkml:definitions>
+    <inkml:context xml:id="ctx0">
+      <inkml:inkSource xml:id="inkSrc0">
+        <inkml:traceFormat>
+          <inkml:channel name="X" type="integer" min="-2.14748E9" max="2.14748E9" units="cm"/>
+          <inkml:channel name="Y" type="integer" min="-2.14748E9" max="2.14748E9" units="cm"/>
+          <inkml:channel name="F" type="integer" max="32767" units="dev"/>
+        </inkml:traceFormat>
+        <inkml:channelProperties>
+          <inkml:channelProperty channel="X" name="resolution" value="1000" units="1/cm"/>
+          <inkml:channelProperty channel="Y" name="resolution" value="1000" units="1/cm"/>
+          <inkml:channelProperty channel="F" name="resolution" value="0" units="1/dev"/>
+        </inkml:channelProperties>
+      </inkml:inkSource>
+      <inkml:timestamp xml:id="ts0" timeString="2022-12-30T13:23:27.825"/>
+    </inkml:context>
+    <inkml:brush xml:id="br0">
+      <inkml:brushProperty name="width" value="0.05" units="cm"/>
+      <inkml:brushProperty name="height" value="0.05" units="cm"/>
+      <inkml:brushProperty name="color" value="#E71224"/>
+    </inkml:brush>
+  </inkml:definitions>
+  <inkml:trace contextRef="#ctx0" brushRef="#br0">2 594 24575,'0'25'0,"-1"25"0,2 0 0,2 0 0,18 87 0,-20-133 0,1 1 0,-1-1 0,1 0 0,0 0 0,0 0 0,1 0 0,-1 0 0,1-1 0,0 1 0,0-1 0,0 0 0,0 1 0,1-2 0,-1 1 0,1 0 0,0-1 0,5 3 0,-7-3 0,0-1 0,1 0 0,-1-1 0,0 1 0,1 0 0,-1-1 0,0 1 0,1-1 0,-1 0 0,1 1 0,-1-1 0,1-1 0,-1 1 0,0 0 0,1 0 0,-1-1 0,1 0 0,-1 1 0,0-1 0,0 0 0,1 0 0,-1 0 0,0 0 0,0-1 0,0 1 0,0 0 0,0-1 0,0 0 0,-1 1 0,1-1 0,0 0 0,1-3 0,4-7 0,0 0 0,-1 0 0,-1 0 0,0-1 0,0 0 0,-1 0 0,-1 0 0,-1 0 0,3-21 0,-2-18 0,-4-57 0,1 89 0,0-10 0,2 0 0,1 0 0,1 0 0,2 0 0,1 1 0,1 0 0,1 1 0,20-41 0,2 8 0,3 1 0,65-87 0,-81 119-1365,-3 5-5461</inkml:trace>
+</inkml:ink>
+</file>
+
+<file path=ppt/ink/ink5.xml><?xml version="1.0" encoding="utf-8"?>
+<inkml:ink xmlns:inkml="http://www.w3.org/2003/InkML">
+  <inkml:definitions>
+    <inkml:context xml:id="ctx0">
+      <inkml:inkSource xml:id="inkSrc0">
+        <inkml:traceFormat>
+          <inkml:channel name="X" type="integer" min="-2.14748E9" max="2.14748E9" units="cm"/>
+          <inkml:channel name="Y" type="integer" min="-2.14748E9" max="2.14748E9" units="cm"/>
+          <inkml:channel name="F" type="integer" max="32767" units="dev"/>
+        </inkml:traceFormat>
+        <inkml:channelProperties>
+          <inkml:channelProperty channel="X" name="resolution" value="1000" units="1/cm"/>
+          <inkml:channelProperty channel="Y" name="resolution" value="1000" units="1/cm"/>
+          <inkml:channelProperty channel="F" name="resolution" value="0" units="1/dev"/>
+        </inkml:channelProperties>
+      </inkml:inkSource>
+      <inkml:timestamp xml:id="ts0" timeString="2022-12-30T13:26:16.044"/>
+    </inkml:context>
+    <inkml:brush xml:id="br0">
+      <inkml:brushProperty name="width" value="0.05" units="cm"/>
+      <inkml:brushProperty name="height" value="0.05" units="cm"/>
+      <inkml:brushProperty name="color" value="#E71224"/>
+    </inkml:brush>
+  </inkml:definitions>
+  <inkml:trace contextRef="#ctx0" brushRef="#br0">1 644 24575,'0'437'0,"0"-428"0,0 0 0,0 0 0,1-1 0,0 1 0,1 0 0,0-1 0,1 0 0,-1 1 0,2-1 0,-1 0 0,1 0 0,0 0 0,1-1 0,-1 0 0,2 0 0,-1 0 0,1 0 0,8 7 0,2 3 0,-1 0 0,15 23 0,-17-22 0,1 0 0,25 24 0,-34-37 0,0-1 0,0 0 0,1 0 0,-1 0 0,1-1 0,0 0 0,0 0 0,0 0 0,0-1 0,1 0 0,-1 0 0,0-1 0,8 1 0,-13-2 0,1 1 0,0-1 0,0 0 0,-1-1 0,1 1 0,0 0 0,-1 0 0,1-1 0,0 1 0,-1-1 0,1 1 0,0-1 0,-1 0 0,1 0 0,-1 1 0,0-1 0,1 0 0,-1 0 0,3-3 0,-2 2 0,0-1 0,0 0 0,0 0 0,0 0 0,0-1 0,-1 1 0,0 0 0,1-1 0,0-3 0,1-8 0,0-1 0,-2 0 0,1-22 0,-2 30 0,-1-220 0,9-132 0,10-186 0,-18 484 0,0 56-114,0 0 1,0-1-1,0 1 0,-1 0 0,1 0 1,-2 0-1,1-1 0,-1 1 0,0 0 1,0 1-1,-5-11 0,-5 1-6712</inkml:trace>
+</inkml:ink>
+</file>
+
+<file path=ppt/ink/ink6.xml><?xml version="1.0" encoding="utf-8"?>
+<inkml:ink xmlns:inkml="http://www.w3.org/2003/InkML">
+  <inkml:definitions>
+    <inkml:context xml:id="ctx0">
+      <inkml:inkSource xml:id="inkSrc0">
+        <inkml:traceFormat>
+          <inkml:channel name="X" type="integer" min="-2.14748E9" max="2.14748E9" units="cm"/>
+          <inkml:channel name="Y" type="integer" min="-2.14748E9" max="2.14748E9" units="cm"/>
+          <inkml:channel name="F" type="integer" max="32767" units="dev"/>
+        </inkml:traceFormat>
+        <inkml:channelProperties>
+          <inkml:channelProperty channel="X" name="resolution" value="1000" units="1/cm"/>
+          <inkml:channelProperty channel="Y" name="resolution" value="1000" units="1/cm"/>
+          <inkml:channelProperty channel="F" name="resolution" value="0" units="1/dev"/>
+        </inkml:channelProperties>
+      </inkml:inkSource>
+      <inkml:timestamp xml:id="ts0" timeString="2022-12-30T13:29:13.207"/>
+    </inkml:context>
+    <inkml:brush xml:id="br0">
+      <inkml:brushProperty name="width" value="0.05" units="cm"/>
+      <inkml:brushProperty name="height" value="0.05" units="cm"/>
+      <inkml:brushProperty name="color" value="#E71224"/>
+    </inkml:brush>
+  </inkml:definitions>
+  <inkml:trace contextRef="#ctx0" brushRef="#br0">1 315 24575,'-1'90'0,"3"96"0,1-168 0,0-1 0,1 1 0,1-1 0,1 1 0,0-1 0,2-1 0,0 1 0,13 20 0,0 1 0,-18-29 0,1-1 0,-1 0 0,-1 1 0,3 14 0,-4-16 0,0 1 0,1 0 0,1-1 0,5 14 0,-6-18 0,-1 0 0,1-1 0,0 1 0,0-1 0,0 0 0,0 0 0,1 1 0,-1-1 0,0-1 0,1 1 0,-1 0 0,1-1 0,0 1 0,0-1 0,0 0 0,4 2 0,0-1 0,0 0 0,0-1 0,0 1 0,0-2 0,0 1 0,0-1 0,8 0 0,-13 0 0,0 0 0,0-1 0,0 1 0,1 0 0,-1-1 0,0 0 0,0 1 0,0-1 0,0 0 0,0 0 0,-1 0 0,1 0 0,0-1 0,0 1 0,-1 0 0,1-1 0,-1 1 0,1-1 0,-1 0 0,1 1 0,-1-1 0,0 0 0,0 0 0,0 0 0,0 0 0,1-4 0,2-15 0,-1 0 0,0-1 0,-2 1 0,0-1 0,-6-42 0,3 40 0,1 0 0,1 0 0,0 0 0,7-39 0,-2 37 0,-2 0 0,0-47 0,-4 54 0,2-1 0,0 0 0,1 1 0,1-1 0,11-37 0,2 8 0,14-75 0,-16 61 0,-6 7-1365,-8 39-5461</inkml:trace>
+</inkml:ink>
 </file>
 
 <file path=ppt/slideLayouts/slideLayout1.xml><?xml version="1.0" encoding="utf-8"?>
@@ -3314,6 +3496,14 @@
 <file path=ppt/slides/slide1.xml><?xml version="1.0" encoding="utf-8"?>
 <p:sld xmlns:a="http://schemas.openxmlformats.org/drawingml/2006/main" xmlns:r="http://schemas.openxmlformats.org/officeDocument/2006/relationships" xmlns:p="http://schemas.openxmlformats.org/presentationml/2006/main">
   <p:cSld>
+    <p:bg>
+      <p:bgPr>
+        <a:solidFill>
+          <a:srgbClr val="C2D69B"/>
+        </a:solidFill>
+        <a:effectLst/>
+      </p:bgPr>
+    </p:bg>
     <p:spTree>
       <p:nvGrpSpPr>
         <p:cNvPr id="1" name=""/>
@@ -3328,65 +3518,352 @@
           <a:chExt cx="0" cy="0"/>
         </a:xfrm>
       </p:grpSpPr>
-      <p:sp>
-        <p:nvSpPr>
-          <p:cNvPr id="4" name="Шестиугольник 3">
-            <a:extLst>
-              <a:ext uri="{FF2B5EF4-FFF2-40B4-BE49-F238E27FC236}">
-                <a16:creationId xmlns:a16="http://schemas.microsoft.com/office/drawing/2014/main" id="{A6C72720-2857-BE76-EB39-FEA6BBBE559E}"/>
-              </a:ext>
-            </a:extLst>
-          </p:cNvPr>
-          <p:cNvSpPr/>
+      <p:pic>
+        <p:nvPicPr>
+          <p:cNvPr id="3" name="Рисунок 2">
+            <a:extLst>
+              <a:ext uri="{FF2B5EF4-FFF2-40B4-BE49-F238E27FC236}">
+                <a16:creationId xmlns:a16="http://schemas.microsoft.com/office/drawing/2014/main" id="{61F7039C-5CB9-C42D-FD2C-B465ED9EE834}"/>
+              </a:ext>
+            </a:extLst>
+          </p:cNvPr>
+          <p:cNvPicPr>
+            <a:picLocks noChangeAspect="1"/>
+          </p:cNvPicPr>
           <p:nvPr/>
-        </p:nvSpPr>
+        </p:nvPicPr>
+        <p:blipFill>
+          <a:blip r:embed="rId2">
+            <a:extLst>
+              <a:ext uri="{28A0092B-C50C-407E-A947-70E740481C1C}">
+                <a14:useLocalDpi xmlns:a14="http://schemas.microsoft.com/office/drawing/2010/main" val="0"/>
+              </a:ext>
+            </a:extLst>
+          </a:blip>
+          <a:stretch>
+            <a:fillRect/>
+          </a:stretch>
+        </p:blipFill>
         <p:spPr>
           <a:xfrm>
-            <a:off x="2610035" y="1651247"/>
-            <a:ext cx="1429200" cy="856800"/>
+            <a:off x="127754" y="780680"/>
+            <a:ext cx="11936491" cy="5296639"/>
           </a:xfrm>
-          <a:prstGeom prst="hexagon">
-            <a:avLst>
-              <a:gd name="adj" fmla="val 33436"/>
-              <a:gd name="vf" fmla="val 115470"/>
-            </a:avLst>
+          <a:prstGeom prst="rect">
+            <a:avLst/>
           </a:prstGeom>
-          <a:noFill/>
-          <a:ln w="28575">
-            <a:solidFill>
-              <a:srgbClr val="FF0000"/>
-            </a:solidFill>
-          </a:ln>
         </p:spPr>
-        <p:style>
-          <a:lnRef idx="2">
-            <a:schemeClr val="accent1">
-              <a:shade val="50000"/>
-            </a:schemeClr>
-          </a:lnRef>
-          <a:fillRef idx="1">
-            <a:schemeClr val="accent1"/>
-          </a:fillRef>
-          <a:effectRef idx="0">
-            <a:schemeClr val="accent1"/>
-          </a:effectRef>
-          <a:fontRef idx="minor">
-            <a:schemeClr val="lt1"/>
-          </a:fontRef>
-        </p:style>
-        <p:txBody>
-          <a:bodyPr rtlCol="0" anchor="ctr"/>
-          <a:lstStyle/>
-          <a:p>
-            <a:pPr algn="ctr"/>
-            <a:endParaRPr lang="ru-RU"/>
-          </a:p>
-        </p:txBody>
-      </p:sp>
+      </p:pic>
+      <mc:AlternateContent xmlns:mc="http://schemas.openxmlformats.org/markup-compatibility/2006" xmlns:p14="http://schemas.microsoft.com/office/powerpoint/2010/main">
+        <mc:Choice Requires="p14">
+          <p:contentPart p14:bwMode="auto" r:id="rId3">
+            <p14:nvContentPartPr>
+              <p14:cNvPr id="4" name="Рукописный ввод 3">
+                <a:extLst>
+                  <a:ext uri="{FF2B5EF4-FFF2-40B4-BE49-F238E27FC236}">
+                    <a16:creationId xmlns:a16="http://schemas.microsoft.com/office/drawing/2014/main" id="{B3FAD11F-B731-254E-22B7-384B96A4C56B}"/>
+                  </a:ext>
+                </a:extLst>
+              </p14:cNvPr>
+              <p14:cNvContentPartPr/>
+              <p14:nvPr/>
+            </p14:nvContentPartPr>
+            <p14:xfrm>
+              <a:off x="4615833" y="2809353"/>
+              <a:ext cx="298800" cy="416880"/>
+            </p14:xfrm>
+          </p:contentPart>
+        </mc:Choice>
+        <mc:Fallback xmlns="">
+          <p:pic>
+            <p:nvPicPr>
+              <p:cNvPr id="4" name="Рукописный ввод 3">
+                <a:extLst>
+                  <a:ext uri="{FF2B5EF4-FFF2-40B4-BE49-F238E27FC236}">
+                    <a16:creationId xmlns:a16="http://schemas.microsoft.com/office/drawing/2014/main" id="{B3FAD11F-B731-254E-22B7-384B96A4C56B}"/>
+                  </a:ext>
+                </a:extLst>
+              </p:cNvPr>
+              <p:cNvPicPr/>
+              <p:nvPr/>
+            </p:nvPicPr>
+            <p:blipFill>
+              <a:blip r:embed="rId4"/>
+              <a:stretch>
+                <a:fillRect/>
+              </a:stretch>
+            </p:blipFill>
+            <p:spPr>
+              <a:xfrm>
+                <a:off x="4607193" y="2800713"/>
+                <a:ext cx="316440" cy="434520"/>
+              </a:xfrm>
+              <a:prstGeom prst="rect">
+                <a:avLst/>
+              </a:prstGeom>
+            </p:spPr>
+          </p:pic>
+        </mc:Fallback>
+      </mc:AlternateContent>
+      <mc:AlternateContent xmlns:mc="http://schemas.openxmlformats.org/markup-compatibility/2006" xmlns:p14="http://schemas.microsoft.com/office/powerpoint/2010/main">
+        <mc:Choice Requires="p14">
+          <p:contentPart p14:bwMode="auto" r:id="rId5">
+            <p14:nvContentPartPr>
+              <p14:cNvPr id="5" name="Рукописный ввод 4">
+                <a:extLst>
+                  <a:ext uri="{FF2B5EF4-FFF2-40B4-BE49-F238E27FC236}">
+                    <a16:creationId xmlns:a16="http://schemas.microsoft.com/office/drawing/2014/main" id="{DF0A7923-23D4-6232-DA41-395DAC30CE63}"/>
+                  </a:ext>
+                </a:extLst>
+              </p14:cNvPr>
+              <p14:cNvContentPartPr/>
+              <p14:nvPr/>
+            </p14:nvContentPartPr>
+            <p14:xfrm>
+              <a:off x="5556873" y="3656433"/>
+              <a:ext cx="205920" cy="343080"/>
+            </p14:xfrm>
+          </p:contentPart>
+        </mc:Choice>
+        <mc:Fallback xmlns="">
+          <p:pic>
+            <p:nvPicPr>
+              <p:cNvPr id="5" name="Рукописный ввод 4">
+                <a:extLst>
+                  <a:ext uri="{FF2B5EF4-FFF2-40B4-BE49-F238E27FC236}">
+                    <a16:creationId xmlns:a16="http://schemas.microsoft.com/office/drawing/2014/main" id="{DF0A7923-23D4-6232-DA41-395DAC30CE63}"/>
+                  </a:ext>
+                </a:extLst>
+              </p:cNvPr>
+              <p:cNvPicPr/>
+              <p:nvPr/>
+            </p:nvPicPr>
+            <p:blipFill>
+              <a:blip r:embed="rId6"/>
+              <a:stretch>
+                <a:fillRect/>
+              </a:stretch>
+            </p:blipFill>
+            <p:spPr>
+              <a:xfrm>
+                <a:off x="5548233" y="3647433"/>
+                <a:ext cx="223560" cy="360720"/>
+              </a:xfrm>
+              <a:prstGeom prst="rect">
+                <a:avLst/>
+              </a:prstGeom>
+            </p:spPr>
+          </p:pic>
+        </mc:Fallback>
+      </mc:AlternateContent>
+      <mc:AlternateContent xmlns:mc="http://schemas.openxmlformats.org/markup-compatibility/2006">
+        <mc:Choice xmlns:p14="http://schemas.microsoft.com/office/powerpoint/2010/main" Requires="p14">
+          <p:contentPart p14:bwMode="auto" r:id="rId7">
+            <p14:nvContentPartPr>
+              <p14:cNvPr id="2" name="Рукописный ввод 1">
+                <a:extLst>
+                  <a:ext uri="{FF2B5EF4-FFF2-40B4-BE49-F238E27FC236}">
+                    <a16:creationId xmlns:a16="http://schemas.microsoft.com/office/drawing/2014/main" id="{618F74CF-FDFA-A5B8-D7B7-4ABB9DF8B6E9}"/>
+                  </a:ext>
+                </a:extLst>
+              </p14:cNvPr>
+              <p14:cNvContentPartPr/>
+              <p14:nvPr/>
+            </p14:nvContentPartPr>
+            <p14:xfrm>
+              <a:off x="3950520" y="1501920"/>
+              <a:ext cx="190800" cy="264960"/>
+            </p14:xfrm>
+          </p:contentPart>
+        </mc:Choice>
+        <mc:Fallback>
+          <p:pic>
+            <p:nvPicPr>
+              <p:cNvPr id="2" name="Рукописный ввод 1">
+                <a:extLst>
+                  <a:ext uri="{FF2B5EF4-FFF2-40B4-BE49-F238E27FC236}">
+                    <a16:creationId xmlns:a16="http://schemas.microsoft.com/office/drawing/2014/main" id="{618F74CF-FDFA-A5B8-D7B7-4ABB9DF8B6E9}"/>
+                  </a:ext>
+                </a:extLst>
+              </p:cNvPr>
+              <p:cNvPicPr/>
+              <p:nvPr/>
+            </p:nvPicPr>
+            <p:blipFill>
+              <a:blip r:embed="rId8"/>
+              <a:stretch>
+                <a:fillRect/>
+              </a:stretch>
+            </p:blipFill>
+            <p:spPr>
+              <a:xfrm>
+                <a:off x="3941520" y="1493280"/>
+                <a:ext cx="208440" cy="282600"/>
+              </a:xfrm>
+              <a:prstGeom prst="rect">
+                <a:avLst/>
+              </a:prstGeom>
+            </p:spPr>
+          </p:pic>
+        </mc:Fallback>
+      </mc:AlternateContent>
+      <mc:AlternateContent xmlns:mc="http://schemas.openxmlformats.org/markup-compatibility/2006">
+        <mc:Choice xmlns:p14="http://schemas.microsoft.com/office/powerpoint/2010/main" Requires="p14">
+          <p:contentPart p14:bwMode="auto" r:id="rId9">
+            <p14:nvContentPartPr>
+              <p14:cNvPr id="6" name="Рукописный ввод 5">
+                <a:extLst>
+                  <a:ext uri="{FF2B5EF4-FFF2-40B4-BE49-F238E27FC236}">
+                    <a16:creationId xmlns:a16="http://schemas.microsoft.com/office/drawing/2014/main" id="{6F5AD12B-061F-A874-07CA-F2C607D6861E}"/>
+                  </a:ext>
+                </a:extLst>
+              </p14:cNvPr>
+              <p14:cNvContentPartPr/>
+              <p14:nvPr/>
+            </p14:nvContentPartPr>
+            <p14:xfrm>
+              <a:off x="3879960" y="4794840"/>
+              <a:ext cx="169200" cy="352440"/>
+            </p14:xfrm>
+          </p:contentPart>
+        </mc:Choice>
+        <mc:Fallback>
+          <p:pic>
+            <p:nvPicPr>
+              <p:cNvPr id="6" name="Рукописный ввод 5">
+                <a:extLst>
+                  <a:ext uri="{FF2B5EF4-FFF2-40B4-BE49-F238E27FC236}">
+                    <a16:creationId xmlns:a16="http://schemas.microsoft.com/office/drawing/2014/main" id="{6F5AD12B-061F-A874-07CA-F2C607D6861E}"/>
+                  </a:ext>
+                </a:extLst>
+              </p:cNvPr>
+              <p:cNvPicPr/>
+              <p:nvPr/>
+            </p:nvPicPr>
+            <p:blipFill>
+              <a:blip r:embed="rId10"/>
+              <a:stretch>
+                <a:fillRect/>
+              </a:stretch>
+            </p:blipFill>
+            <p:spPr>
+              <a:xfrm>
+                <a:off x="3871320" y="4786200"/>
+                <a:ext cx="186840" cy="370080"/>
+              </a:xfrm>
+              <a:prstGeom prst="rect">
+                <a:avLst/>
+              </a:prstGeom>
+            </p:spPr>
+          </p:pic>
+        </mc:Fallback>
+      </mc:AlternateContent>
+      <mc:AlternateContent xmlns:mc="http://schemas.openxmlformats.org/markup-compatibility/2006">
+        <mc:Choice xmlns:p14="http://schemas.microsoft.com/office/powerpoint/2010/main" Requires="p14">
+          <p:contentPart p14:bwMode="auto" r:id="rId11">
+            <p14:nvContentPartPr>
+              <p14:cNvPr id="9" name="Рукописный ввод 8">
+                <a:extLst>
+                  <a:ext uri="{FF2B5EF4-FFF2-40B4-BE49-F238E27FC236}">
+                    <a16:creationId xmlns:a16="http://schemas.microsoft.com/office/drawing/2014/main" id="{FBFDE9C5-1A28-B25F-CAD1-B4F14172DDD1}"/>
+                  </a:ext>
+                </a:extLst>
+              </p14:cNvPr>
+              <p14:cNvContentPartPr/>
+              <p14:nvPr/>
+            </p14:nvContentPartPr>
+            <p14:xfrm>
+              <a:off x="2356440" y="3781440"/>
+              <a:ext cx="133200" cy="516960"/>
+            </p14:xfrm>
+          </p:contentPart>
+        </mc:Choice>
+        <mc:Fallback>
+          <p:pic>
+            <p:nvPicPr>
+              <p:cNvPr id="9" name="Рукописный ввод 8">
+                <a:extLst>
+                  <a:ext uri="{FF2B5EF4-FFF2-40B4-BE49-F238E27FC236}">
+                    <a16:creationId xmlns:a16="http://schemas.microsoft.com/office/drawing/2014/main" id="{FBFDE9C5-1A28-B25F-CAD1-B4F14172DDD1}"/>
+                  </a:ext>
+                </a:extLst>
+              </p:cNvPr>
+              <p:cNvPicPr/>
+              <p:nvPr/>
+            </p:nvPicPr>
+            <p:blipFill>
+              <a:blip r:embed="rId12"/>
+              <a:stretch>
+                <a:fillRect/>
+              </a:stretch>
+            </p:blipFill>
+            <p:spPr>
+              <a:xfrm>
+                <a:off x="2347800" y="3772440"/>
+                <a:ext cx="150840" cy="534600"/>
+              </a:xfrm>
+              <a:prstGeom prst="rect">
+                <a:avLst/>
+              </a:prstGeom>
+            </p:spPr>
+          </p:pic>
+        </mc:Fallback>
+      </mc:AlternateContent>
+      <mc:AlternateContent xmlns:mc="http://schemas.openxmlformats.org/markup-compatibility/2006">
+        <mc:Choice xmlns:p14="http://schemas.microsoft.com/office/powerpoint/2010/main" Requires="p14">
+          <p:contentPart p14:bwMode="auto" r:id="rId13">
+            <p14:nvContentPartPr>
+              <p14:cNvPr id="10" name="Рукописный ввод 9">
+                <a:extLst>
+                  <a:ext uri="{FF2B5EF4-FFF2-40B4-BE49-F238E27FC236}">
+                    <a16:creationId xmlns:a16="http://schemas.microsoft.com/office/drawing/2014/main" id="{8BCC7088-1512-6F97-B4C2-5CF5887A37E7}"/>
+                  </a:ext>
+                </a:extLst>
+              </p14:cNvPr>
+              <p14:cNvContentPartPr/>
+              <p14:nvPr/>
+            </p14:nvContentPartPr>
+            <p14:xfrm>
+              <a:off x="6339240" y="1852200"/>
+              <a:ext cx="138240" cy="344160"/>
+            </p14:xfrm>
+          </p:contentPart>
+        </mc:Choice>
+        <mc:Fallback>
+          <p:pic>
+            <p:nvPicPr>
+              <p:cNvPr id="10" name="Рукописный ввод 9">
+                <a:extLst>
+                  <a:ext uri="{FF2B5EF4-FFF2-40B4-BE49-F238E27FC236}">
+                    <a16:creationId xmlns:a16="http://schemas.microsoft.com/office/drawing/2014/main" id="{8BCC7088-1512-6F97-B4C2-5CF5887A37E7}"/>
+                  </a:ext>
+                </a:extLst>
+              </p:cNvPr>
+              <p:cNvPicPr/>
+              <p:nvPr/>
+            </p:nvPicPr>
+            <p:blipFill>
+              <a:blip r:embed="rId14"/>
+              <a:stretch>
+                <a:fillRect/>
+              </a:stretch>
+            </p:blipFill>
+            <p:spPr>
+              <a:xfrm>
+                <a:off x="6330240" y="1843200"/>
+                <a:ext cx="155880" cy="361800"/>
+              </a:xfrm>
+              <a:prstGeom prst="rect">
+                <a:avLst/>
+              </a:prstGeom>
+            </p:spPr>
+          </p:pic>
+        </mc:Fallback>
+      </mc:AlternateContent>
     </p:spTree>
     <p:extLst>
       <p:ext uri="{BB962C8B-B14F-4D97-AF65-F5344CB8AC3E}">
-        <p14:creationId xmlns:p14="http://schemas.microsoft.com/office/powerpoint/2010/main" val="3915284933"/>
+        <p14:creationId xmlns:p14="http://schemas.microsoft.com/office/powerpoint/2010/main" val="3242496767"/>
       </p:ext>
     </p:extLst>
   </p:cSld>
@@ -3396,7 +3873,7 @@
 </p:sld>
 </file>
 
-<file path=ppt/slides/slide2.xml><?xml version="1.0" encoding="utf-8"?>
+<file path=ppt/slides/slide10.xml><?xml version="1.0" encoding="utf-8"?>
 <p:sld xmlns:a="http://schemas.openxmlformats.org/drawingml/2006/main" xmlns:r="http://schemas.openxmlformats.org/officeDocument/2006/relationships" xmlns:p="http://schemas.openxmlformats.org/presentationml/2006/main">
   <p:cSld>
     <p:spTree>
@@ -3427,93 +3904,7 @@
         </p:nvSpPr>
         <p:spPr>
           <a:xfrm>
-            <a:off x="2610035" y="1651247"/>
-            <a:ext cx="1429200" cy="856800"/>
-          </a:xfrm>
-          <a:prstGeom prst="hexagon">
-            <a:avLst>
-              <a:gd name="adj" fmla="val 33436"/>
-              <a:gd name="vf" fmla="val 115470"/>
-            </a:avLst>
-          </a:prstGeom>
-          <a:noFill/>
-          <a:ln w="28575">
-            <a:solidFill>
-              <a:srgbClr val="FF0000"/>
-            </a:solidFill>
-            <a:prstDash val="dash"/>
-          </a:ln>
-        </p:spPr>
-        <p:style>
-          <a:lnRef idx="2">
-            <a:schemeClr val="accent1">
-              <a:shade val="50000"/>
-            </a:schemeClr>
-          </a:lnRef>
-          <a:fillRef idx="1">
-            <a:schemeClr val="accent1"/>
-          </a:fillRef>
-          <a:effectRef idx="0">
-            <a:schemeClr val="accent1"/>
-          </a:effectRef>
-          <a:fontRef idx="minor">
-            <a:schemeClr val="lt1"/>
-          </a:fontRef>
-        </p:style>
-        <p:txBody>
-          <a:bodyPr rtlCol="0" anchor="ctr"/>
-          <a:lstStyle/>
-          <a:p>
-            <a:pPr algn="ctr"/>
-            <a:endParaRPr lang="ru-RU"/>
-          </a:p>
-        </p:txBody>
-      </p:sp>
-    </p:spTree>
-    <p:extLst>
-      <p:ext uri="{BB962C8B-B14F-4D97-AF65-F5344CB8AC3E}">
-        <p14:creationId xmlns:p14="http://schemas.microsoft.com/office/powerpoint/2010/main" val="3210739162"/>
-      </p:ext>
-    </p:extLst>
-  </p:cSld>
-  <p:clrMapOvr>
-    <a:masterClrMapping/>
-  </p:clrMapOvr>
-</p:sld>
-</file>
-
-<file path=ppt/slides/slide3.xml><?xml version="1.0" encoding="utf-8"?>
-<p:sld xmlns:a="http://schemas.openxmlformats.org/drawingml/2006/main" xmlns:r="http://schemas.openxmlformats.org/officeDocument/2006/relationships" xmlns:p="http://schemas.openxmlformats.org/presentationml/2006/main">
-  <p:cSld>
-    <p:spTree>
-      <p:nvGrpSpPr>
-        <p:cNvPr id="1" name=""/>
-        <p:cNvGrpSpPr/>
-        <p:nvPr/>
-      </p:nvGrpSpPr>
-      <p:grpSpPr>
-        <a:xfrm>
-          <a:off x="0" y="0"/>
-          <a:ext cx="0" cy="0"/>
-          <a:chOff x="0" y="0"/>
-          <a:chExt cx="0" cy="0"/>
-        </a:xfrm>
-      </p:grpSpPr>
-      <p:sp>
-        <p:nvSpPr>
-          <p:cNvPr id="4" name="Шестиугольник 3">
-            <a:extLst>
-              <a:ext uri="{FF2B5EF4-FFF2-40B4-BE49-F238E27FC236}">
-                <a16:creationId xmlns:a16="http://schemas.microsoft.com/office/drawing/2014/main" id="{A6C72720-2857-BE76-EB39-FEA6BBBE559E}"/>
-              </a:ext>
-            </a:extLst>
-          </p:cNvPr>
-          <p:cNvSpPr/>
-          <p:nvPr/>
-        </p:nvSpPr>
-        <p:spPr>
-          <a:xfrm>
-            <a:off x="2610035" y="1651247"/>
+            <a:off x="2201662" y="3551069"/>
             <a:ext cx="1429200" cy="856800"/>
           </a:xfrm>
           <a:prstGeom prst="hexagon">
@@ -3563,10 +3954,1809 @@
           </a:p>
         </p:txBody>
       </p:sp>
+      <p:sp>
+        <p:nvSpPr>
+          <p:cNvPr id="2" name="Заголовок 1">
+            <a:extLst>
+              <a:ext uri="{FF2B5EF4-FFF2-40B4-BE49-F238E27FC236}">
+                <a16:creationId xmlns:a16="http://schemas.microsoft.com/office/drawing/2014/main" id="{B97B1B31-D6CD-685C-0447-6566411BD8BA}"/>
+              </a:ext>
+            </a:extLst>
+          </p:cNvPr>
+          <p:cNvSpPr>
+            <a:spLocks noGrp="1"/>
+          </p:cNvSpPr>
+          <p:nvPr>
+            <p:ph type="title"/>
+          </p:nvPr>
+        </p:nvSpPr>
+        <p:spPr/>
+        <p:txBody>
+          <a:bodyPr/>
+          <a:lstStyle/>
+          <a:p>
+            <a:r>
+              <a:rPr lang="en-US" dirty="0"/>
+              <a:t>G0K0</a:t>
+            </a:r>
+            <a:endParaRPr lang="ru-RU" dirty="0"/>
+          </a:p>
+        </p:txBody>
+      </p:sp>
+    </p:spTree>
+    <p:extLst>
+      <p:ext uri="{BB962C8B-B14F-4D97-AF65-F5344CB8AC3E}">
+        <p14:creationId xmlns:p14="http://schemas.microsoft.com/office/powerpoint/2010/main" val="2796450566"/>
+      </p:ext>
+    </p:extLst>
+  </p:cSld>
+  <p:clrMapOvr>
+    <a:masterClrMapping/>
+  </p:clrMapOvr>
+</p:sld>
+</file>
+
+<file path=ppt/slides/slide11.xml><?xml version="1.0" encoding="utf-8"?>
+<p:sld xmlns:a="http://schemas.openxmlformats.org/drawingml/2006/main" xmlns:r="http://schemas.openxmlformats.org/officeDocument/2006/relationships" xmlns:p="http://schemas.openxmlformats.org/presentationml/2006/main">
+  <p:cSld>
+    <p:spTree>
+      <p:nvGrpSpPr>
+        <p:cNvPr id="1" name=""/>
+        <p:cNvGrpSpPr/>
+        <p:nvPr/>
+      </p:nvGrpSpPr>
+      <p:grpSpPr>
+        <a:xfrm>
+          <a:off x="0" y="0"/>
+          <a:ext cx="0" cy="0"/>
+          <a:chOff x="0" y="0"/>
+          <a:chExt cx="0" cy="0"/>
+        </a:xfrm>
+      </p:grpSpPr>
+      <p:sp>
+        <p:nvSpPr>
+          <p:cNvPr id="4" name="Шестиугольник 3">
+            <a:extLst>
+              <a:ext uri="{FF2B5EF4-FFF2-40B4-BE49-F238E27FC236}">
+                <a16:creationId xmlns:a16="http://schemas.microsoft.com/office/drawing/2014/main" id="{A6C72720-2857-BE76-EB39-FEA6BBBE559E}"/>
+              </a:ext>
+            </a:extLst>
+          </p:cNvPr>
+          <p:cNvSpPr/>
+          <p:nvPr/>
+        </p:nvSpPr>
+        <p:spPr>
+          <a:xfrm>
+            <a:off x="2201662" y="3551069"/>
+            <a:ext cx="1429200" cy="856800"/>
+          </a:xfrm>
+          <a:prstGeom prst="hexagon">
+            <a:avLst>
+              <a:gd name="adj" fmla="val 33436"/>
+              <a:gd name="vf" fmla="val 115470"/>
+            </a:avLst>
+          </a:prstGeom>
+          <a:pattFill prst="openDmnd">
+            <a:fgClr>
+              <a:srgbClr val="FFC000"/>
+            </a:fgClr>
+            <a:bgClr>
+              <a:schemeClr val="bg1"/>
+            </a:bgClr>
+          </a:pattFill>
+          <a:ln w="6350" cap="sq">
+            <a:solidFill>
+              <a:schemeClr val="tx1"/>
+            </a:solidFill>
+            <a:prstDash val="solid"/>
+            <a:miter lim="800000"/>
+          </a:ln>
+        </p:spPr>
+        <p:style>
+          <a:lnRef idx="2">
+            <a:schemeClr val="accent1">
+              <a:shade val="50000"/>
+            </a:schemeClr>
+          </a:lnRef>
+          <a:fillRef idx="1">
+            <a:schemeClr val="accent1"/>
+          </a:fillRef>
+          <a:effectRef idx="0">
+            <a:schemeClr val="accent1"/>
+          </a:effectRef>
+          <a:fontRef idx="minor">
+            <a:schemeClr val="lt1"/>
+          </a:fontRef>
+        </p:style>
+        <p:txBody>
+          <a:bodyPr rtlCol="0" anchor="ctr"/>
+          <a:lstStyle/>
+          <a:p>
+            <a:pPr algn="ctr"/>
+            <a:endParaRPr lang="ru-RU" dirty="0"/>
+          </a:p>
+        </p:txBody>
+      </p:sp>
+      <p:sp>
+        <p:nvSpPr>
+          <p:cNvPr id="2" name="Заголовок 1">
+            <a:extLst>
+              <a:ext uri="{FF2B5EF4-FFF2-40B4-BE49-F238E27FC236}">
+                <a16:creationId xmlns:a16="http://schemas.microsoft.com/office/drawing/2014/main" id="{B97B1B31-D6CD-685C-0447-6566411BD8BA}"/>
+              </a:ext>
+            </a:extLst>
+          </p:cNvPr>
+          <p:cNvSpPr>
+            <a:spLocks noGrp="1"/>
+          </p:cNvSpPr>
+          <p:nvPr>
+            <p:ph type="title"/>
+          </p:nvPr>
+        </p:nvSpPr>
+        <p:spPr/>
+        <p:txBody>
+          <a:bodyPr/>
+          <a:lstStyle/>
+          <a:p>
+            <a:r>
+              <a:rPr lang="en-US" dirty="0"/>
+              <a:t>G0K0</a:t>
+            </a:r>
+            <a:endParaRPr lang="ru-RU" dirty="0"/>
+          </a:p>
+        </p:txBody>
+      </p:sp>
+    </p:spTree>
+    <p:extLst>
+      <p:ext uri="{BB962C8B-B14F-4D97-AF65-F5344CB8AC3E}">
+        <p14:creationId xmlns:p14="http://schemas.microsoft.com/office/powerpoint/2010/main" val="3557432627"/>
+      </p:ext>
+    </p:extLst>
+  </p:cSld>
+  <p:clrMapOvr>
+    <a:masterClrMapping/>
+  </p:clrMapOvr>
+</p:sld>
+</file>
+
+<file path=ppt/slides/slide12.xml><?xml version="1.0" encoding="utf-8"?>
+<p:sld xmlns:a="http://schemas.openxmlformats.org/drawingml/2006/main" xmlns:r="http://schemas.openxmlformats.org/officeDocument/2006/relationships" xmlns:p="http://schemas.openxmlformats.org/presentationml/2006/main">
+  <p:cSld>
+    <p:spTree>
+      <p:nvGrpSpPr>
+        <p:cNvPr id="1" name=""/>
+        <p:cNvGrpSpPr/>
+        <p:nvPr/>
+      </p:nvGrpSpPr>
+      <p:grpSpPr>
+        <a:xfrm>
+          <a:off x="0" y="0"/>
+          <a:ext cx="0" cy="0"/>
+          <a:chOff x="0" y="0"/>
+          <a:chExt cx="0" cy="0"/>
+        </a:xfrm>
+      </p:grpSpPr>
+      <p:sp>
+        <p:nvSpPr>
+          <p:cNvPr id="4" name="Шестиугольник 3">
+            <a:extLst>
+              <a:ext uri="{FF2B5EF4-FFF2-40B4-BE49-F238E27FC236}">
+                <a16:creationId xmlns:a16="http://schemas.microsoft.com/office/drawing/2014/main" id="{A6C72720-2857-BE76-EB39-FEA6BBBE559E}"/>
+              </a:ext>
+            </a:extLst>
+          </p:cNvPr>
+          <p:cNvSpPr/>
+          <p:nvPr/>
+        </p:nvSpPr>
+        <p:spPr>
+          <a:xfrm>
+            <a:off x="2201662" y="3551069"/>
+            <a:ext cx="1429200" cy="856800"/>
+          </a:xfrm>
+          <a:prstGeom prst="hexagon">
+            <a:avLst>
+              <a:gd name="adj" fmla="val 33436"/>
+              <a:gd name="vf" fmla="val 115470"/>
+            </a:avLst>
+          </a:prstGeom>
+          <a:pattFill prst="openDmnd">
+            <a:fgClr>
+              <a:srgbClr val="FFC000"/>
+            </a:fgClr>
+            <a:bgClr>
+              <a:schemeClr val="bg1"/>
+            </a:bgClr>
+          </a:pattFill>
+          <a:ln w="6350" cap="sq">
+            <a:solidFill>
+              <a:schemeClr val="tx1"/>
+            </a:solidFill>
+            <a:prstDash val="solid"/>
+            <a:miter lim="800000"/>
+          </a:ln>
+        </p:spPr>
+        <p:style>
+          <a:lnRef idx="2">
+            <a:schemeClr val="accent1">
+              <a:shade val="50000"/>
+            </a:schemeClr>
+          </a:lnRef>
+          <a:fillRef idx="1">
+            <a:schemeClr val="accent1"/>
+          </a:fillRef>
+          <a:effectRef idx="0">
+            <a:schemeClr val="accent1"/>
+          </a:effectRef>
+          <a:fontRef idx="minor">
+            <a:schemeClr val="lt1"/>
+          </a:fontRef>
+        </p:style>
+        <p:txBody>
+          <a:bodyPr rtlCol="0" anchor="ctr"/>
+          <a:lstStyle/>
+          <a:p>
+            <a:pPr algn="ctr"/>
+            <a:endParaRPr lang="ru-RU" dirty="0"/>
+          </a:p>
+        </p:txBody>
+      </p:sp>
+      <p:sp>
+        <p:nvSpPr>
+          <p:cNvPr id="2" name="Заголовок 1">
+            <a:extLst>
+              <a:ext uri="{FF2B5EF4-FFF2-40B4-BE49-F238E27FC236}">
+                <a16:creationId xmlns:a16="http://schemas.microsoft.com/office/drawing/2014/main" id="{B97B1B31-D6CD-685C-0447-6566411BD8BA}"/>
+              </a:ext>
+            </a:extLst>
+          </p:cNvPr>
+          <p:cNvSpPr>
+            <a:spLocks noGrp="1"/>
+          </p:cNvSpPr>
+          <p:nvPr>
+            <p:ph type="title"/>
+          </p:nvPr>
+        </p:nvSpPr>
+        <p:spPr/>
+        <p:txBody>
+          <a:bodyPr/>
+          <a:lstStyle/>
+          <a:p>
+            <a:r>
+              <a:rPr lang="en-US" dirty="0"/>
+              <a:t>G0K0</a:t>
+            </a:r>
+            <a:endParaRPr lang="ru-RU" dirty="0"/>
+          </a:p>
+        </p:txBody>
+      </p:sp>
+    </p:spTree>
+    <p:extLst>
+      <p:ext uri="{BB962C8B-B14F-4D97-AF65-F5344CB8AC3E}">
+        <p14:creationId xmlns:p14="http://schemas.microsoft.com/office/powerpoint/2010/main" val="61227831"/>
+      </p:ext>
+    </p:extLst>
+  </p:cSld>
+  <p:clrMapOvr>
+    <a:masterClrMapping/>
+  </p:clrMapOvr>
+</p:sld>
+</file>
+
+<file path=ppt/slides/slide13.xml><?xml version="1.0" encoding="utf-8"?>
+<p:sld xmlns:a="http://schemas.openxmlformats.org/drawingml/2006/main" xmlns:r="http://schemas.openxmlformats.org/officeDocument/2006/relationships" xmlns:p="http://schemas.openxmlformats.org/presentationml/2006/main">
+  <p:cSld>
+    <p:spTree>
+      <p:nvGrpSpPr>
+        <p:cNvPr id="1" name=""/>
+        <p:cNvGrpSpPr/>
+        <p:nvPr/>
+      </p:nvGrpSpPr>
+      <p:grpSpPr>
+        <a:xfrm>
+          <a:off x="0" y="0"/>
+          <a:ext cx="0" cy="0"/>
+          <a:chOff x="0" y="0"/>
+          <a:chExt cx="0" cy="0"/>
+        </a:xfrm>
+      </p:grpSpPr>
+      <p:sp>
+        <p:nvSpPr>
+          <p:cNvPr id="4" name="Шестиугольник 3">
+            <a:extLst>
+              <a:ext uri="{FF2B5EF4-FFF2-40B4-BE49-F238E27FC236}">
+                <a16:creationId xmlns:a16="http://schemas.microsoft.com/office/drawing/2014/main" id="{A6C72720-2857-BE76-EB39-FEA6BBBE559E}"/>
+              </a:ext>
+            </a:extLst>
+          </p:cNvPr>
+          <p:cNvSpPr/>
+          <p:nvPr/>
+        </p:nvSpPr>
+        <p:spPr>
+          <a:xfrm>
+            <a:off x="2201662" y="3551069"/>
+            <a:ext cx="1429200" cy="856800"/>
+          </a:xfrm>
+          <a:prstGeom prst="hexagon">
+            <a:avLst>
+              <a:gd name="adj" fmla="val 33436"/>
+              <a:gd name="vf" fmla="val 115470"/>
+            </a:avLst>
+          </a:prstGeom>
+          <a:pattFill prst="openDmnd">
+            <a:fgClr>
+              <a:srgbClr val="FFC000"/>
+            </a:fgClr>
+            <a:bgClr>
+              <a:schemeClr val="bg1"/>
+            </a:bgClr>
+          </a:pattFill>
+          <a:ln w="6350" cap="sq">
+            <a:solidFill>
+              <a:schemeClr val="tx1"/>
+            </a:solidFill>
+            <a:prstDash val="solid"/>
+            <a:miter lim="800000"/>
+          </a:ln>
+        </p:spPr>
+        <p:style>
+          <a:lnRef idx="2">
+            <a:schemeClr val="accent1">
+              <a:shade val="50000"/>
+            </a:schemeClr>
+          </a:lnRef>
+          <a:fillRef idx="1">
+            <a:schemeClr val="accent1"/>
+          </a:fillRef>
+          <a:effectRef idx="0">
+            <a:schemeClr val="accent1"/>
+          </a:effectRef>
+          <a:fontRef idx="minor">
+            <a:schemeClr val="lt1"/>
+          </a:fontRef>
+        </p:style>
+        <p:txBody>
+          <a:bodyPr rtlCol="0" anchor="ctr"/>
+          <a:lstStyle/>
+          <a:p>
+            <a:pPr algn="ctr"/>
+            <a:endParaRPr lang="ru-RU" dirty="0"/>
+          </a:p>
+        </p:txBody>
+      </p:sp>
+      <p:sp>
+        <p:nvSpPr>
+          <p:cNvPr id="2" name="Заголовок 1">
+            <a:extLst>
+              <a:ext uri="{FF2B5EF4-FFF2-40B4-BE49-F238E27FC236}">
+                <a16:creationId xmlns:a16="http://schemas.microsoft.com/office/drawing/2014/main" id="{B97B1B31-D6CD-685C-0447-6566411BD8BA}"/>
+              </a:ext>
+            </a:extLst>
+          </p:cNvPr>
+          <p:cNvSpPr>
+            <a:spLocks noGrp="1"/>
+          </p:cNvSpPr>
+          <p:nvPr>
+            <p:ph type="title"/>
+          </p:nvPr>
+        </p:nvSpPr>
+        <p:spPr/>
+        <p:txBody>
+          <a:bodyPr/>
+          <a:lstStyle/>
+          <a:p>
+            <a:r>
+              <a:rPr lang="en-US" dirty="0"/>
+              <a:t>G0K0</a:t>
+            </a:r>
+            <a:endParaRPr lang="ru-RU" dirty="0"/>
+          </a:p>
+        </p:txBody>
+      </p:sp>
+    </p:spTree>
+    <p:extLst>
+      <p:ext uri="{BB962C8B-B14F-4D97-AF65-F5344CB8AC3E}">
+        <p14:creationId xmlns:p14="http://schemas.microsoft.com/office/powerpoint/2010/main" val="3378264997"/>
+      </p:ext>
+    </p:extLst>
+  </p:cSld>
+  <p:clrMapOvr>
+    <a:masterClrMapping/>
+  </p:clrMapOvr>
+</p:sld>
+</file>
+
+<file path=ppt/slides/slide14.xml><?xml version="1.0" encoding="utf-8"?>
+<p:sld xmlns:a="http://schemas.openxmlformats.org/drawingml/2006/main" xmlns:r="http://schemas.openxmlformats.org/officeDocument/2006/relationships" xmlns:p="http://schemas.openxmlformats.org/presentationml/2006/main">
+  <p:cSld>
+    <p:spTree>
+      <p:nvGrpSpPr>
+        <p:cNvPr id="1" name=""/>
+        <p:cNvGrpSpPr/>
+        <p:nvPr/>
+      </p:nvGrpSpPr>
+      <p:grpSpPr>
+        <a:xfrm>
+          <a:off x="0" y="0"/>
+          <a:ext cx="0" cy="0"/>
+          <a:chOff x="0" y="0"/>
+          <a:chExt cx="0" cy="0"/>
+        </a:xfrm>
+      </p:grpSpPr>
+      <p:sp>
+        <p:nvSpPr>
+          <p:cNvPr id="4" name="Шестиугольник 3">
+            <a:extLst>
+              <a:ext uri="{FF2B5EF4-FFF2-40B4-BE49-F238E27FC236}">
+                <a16:creationId xmlns:a16="http://schemas.microsoft.com/office/drawing/2014/main" id="{A6C72720-2857-BE76-EB39-FEA6BBBE559E}"/>
+              </a:ext>
+            </a:extLst>
+          </p:cNvPr>
+          <p:cNvSpPr/>
+          <p:nvPr/>
+        </p:nvSpPr>
+        <p:spPr>
+          <a:xfrm>
+            <a:off x="2201662" y="3551069"/>
+            <a:ext cx="1429200" cy="856800"/>
+          </a:xfrm>
+          <a:prstGeom prst="hexagon">
+            <a:avLst>
+              <a:gd name="adj" fmla="val 33436"/>
+              <a:gd name="vf" fmla="val 115470"/>
+            </a:avLst>
+          </a:prstGeom>
+          <a:pattFill prst="openDmnd">
+            <a:fgClr>
+              <a:srgbClr val="FFC000"/>
+            </a:fgClr>
+            <a:bgClr>
+              <a:schemeClr val="bg1"/>
+            </a:bgClr>
+          </a:pattFill>
+          <a:ln w="6350" cap="sq">
+            <a:solidFill>
+              <a:schemeClr val="tx1"/>
+            </a:solidFill>
+            <a:prstDash val="solid"/>
+            <a:miter lim="800000"/>
+          </a:ln>
+        </p:spPr>
+        <p:style>
+          <a:lnRef idx="2">
+            <a:schemeClr val="accent1">
+              <a:shade val="50000"/>
+            </a:schemeClr>
+          </a:lnRef>
+          <a:fillRef idx="1">
+            <a:schemeClr val="accent1"/>
+          </a:fillRef>
+          <a:effectRef idx="0">
+            <a:schemeClr val="accent1"/>
+          </a:effectRef>
+          <a:fontRef idx="minor">
+            <a:schemeClr val="lt1"/>
+          </a:fontRef>
+        </p:style>
+        <p:txBody>
+          <a:bodyPr rtlCol="0" anchor="ctr"/>
+          <a:lstStyle/>
+          <a:p>
+            <a:pPr algn="ctr"/>
+            <a:endParaRPr lang="ru-RU" dirty="0"/>
+          </a:p>
+        </p:txBody>
+      </p:sp>
+      <p:sp>
+        <p:nvSpPr>
+          <p:cNvPr id="2" name="Заголовок 1">
+            <a:extLst>
+              <a:ext uri="{FF2B5EF4-FFF2-40B4-BE49-F238E27FC236}">
+                <a16:creationId xmlns:a16="http://schemas.microsoft.com/office/drawing/2014/main" id="{B97B1B31-D6CD-685C-0447-6566411BD8BA}"/>
+              </a:ext>
+            </a:extLst>
+          </p:cNvPr>
+          <p:cNvSpPr>
+            <a:spLocks noGrp="1"/>
+          </p:cNvSpPr>
+          <p:nvPr>
+            <p:ph type="title"/>
+          </p:nvPr>
+        </p:nvSpPr>
+        <p:spPr/>
+        <p:txBody>
+          <a:bodyPr/>
+          <a:lstStyle/>
+          <a:p>
+            <a:r>
+              <a:rPr lang="en-US" dirty="0"/>
+              <a:t>G0K0</a:t>
+            </a:r>
+            <a:endParaRPr lang="ru-RU" dirty="0"/>
+          </a:p>
+        </p:txBody>
+      </p:sp>
+    </p:spTree>
+    <p:extLst>
+      <p:ext uri="{BB962C8B-B14F-4D97-AF65-F5344CB8AC3E}">
+        <p14:creationId xmlns:p14="http://schemas.microsoft.com/office/powerpoint/2010/main" val="2498449054"/>
+      </p:ext>
+    </p:extLst>
+  </p:cSld>
+  <p:clrMapOvr>
+    <a:masterClrMapping/>
+  </p:clrMapOvr>
+</p:sld>
+</file>
+
+<file path=ppt/slides/slide15.xml><?xml version="1.0" encoding="utf-8"?>
+<p:sld xmlns:a="http://schemas.openxmlformats.org/drawingml/2006/main" xmlns:r="http://schemas.openxmlformats.org/officeDocument/2006/relationships" xmlns:p="http://schemas.openxmlformats.org/presentationml/2006/main">
+  <p:cSld>
+    <p:spTree>
+      <p:nvGrpSpPr>
+        <p:cNvPr id="1" name=""/>
+        <p:cNvGrpSpPr/>
+        <p:nvPr/>
+      </p:nvGrpSpPr>
+      <p:grpSpPr>
+        <a:xfrm>
+          <a:off x="0" y="0"/>
+          <a:ext cx="0" cy="0"/>
+          <a:chOff x="0" y="0"/>
+          <a:chExt cx="0" cy="0"/>
+        </a:xfrm>
+      </p:grpSpPr>
+      <p:sp>
+        <p:nvSpPr>
+          <p:cNvPr id="4" name="Шестиугольник 3">
+            <a:extLst>
+              <a:ext uri="{FF2B5EF4-FFF2-40B4-BE49-F238E27FC236}">
+                <a16:creationId xmlns:a16="http://schemas.microsoft.com/office/drawing/2014/main" id="{A6C72720-2857-BE76-EB39-FEA6BBBE559E}"/>
+              </a:ext>
+            </a:extLst>
+          </p:cNvPr>
+          <p:cNvSpPr/>
+          <p:nvPr/>
+        </p:nvSpPr>
+        <p:spPr>
+          <a:xfrm>
+            <a:off x="2201662" y="3551069"/>
+            <a:ext cx="1429200" cy="856800"/>
+          </a:xfrm>
+          <a:prstGeom prst="hexagon">
+            <a:avLst>
+              <a:gd name="adj" fmla="val 33436"/>
+              <a:gd name="vf" fmla="val 115470"/>
+            </a:avLst>
+          </a:prstGeom>
+          <a:pattFill prst="openDmnd">
+            <a:fgClr>
+              <a:srgbClr val="FFC000"/>
+            </a:fgClr>
+            <a:bgClr>
+              <a:schemeClr val="bg1"/>
+            </a:bgClr>
+          </a:pattFill>
+          <a:ln w="6350" cap="sq">
+            <a:solidFill>
+              <a:schemeClr val="tx1"/>
+            </a:solidFill>
+            <a:prstDash val="solid"/>
+            <a:miter lim="800000"/>
+          </a:ln>
+        </p:spPr>
+        <p:style>
+          <a:lnRef idx="2">
+            <a:schemeClr val="accent1">
+              <a:shade val="50000"/>
+            </a:schemeClr>
+          </a:lnRef>
+          <a:fillRef idx="1">
+            <a:schemeClr val="accent1"/>
+          </a:fillRef>
+          <a:effectRef idx="0">
+            <a:schemeClr val="accent1"/>
+          </a:effectRef>
+          <a:fontRef idx="minor">
+            <a:schemeClr val="lt1"/>
+          </a:fontRef>
+        </p:style>
+        <p:txBody>
+          <a:bodyPr rtlCol="0" anchor="ctr"/>
+          <a:lstStyle/>
+          <a:p>
+            <a:pPr algn="ctr"/>
+            <a:endParaRPr lang="ru-RU" dirty="0"/>
+          </a:p>
+        </p:txBody>
+      </p:sp>
+      <p:sp>
+        <p:nvSpPr>
+          <p:cNvPr id="2" name="Заголовок 1">
+            <a:extLst>
+              <a:ext uri="{FF2B5EF4-FFF2-40B4-BE49-F238E27FC236}">
+                <a16:creationId xmlns:a16="http://schemas.microsoft.com/office/drawing/2014/main" id="{B97B1B31-D6CD-685C-0447-6566411BD8BA}"/>
+              </a:ext>
+            </a:extLst>
+          </p:cNvPr>
+          <p:cNvSpPr>
+            <a:spLocks noGrp="1"/>
+          </p:cNvSpPr>
+          <p:nvPr>
+            <p:ph type="title"/>
+          </p:nvPr>
+        </p:nvSpPr>
+        <p:spPr/>
+        <p:txBody>
+          <a:bodyPr/>
+          <a:lstStyle/>
+          <a:p>
+            <a:r>
+              <a:rPr lang="en-US" dirty="0"/>
+              <a:t>G0K0</a:t>
+            </a:r>
+            <a:endParaRPr lang="ru-RU" dirty="0"/>
+          </a:p>
+        </p:txBody>
+      </p:sp>
+    </p:spTree>
+    <p:extLst>
+      <p:ext uri="{BB962C8B-B14F-4D97-AF65-F5344CB8AC3E}">
+        <p14:creationId xmlns:p14="http://schemas.microsoft.com/office/powerpoint/2010/main" val="1941254052"/>
+      </p:ext>
+    </p:extLst>
+  </p:cSld>
+  <p:clrMapOvr>
+    <a:masterClrMapping/>
+  </p:clrMapOvr>
+</p:sld>
+</file>
+
+<file path=ppt/slides/slide16.xml><?xml version="1.0" encoding="utf-8"?>
+<p:sld xmlns:a="http://schemas.openxmlformats.org/drawingml/2006/main" xmlns:r="http://schemas.openxmlformats.org/officeDocument/2006/relationships" xmlns:p="http://schemas.openxmlformats.org/presentationml/2006/main">
+  <p:cSld>
+    <p:spTree>
+      <p:nvGrpSpPr>
+        <p:cNvPr id="1" name=""/>
+        <p:cNvGrpSpPr/>
+        <p:nvPr/>
+      </p:nvGrpSpPr>
+      <p:grpSpPr>
+        <a:xfrm>
+          <a:off x="0" y="0"/>
+          <a:ext cx="0" cy="0"/>
+          <a:chOff x="0" y="0"/>
+          <a:chExt cx="0" cy="0"/>
+        </a:xfrm>
+      </p:grpSpPr>
+      <p:sp>
+        <p:nvSpPr>
+          <p:cNvPr id="4" name="Шестиугольник 3">
+            <a:extLst>
+              <a:ext uri="{FF2B5EF4-FFF2-40B4-BE49-F238E27FC236}">
+                <a16:creationId xmlns:a16="http://schemas.microsoft.com/office/drawing/2014/main" id="{A6C72720-2857-BE76-EB39-FEA6BBBE559E}"/>
+              </a:ext>
+            </a:extLst>
+          </p:cNvPr>
+          <p:cNvSpPr/>
+          <p:nvPr/>
+        </p:nvSpPr>
+        <p:spPr>
+          <a:xfrm>
+            <a:off x="2201662" y="3551069"/>
+            <a:ext cx="1429200" cy="856800"/>
+          </a:xfrm>
+          <a:prstGeom prst="hexagon">
+            <a:avLst>
+              <a:gd name="adj" fmla="val 33436"/>
+              <a:gd name="vf" fmla="val 115470"/>
+            </a:avLst>
+          </a:prstGeom>
+          <a:pattFill prst="openDmnd">
+            <a:fgClr>
+              <a:srgbClr val="FFC000"/>
+            </a:fgClr>
+            <a:bgClr>
+              <a:schemeClr val="bg1"/>
+            </a:bgClr>
+          </a:pattFill>
+          <a:ln w="6350" cap="sq">
+            <a:solidFill>
+              <a:schemeClr val="tx1"/>
+            </a:solidFill>
+            <a:prstDash val="solid"/>
+            <a:miter lim="800000"/>
+          </a:ln>
+        </p:spPr>
+        <p:style>
+          <a:lnRef idx="2">
+            <a:schemeClr val="accent1">
+              <a:shade val="50000"/>
+            </a:schemeClr>
+          </a:lnRef>
+          <a:fillRef idx="1">
+            <a:schemeClr val="accent1"/>
+          </a:fillRef>
+          <a:effectRef idx="0">
+            <a:schemeClr val="accent1"/>
+          </a:effectRef>
+          <a:fontRef idx="minor">
+            <a:schemeClr val="lt1"/>
+          </a:fontRef>
+        </p:style>
+        <p:txBody>
+          <a:bodyPr rtlCol="0" anchor="ctr"/>
+          <a:lstStyle/>
+          <a:p>
+            <a:pPr algn="ctr"/>
+            <a:endParaRPr lang="ru-RU" dirty="0"/>
+          </a:p>
+        </p:txBody>
+      </p:sp>
+      <p:sp>
+        <p:nvSpPr>
+          <p:cNvPr id="2" name="Заголовок 1">
+            <a:extLst>
+              <a:ext uri="{FF2B5EF4-FFF2-40B4-BE49-F238E27FC236}">
+                <a16:creationId xmlns:a16="http://schemas.microsoft.com/office/drawing/2014/main" id="{B97B1B31-D6CD-685C-0447-6566411BD8BA}"/>
+              </a:ext>
+            </a:extLst>
+          </p:cNvPr>
+          <p:cNvSpPr>
+            <a:spLocks noGrp="1"/>
+          </p:cNvSpPr>
+          <p:nvPr>
+            <p:ph type="title"/>
+          </p:nvPr>
+        </p:nvSpPr>
+        <p:spPr/>
+        <p:txBody>
+          <a:bodyPr/>
+          <a:lstStyle/>
+          <a:p>
+            <a:r>
+              <a:rPr lang="en-US" dirty="0"/>
+              <a:t>G0K0</a:t>
+            </a:r>
+            <a:endParaRPr lang="ru-RU" dirty="0"/>
+          </a:p>
+        </p:txBody>
+      </p:sp>
+    </p:spTree>
+    <p:extLst>
+      <p:ext uri="{BB962C8B-B14F-4D97-AF65-F5344CB8AC3E}">
+        <p14:creationId xmlns:p14="http://schemas.microsoft.com/office/powerpoint/2010/main" val="2225098659"/>
+      </p:ext>
+    </p:extLst>
+  </p:cSld>
+  <p:clrMapOvr>
+    <a:masterClrMapping/>
+  </p:clrMapOvr>
+</p:sld>
+</file>
+
+<file path=ppt/slides/slide17.xml><?xml version="1.0" encoding="utf-8"?>
+<p:sld xmlns:a="http://schemas.openxmlformats.org/drawingml/2006/main" xmlns:r="http://schemas.openxmlformats.org/officeDocument/2006/relationships" xmlns:p="http://schemas.openxmlformats.org/presentationml/2006/main">
+  <p:cSld>
+    <p:spTree>
+      <p:nvGrpSpPr>
+        <p:cNvPr id="1" name=""/>
+        <p:cNvGrpSpPr/>
+        <p:nvPr/>
+      </p:nvGrpSpPr>
+      <p:grpSpPr>
+        <a:xfrm>
+          <a:off x="0" y="0"/>
+          <a:ext cx="0" cy="0"/>
+          <a:chOff x="0" y="0"/>
+          <a:chExt cx="0" cy="0"/>
+        </a:xfrm>
+      </p:grpSpPr>
+      <p:sp>
+        <p:nvSpPr>
+          <p:cNvPr id="4" name="Шестиугольник 3">
+            <a:extLst>
+              <a:ext uri="{FF2B5EF4-FFF2-40B4-BE49-F238E27FC236}">
+                <a16:creationId xmlns:a16="http://schemas.microsoft.com/office/drawing/2014/main" id="{A6C72720-2857-BE76-EB39-FEA6BBBE559E}"/>
+              </a:ext>
+            </a:extLst>
+          </p:cNvPr>
+          <p:cNvSpPr/>
+          <p:nvPr/>
+        </p:nvSpPr>
+        <p:spPr>
+          <a:xfrm>
+            <a:off x="2201662" y="3551069"/>
+            <a:ext cx="1429200" cy="856800"/>
+          </a:xfrm>
+          <a:prstGeom prst="hexagon">
+            <a:avLst>
+              <a:gd name="adj" fmla="val 33436"/>
+              <a:gd name="vf" fmla="val 115470"/>
+            </a:avLst>
+          </a:prstGeom>
+          <a:pattFill prst="openDmnd">
+            <a:fgClr>
+              <a:srgbClr val="FFC000"/>
+            </a:fgClr>
+            <a:bgClr>
+              <a:schemeClr val="bg1"/>
+            </a:bgClr>
+          </a:pattFill>
+          <a:ln w="6350" cap="sq">
+            <a:solidFill>
+              <a:schemeClr val="tx1"/>
+            </a:solidFill>
+            <a:prstDash val="solid"/>
+            <a:miter lim="800000"/>
+          </a:ln>
+        </p:spPr>
+        <p:style>
+          <a:lnRef idx="2">
+            <a:schemeClr val="accent1">
+              <a:shade val="50000"/>
+            </a:schemeClr>
+          </a:lnRef>
+          <a:fillRef idx="1">
+            <a:schemeClr val="accent1"/>
+          </a:fillRef>
+          <a:effectRef idx="0">
+            <a:schemeClr val="accent1"/>
+          </a:effectRef>
+          <a:fontRef idx="minor">
+            <a:schemeClr val="lt1"/>
+          </a:fontRef>
+        </p:style>
+        <p:txBody>
+          <a:bodyPr rtlCol="0" anchor="ctr"/>
+          <a:lstStyle/>
+          <a:p>
+            <a:pPr algn="ctr"/>
+            <a:endParaRPr lang="ru-RU" dirty="0"/>
+          </a:p>
+        </p:txBody>
+      </p:sp>
+      <p:sp>
+        <p:nvSpPr>
+          <p:cNvPr id="2" name="Заголовок 1">
+            <a:extLst>
+              <a:ext uri="{FF2B5EF4-FFF2-40B4-BE49-F238E27FC236}">
+                <a16:creationId xmlns:a16="http://schemas.microsoft.com/office/drawing/2014/main" id="{B97B1B31-D6CD-685C-0447-6566411BD8BA}"/>
+              </a:ext>
+            </a:extLst>
+          </p:cNvPr>
+          <p:cNvSpPr>
+            <a:spLocks noGrp="1"/>
+          </p:cNvSpPr>
+          <p:nvPr>
+            <p:ph type="title"/>
+          </p:nvPr>
+        </p:nvSpPr>
+        <p:spPr/>
+        <p:txBody>
+          <a:bodyPr/>
+          <a:lstStyle/>
+          <a:p>
+            <a:r>
+              <a:rPr lang="en-US" dirty="0"/>
+              <a:t>G0K0</a:t>
+            </a:r>
+            <a:endParaRPr lang="ru-RU" dirty="0"/>
+          </a:p>
+        </p:txBody>
+      </p:sp>
+    </p:spTree>
+    <p:extLst>
+      <p:ext uri="{BB962C8B-B14F-4D97-AF65-F5344CB8AC3E}">
+        <p14:creationId xmlns:p14="http://schemas.microsoft.com/office/powerpoint/2010/main" val="1596516822"/>
+      </p:ext>
+    </p:extLst>
+  </p:cSld>
+  <p:clrMapOvr>
+    <a:masterClrMapping/>
+  </p:clrMapOvr>
+</p:sld>
+</file>
+
+<file path=ppt/slides/slide2.xml><?xml version="1.0" encoding="utf-8"?>
+<p:sld xmlns:a="http://schemas.openxmlformats.org/drawingml/2006/main" xmlns:r="http://schemas.openxmlformats.org/officeDocument/2006/relationships" xmlns:p="http://schemas.openxmlformats.org/presentationml/2006/main">
+  <p:cSld>
+    <p:spTree>
+      <p:nvGrpSpPr>
+        <p:cNvPr id="1" name=""/>
+        <p:cNvGrpSpPr/>
+        <p:nvPr/>
+      </p:nvGrpSpPr>
+      <p:grpSpPr>
+        <a:xfrm>
+          <a:off x="0" y="0"/>
+          <a:ext cx="0" cy="0"/>
+          <a:chOff x="0" y="0"/>
+          <a:chExt cx="0" cy="0"/>
+        </a:xfrm>
+      </p:grpSpPr>
+      <p:sp>
+        <p:nvSpPr>
+          <p:cNvPr id="4" name="Шестиугольник 3">
+            <a:extLst>
+              <a:ext uri="{FF2B5EF4-FFF2-40B4-BE49-F238E27FC236}">
+                <a16:creationId xmlns:a16="http://schemas.microsoft.com/office/drawing/2014/main" id="{A6C72720-2857-BE76-EB39-FEA6BBBE559E}"/>
+              </a:ext>
+            </a:extLst>
+          </p:cNvPr>
+          <p:cNvSpPr/>
+          <p:nvPr/>
+        </p:nvSpPr>
+        <p:spPr>
+          <a:xfrm>
+            <a:off x="2610035" y="1651247"/>
+            <a:ext cx="1429200" cy="856800"/>
+          </a:xfrm>
+          <a:prstGeom prst="hexagon">
+            <a:avLst>
+              <a:gd name="adj" fmla="val 33436"/>
+              <a:gd name="vf" fmla="val 115470"/>
+            </a:avLst>
+          </a:prstGeom>
+          <a:noFill/>
+          <a:ln w="28575">
+            <a:solidFill>
+              <a:srgbClr val="FF0000"/>
+            </a:solidFill>
+          </a:ln>
+        </p:spPr>
+        <p:style>
+          <a:lnRef idx="2">
+            <a:schemeClr val="accent1">
+              <a:shade val="50000"/>
+            </a:schemeClr>
+          </a:lnRef>
+          <a:fillRef idx="1">
+            <a:schemeClr val="accent1"/>
+          </a:fillRef>
+          <a:effectRef idx="0">
+            <a:schemeClr val="accent1"/>
+          </a:effectRef>
+          <a:fontRef idx="minor">
+            <a:schemeClr val="lt1"/>
+          </a:fontRef>
+        </p:style>
+        <p:txBody>
+          <a:bodyPr rtlCol="0" anchor="ctr"/>
+          <a:lstStyle/>
+          <a:p>
+            <a:pPr algn="ctr"/>
+            <a:endParaRPr lang="ru-RU"/>
+          </a:p>
+        </p:txBody>
+      </p:sp>
+    </p:spTree>
+    <p:extLst>
+      <p:ext uri="{BB962C8B-B14F-4D97-AF65-F5344CB8AC3E}">
+        <p14:creationId xmlns:p14="http://schemas.microsoft.com/office/powerpoint/2010/main" val="3915284933"/>
+      </p:ext>
+    </p:extLst>
+  </p:cSld>
+  <p:clrMapOvr>
+    <a:masterClrMapping/>
+  </p:clrMapOvr>
+</p:sld>
+</file>
+
+<file path=ppt/slides/slide3.xml><?xml version="1.0" encoding="utf-8"?>
+<p:sld xmlns:a="http://schemas.openxmlformats.org/drawingml/2006/main" xmlns:r="http://schemas.openxmlformats.org/officeDocument/2006/relationships" xmlns:p="http://schemas.openxmlformats.org/presentationml/2006/main">
+  <p:cSld>
+    <p:spTree>
+      <p:nvGrpSpPr>
+        <p:cNvPr id="1" name=""/>
+        <p:cNvGrpSpPr/>
+        <p:nvPr/>
+      </p:nvGrpSpPr>
+      <p:grpSpPr>
+        <a:xfrm>
+          <a:off x="0" y="0"/>
+          <a:ext cx="0" cy="0"/>
+          <a:chOff x="0" y="0"/>
+          <a:chExt cx="0" cy="0"/>
+        </a:xfrm>
+      </p:grpSpPr>
+      <p:sp>
+        <p:nvSpPr>
+          <p:cNvPr id="4" name="Шестиугольник 3">
+            <a:extLst>
+              <a:ext uri="{FF2B5EF4-FFF2-40B4-BE49-F238E27FC236}">
+                <a16:creationId xmlns:a16="http://schemas.microsoft.com/office/drawing/2014/main" id="{A6C72720-2857-BE76-EB39-FEA6BBBE559E}"/>
+              </a:ext>
+            </a:extLst>
+          </p:cNvPr>
+          <p:cNvSpPr/>
+          <p:nvPr/>
+        </p:nvSpPr>
+        <p:spPr>
+          <a:xfrm>
+            <a:off x="2610035" y="1651247"/>
+            <a:ext cx="1429200" cy="856800"/>
+          </a:xfrm>
+          <a:prstGeom prst="hexagon">
+            <a:avLst>
+              <a:gd name="adj" fmla="val 33436"/>
+              <a:gd name="vf" fmla="val 115470"/>
+            </a:avLst>
+          </a:prstGeom>
+          <a:noFill/>
+          <a:ln w="28575">
+            <a:solidFill>
+              <a:srgbClr val="FF0000"/>
+            </a:solidFill>
+            <a:prstDash val="dash"/>
+          </a:ln>
+        </p:spPr>
+        <p:style>
+          <a:lnRef idx="2">
+            <a:schemeClr val="accent1">
+              <a:shade val="50000"/>
+            </a:schemeClr>
+          </a:lnRef>
+          <a:fillRef idx="1">
+            <a:schemeClr val="accent1"/>
+          </a:fillRef>
+          <a:effectRef idx="0">
+            <a:schemeClr val="accent1"/>
+          </a:effectRef>
+          <a:fontRef idx="minor">
+            <a:schemeClr val="lt1"/>
+          </a:fontRef>
+        </p:style>
+        <p:txBody>
+          <a:bodyPr rtlCol="0" anchor="ctr"/>
+          <a:lstStyle/>
+          <a:p>
+            <a:pPr algn="ctr"/>
+            <a:endParaRPr lang="ru-RU"/>
+          </a:p>
+        </p:txBody>
+      </p:sp>
+    </p:spTree>
+    <p:extLst>
+      <p:ext uri="{BB962C8B-B14F-4D97-AF65-F5344CB8AC3E}">
+        <p14:creationId xmlns:p14="http://schemas.microsoft.com/office/powerpoint/2010/main" val="3210739162"/>
+      </p:ext>
+    </p:extLst>
+  </p:cSld>
+  <p:clrMapOvr>
+    <a:masterClrMapping/>
+  </p:clrMapOvr>
+</p:sld>
+</file>
+
+<file path=ppt/slides/slide4.xml><?xml version="1.0" encoding="utf-8"?>
+<p:sld xmlns:a="http://schemas.openxmlformats.org/drawingml/2006/main" xmlns:r="http://schemas.openxmlformats.org/officeDocument/2006/relationships" xmlns:p="http://schemas.openxmlformats.org/presentationml/2006/main">
+  <p:cSld>
+    <p:spTree>
+      <p:nvGrpSpPr>
+        <p:cNvPr id="1" name=""/>
+        <p:cNvGrpSpPr/>
+        <p:nvPr/>
+      </p:nvGrpSpPr>
+      <p:grpSpPr>
+        <a:xfrm>
+          <a:off x="0" y="0"/>
+          <a:ext cx="0" cy="0"/>
+          <a:chOff x="0" y="0"/>
+          <a:chExt cx="0" cy="0"/>
+        </a:xfrm>
+      </p:grpSpPr>
+      <p:sp>
+        <p:nvSpPr>
+          <p:cNvPr id="4" name="Шестиугольник 3">
+            <a:extLst>
+              <a:ext uri="{FF2B5EF4-FFF2-40B4-BE49-F238E27FC236}">
+                <a16:creationId xmlns:a16="http://schemas.microsoft.com/office/drawing/2014/main" id="{A6C72720-2857-BE76-EB39-FEA6BBBE559E}"/>
+              </a:ext>
+            </a:extLst>
+          </p:cNvPr>
+          <p:cNvSpPr/>
+          <p:nvPr/>
+        </p:nvSpPr>
+        <p:spPr>
+          <a:xfrm>
+            <a:off x="2201662" y="3551069"/>
+            <a:ext cx="1429200" cy="856800"/>
+          </a:xfrm>
+          <a:prstGeom prst="hexagon">
+            <a:avLst>
+              <a:gd name="adj" fmla="val 33436"/>
+              <a:gd name="vf" fmla="val 115470"/>
+            </a:avLst>
+          </a:prstGeom>
+          <a:pattFill prst="dotDmnd">
+            <a:fgClr>
+              <a:srgbClr val="FFC000"/>
+            </a:fgClr>
+            <a:bgClr>
+              <a:schemeClr val="bg1"/>
+            </a:bgClr>
+          </a:pattFill>
+          <a:ln w="6350" cap="sq">
+            <a:solidFill>
+              <a:schemeClr val="tx1"/>
+            </a:solidFill>
+            <a:prstDash val="solid"/>
+            <a:miter lim="800000"/>
+          </a:ln>
+        </p:spPr>
+        <p:style>
+          <a:lnRef idx="2">
+            <a:schemeClr val="accent1">
+              <a:shade val="50000"/>
+            </a:schemeClr>
+          </a:lnRef>
+          <a:fillRef idx="1">
+            <a:schemeClr val="accent1"/>
+          </a:fillRef>
+          <a:effectRef idx="0">
+            <a:schemeClr val="accent1"/>
+          </a:effectRef>
+          <a:fontRef idx="minor">
+            <a:schemeClr val="lt1"/>
+          </a:fontRef>
+        </p:style>
+        <p:txBody>
+          <a:bodyPr rtlCol="0" anchor="ctr"/>
+          <a:lstStyle/>
+          <a:p>
+            <a:pPr algn="ctr"/>
+            <a:endParaRPr lang="ru-RU" dirty="0"/>
+          </a:p>
+        </p:txBody>
+      </p:sp>
+      <p:sp>
+        <p:nvSpPr>
+          <p:cNvPr id="2" name="Заголовок 1">
+            <a:extLst>
+              <a:ext uri="{FF2B5EF4-FFF2-40B4-BE49-F238E27FC236}">
+                <a16:creationId xmlns:a16="http://schemas.microsoft.com/office/drawing/2014/main" id="{B97B1B31-D6CD-685C-0447-6566411BD8BA}"/>
+              </a:ext>
+            </a:extLst>
+          </p:cNvPr>
+          <p:cNvSpPr>
+            <a:spLocks noGrp="1"/>
+          </p:cNvSpPr>
+          <p:nvPr>
+            <p:ph type="title"/>
+          </p:nvPr>
+        </p:nvSpPr>
+        <p:spPr/>
+        <p:txBody>
+          <a:bodyPr/>
+          <a:lstStyle/>
+          <a:p>
+            <a:r>
+              <a:rPr lang="en-US" dirty="0"/>
+              <a:t>G0K0</a:t>
+            </a:r>
+            <a:endParaRPr lang="ru-RU" dirty="0"/>
+          </a:p>
+        </p:txBody>
+      </p:sp>
     </p:spTree>
     <p:extLst>
       <p:ext uri="{BB962C8B-B14F-4D97-AF65-F5344CB8AC3E}">
         <p14:creationId xmlns:p14="http://schemas.microsoft.com/office/powerpoint/2010/main" val="1639410369"/>
+      </p:ext>
+    </p:extLst>
+  </p:cSld>
+  <p:clrMapOvr>
+    <a:masterClrMapping/>
+  </p:clrMapOvr>
+</p:sld>
+</file>
+
+<file path=ppt/slides/slide5.xml><?xml version="1.0" encoding="utf-8"?>
+<p:sld xmlns:a="http://schemas.openxmlformats.org/drawingml/2006/main" xmlns:r="http://schemas.openxmlformats.org/officeDocument/2006/relationships" xmlns:p="http://schemas.openxmlformats.org/presentationml/2006/main">
+  <p:cSld>
+    <p:spTree>
+      <p:nvGrpSpPr>
+        <p:cNvPr id="1" name=""/>
+        <p:cNvGrpSpPr/>
+        <p:nvPr/>
+      </p:nvGrpSpPr>
+      <p:grpSpPr>
+        <a:xfrm>
+          <a:off x="0" y="0"/>
+          <a:ext cx="0" cy="0"/>
+          <a:chOff x="0" y="0"/>
+          <a:chExt cx="0" cy="0"/>
+        </a:xfrm>
+      </p:grpSpPr>
+      <p:sp>
+        <p:nvSpPr>
+          <p:cNvPr id="4" name="Шестиугольник 3">
+            <a:extLst>
+              <a:ext uri="{FF2B5EF4-FFF2-40B4-BE49-F238E27FC236}">
+                <a16:creationId xmlns:a16="http://schemas.microsoft.com/office/drawing/2014/main" id="{A6C72720-2857-BE76-EB39-FEA6BBBE559E}"/>
+              </a:ext>
+            </a:extLst>
+          </p:cNvPr>
+          <p:cNvSpPr/>
+          <p:nvPr/>
+        </p:nvSpPr>
+        <p:spPr>
+          <a:xfrm>
+            <a:off x="2201662" y="3551069"/>
+            <a:ext cx="1429200" cy="856800"/>
+          </a:xfrm>
+          <a:prstGeom prst="hexagon">
+            <a:avLst>
+              <a:gd name="adj" fmla="val 33436"/>
+              <a:gd name="vf" fmla="val 115470"/>
+            </a:avLst>
+          </a:prstGeom>
+          <a:pattFill prst="smGrid">
+            <a:fgClr>
+              <a:srgbClr val="00B0F0"/>
+            </a:fgClr>
+            <a:bgClr>
+              <a:schemeClr val="bg1"/>
+            </a:bgClr>
+          </a:pattFill>
+          <a:ln w="6350" cap="sq">
+            <a:solidFill>
+              <a:schemeClr val="tx1"/>
+            </a:solidFill>
+            <a:prstDash val="solid"/>
+            <a:miter lim="800000"/>
+          </a:ln>
+        </p:spPr>
+        <p:style>
+          <a:lnRef idx="2">
+            <a:schemeClr val="accent1">
+              <a:shade val="50000"/>
+            </a:schemeClr>
+          </a:lnRef>
+          <a:fillRef idx="1">
+            <a:schemeClr val="accent1"/>
+          </a:fillRef>
+          <a:effectRef idx="0">
+            <a:schemeClr val="accent1"/>
+          </a:effectRef>
+          <a:fontRef idx="minor">
+            <a:schemeClr val="lt1"/>
+          </a:fontRef>
+        </p:style>
+        <p:txBody>
+          <a:bodyPr rtlCol="0" anchor="ctr"/>
+          <a:lstStyle/>
+          <a:p>
+            <a:pPr algn="ctr"/>
+            <a:endParaRPr lang="ru-RU" dirty="0"/>
+          </a:p>
+        </p:txBody>
+      </p:sp>
+      <p:sp>
+        <p:nvSpPr>
+          <p:cNvPr id="2" name="Заголовок 1">
+            <a:extLst>
+              <a:ext uri="{FF2B5EF4-FFF2-40B4-BE49-F238E27FC236}">
+                <a16:creationId xmlns:a16="http://schemas.microsoft.com/office/drawing/2014/main" id="{B97B1B31-D6CD-685C-0447-6566411BD8BA}"/>
+              </a:ext>
+            </a:extLst>
+          </p:cNvPr>
+          <p:cNvSpPr>
+            <a:spLocks noGrp="1"/>
+          </p:cNvSpPr>
+          <p:nvPr>
+            <p:ph type="title"/>
+          </p:nvPr>
+        </p:nvSpPr>
+        <p:spPr/>
+        <p:txBody>
+          <a:bodyPr/>
+          <a:lstStyle/>
+          <a:p>
+            <a:r>
+              <a:rPr lang="en-US" dirty="0"/>
+              <a:t>G0K-1</a:t>
+            </a:r>
+            <a:endParaRPr lang="ru-RU" dirty="0"/>
+          </a:p>
+        </p:txBody>
+      </p:sp>
+    </p:spTree>
+    <p:extLst>
+      <p:ext uri="{BB962C8B-B14F-4D97-AF65-F5344CB8AC3E}">
+        <p14:creationId xmlns:p14="http://schemas.microsoft.com/office/powerpoint/2010/main" val="1235491635"/>
+      </p:ext>
+    </p:extLst>
+  </p:cSld>
+  <p:clrMapOvr>
+    <a:masterClrMapping/>
+  </p:clrMapOvr>
+</p:sld>
+</file>
+
+<file path=ppt/slides/slide6.xml><?xml version="1.0" encoding="utf-8"?>
+<p:sld xmlns:a="http://schemas.openxmlformats.org/drawingml/2006/main" xmlns:r="http://schemas.openxmlformats.org/officeDocument/2006/relationships" xmlns:p="http://schemas.openxmlformats.org/presentationml/2006/main">
+  <p:cSld>
+    <p:spTree>
+      <p:nvGrpSpPr>
+        <p:cNvPr id="1" name=""/>
+        <p:cNvGrpSpPr/>
+        <p:nvPr/>
+      </p:nvGrpSpPr>
+      <p:grpSpPr>
+        <a:xfrm>
+          <a:off x="0" y="0"/>
+          <a:ext cx="0" cy="0"/>
+          <a:chOff x="0" y="0"/>
+          <a:chExt cx="0" cy="0"/>
+        </a:xfrm>
+      </p:grpSpPr>
+      <p:sp>
+        <p:nvSpPr>
+          <p:cNvPr id="4" name="Шестиугольник 3">
+            <a:extLst>
+              <a:ext uri="{FF2B5EF4-FFF2-40B4-BE49-F238E27FC236}">
+                <a16:creationId xmlns:a16="http://schemas.microsoft.com/office/drawing/2014/main" id="{A6C72720-2857-BE76-EB39-FEA6BBBE559E}"/>
+              </a:ext>
+            </a:extLst>
+          </p:cNvPr>
+          <p:cNvSpPr/>
+          <p:nvPr/>
+        </p:nvSpPr>
+        <p:spPr>
+          <a:xfrm>
+            <a:off x="2201662" y="3551069"/>
+            <a:ext cx="1429200" cy="856800"/>
+          </a:xfrm>
+          <a:prstGeom prst="hexagon">
+            <a:avLst>
+              <a:gd name="adj" fmla="val 33436"/>
+              <a:gd name="vf" fmla="val 115470"/>
+            </a:avLst>
+          </a:prstGeom>
+          <a:pattFill prst="zigZag">
+            <a:fgClr>
+              <a:schemeClr val="accent2"/>
+            </a:fgClr>
+            <a:bgClr>
+              <a:schemeClr val="bg1"/>
+            </a:bgClr>
+          </a:pattFill>
+          <a:ln w="6350" cap="sq">
+            <a:solidFill>
+              <a:schemeClr val="tx1"/>
+            </a:solidFill>
+            <a:prstDash val="solid"/>
+            <a:miter lim="800000"/>
+          </a:ln>
+        </p:spPr>
+        <p:style>
+          <a:lnRef idx="2">
+            <a:schemeClr val="accent1">
+              <a:shade val="50000"/>
+            </a:schemeClr>
+          </a:lnRef>
+          <a:fillRef idx="1">
+            <a:schemeClr val="accent1"/>
+          </a:fillRef>
+          <a:effectRef idx="0">
+            <a:schemeClr val="accent1"/>
+          </a:effectRef>
+          <a:fontRef idx="minor">
+            <a:schemeClr val="lt1"/>
+          </a:fontRef>
+        </p:style>
+        <p:txBody>
+          <a:bodyPr rtlCol="0" anchor="ctr"/>
+          <a:lstStyle/>
+          <a:p>
+            <a:pPr algn="ctr"/>
+            <a:endParaRPr lang="ru-RU" dirty="0"/>
+          </a:p>
+        </p:txBody>
+      </p:sp>
+      <p:sp>
+        <p:nvSpPr>
+          <p:cNvPr id="2" name="Заголовок 1">
+            <a:extLst>
+              <a:ext uri="{FF2B5EF4-FFF2-40B4-BE49-F238E27FC236}">
+                <a16:creationId xmlns:a16="http://schemas.microsoft.com/office/drawing/2014/main" id="{B97B1B31-D6CD-685C-0447-6566411BD8BA}"/>
+              </a:ext>
+            </a:extLst>
+          </p:cNvPr>
+          <p:cNvSpPr>
+            <a:spLocks noGrp="1"/>
+          </p:cNvSpPr>
+          <p:nvPr>
+            <p:ph type="title"/>
+          </p:nvPr>
+        </p:nvSpPr>
+        <p:spPr/>
+        <p:txBody>
+          <a:bodyPr/>
+          <a:lstStyle/>
+          <a:p>
+            <a:r>
+              <a:rPr lang="en-US" dirty="0"/>
+              <a:t>G1K2</a:t>
+            </a:r>
+            <a:endParaRPr lang="ru-RU" dirty="0"/>
+          </a:p>
+        </p:txBody>
+      </p:sp>
+    </p:spTree>
+    <p:extLst>
+      <p:ext uri="{BB962C8B-B14F-4D97-AF65-F5344CB8AC3E}">
+        <p14:creationId xmlns:p14="http://schemas.microsoft.com/office/powerpoint/2010/main" val="451089161"/>
+      </p:ext>
+    </p:extLst>
+  </p:cSld>
+  <p:clrMapOvr>
+    <a:masterClrMapping/>
+  </p:clrMapOvr>
+</p:sld>
+</file>
+
+<file path=ppt/slides/slide7.xml><?xml version="1.0" encoding="utf-8"?>
+<p:sld xmlns:a="http://schemas.openxmlformats.org/drawingml/2006/main" xmlns:r="http://schemas.openxmlformats.org/officeDocument/2006/relationships" xmlns:p="http://schemas.openxmlformats.org/presentationml/2006/main">
+  <p:cSld>
+    <p:spTree>
+      <p:nvGrpSpPr>
+        <p:cNvPr id="1" name=""/>
+        <p:cNvGrpSpPr/>
+        <p:nvPr/>
+      </p:nvGrpSpPr>
+      <p:grpSpPr>
+        <a:xfrm>
+          <a:off x="0" y="0"/>
+          <a:ext cx="0" cy="0"/>
+          <a:chOff x="0" y="0"/>
+          <a:chExt cx="0" cy="0"/>
+        </a:xfrm>
+      </p:grpSpPr>
+      <p:sp>
+        <p:nvSpPr>
+          <p:cNvPr id="4" name="Шестиугольник 3">
+            <a:extLst>
+              <a:ext uri="{FF2B5EF4-FFF2-40B4-BE49-F238E27FC236}">
+                <a16:creationId xmlns:a16="http://schemas.microsoft.com/office/drawing/2014/main" id="{A6C72720-2857-BE76-EB39-FEA6BBBE559E}"/>
+              </a:ext>
+            </a:extLst>
+          </p:cNvPr>
+          <p:cNvSpPr/>
+          <p:nvPr/>
+        </p:nvSpPr>
+        <p:spPr>
+          <a:xfrm>
+            <a:off x="2201662" y="3551069"/>
+            <a:ext cx="1429200" cy="856800"/>
+          </a:xfrm>
+          <a:prstGeom prst="hexagon">
+            <a:avLst>
+              <a:gd name="adj" fmla="val 33436"/>
+              <a:gd name="vf" fmla="val 115470"/>
+            </a:avLst>
+          </a:prstGeom>
+          <a:pattFill prst="wave">
+            <a:fgClr>
+              <a:srgbClr val="FF63FF"/>
+            </a:fgClr>
+            <a:bgClr>
+              <a:schemeClr val="bg1"/>
+            </a:bgClr>
+          </a:pattFill>
+          <a:ln w="6350" cap="sq">
+            <a:solidFill>
+              <a:schemeClr val="tx1"/>
+            </a:solidFill>
+            <a:prstDash val="solid"/>
+            <a:miter lim="800000"/>
+          </a:ln>
+        </p:spPr>
+        <p:style>
+          <a:lnRef idx="2">
+            <a:schemeClr val="accent1">
+              <a:shade val="50000"/>
+            </a:schemeClr>
+          </a:lnRef>
+          <a:fillRef idx="1">
+            <a:schemeClr val="accent1"/>
+          </a:fillRef>
+          <a:effectRef idx="0">
+            <a:schemeClr val="accent1"/>
+          </a:effectRef>
+          <a:fontRef idx="minor">
+            <a:schemeClr val="lt1"/>
+          </a:fontRef>
+        </p:style>
+        <p:txBody>
+          <a:bodyPr rtlCol="0" anchor="ctr"/>
+          <a:lstStyle/>
+          <a:p>
+            <a:pPr algn="ctr"/>
+            <a:endParaRPr lang="ru-RU" dirty="0"/>
+          </a:p>
+        </p:txBody>
+      </p:sp>
+      <p:sp>
+        <p:nvSpPr>
+          <p:cNvPr id="2" name="Заголовок 1">
+            <a:extLst>
+              <a:ext uri="{FF2B5EF4-FFF2-40B4-BE49-F238E27FC236}">
+                <a16:creationId xmlns:a16="http://schemas.microsoft.com/office/drawing/2014/main" id="{B97B1B31-D6CD-685C-0447-6566411BD8BA}"/>
+              </a:ext>
+            </a:extLst>
+          </p:cNvPr>
+          <p:cNvSpPr>
+            <a:spLocks noGrp="1"/>
+          </p:cNvSpPr>
+          <p:nvPr>
+            <p:ph type="title"/>
+          </p:nvPr>
+        </p:nvSpPr>
+        <p:spPr/>
+        <p:txBody>
+          <a:bodyPr/>
+          <a:lstStyle/>
+          <a:p>
+            <a:r>
+              <a:rPr lang="en-US" dirty="0"/>
+              <a:t>G-1K-2</a:t>
+            </a:r>
+            <a:endParaRPr lang="ru-RU" dirty="0"/>
+          </a:p>
+        </p:txBody>
+      </p:sp>
+    </p:spTree>
+    <p:extLst>
+      <p:ext uri="{BB962C8B-B14F-4D97-AF65-F5344CB8AC3E}">
+        <p14:creationId xmlns:p14="http://schemas.microsoft.com/office/powerpoint/2010/main" val="859483767"/>
+      </p:ext>
+    </p:extLst>
+  </p:cSld>
+  <p:clrMapOvr>
+    <a:masterClrMapping/>
+  </p:clrMapOvr>
+</p:sld>
+</file>
+
+<file path=ppt/slides/slide8.xml><?xml version="1.0" encoding="utf-8"?>
+<p:sld xmlns:a="http://schemas.openxmlformats.org/drawingml/2006/main" xmlns:r="http://schemas.openxmlformats.org/officeDocument/2006/relationships" xmlns:p="http://schemas.openxmlformats.org/presentationml/2006/main">
+  <p:cSld>
+    <p:spTree>
+      <p:nvGrpSpPr>
+        <p:cNvPr id="1" name=""/>
+        <p:cNvGrpSpPr/>
+        <p:nvPr/>
+      </p:nvGrpSpPr>
+      <p:grpSpPr>
+        <a:xfrm>
+          <a:off x="0" y="0"/>
+          <a:ext cx="0" cy="0"/>
+          <a:chOff x="0" y="0"/>
+          <a:chExt cx="0" cy="0"/>
+        </a:xfrm>
+      </p:grpSpPr>
+      <p:sp>
+        <p:nvSpPr>
+          <p:cNvPr id="4" name="Шестиугольник 3">
+            <a:extLst>
+              <a:ext uri="{FF2B5EF4-FFF2-40B4-BE49-F238E27FC236}">
+                <a16:creationId xmlns:a16="http://schemas.microsoft.com/office/drawing/2014/main" id="{A6C72720-2857-BE76-EB39-FEA6BBBE559E}"/>
+              </a:ext>
+            </a:extLst>
+          </p:cNvPr>
+          <p:cNvSpPr/>
+          <p:nvPr/>
+        </p:nvSpPr>
+        <p:spPr>
+          <a:xfrm>
+            <a:off x="2201662" y="3551069"/>
+            <a:ext cx="1429200" cy="856800"/>
+          </a:xfrm>
+          <a:prstGeom prst="hexagon">
+            <a:avLst>
+              <a:gd name="adj" fmla="val 33436"/>
+              <a:gd name="vf" fmla="val 115470"/>
+            </a:avLst>
+          </a:prstGeom>
+          <a:pattFill prst="lgGrid">
+            <a:fgClr>
+              <a:srgbClr val="C2D69B"/>
+            </a:fgClr>
+            <a:bgClr>
+              <a:schemeClr val="bg1"/>
+            </a:bgClr>
+          </a:pattFill>
+          <a:ln w="6350" cap="sq">
+            <a:solidFill>
+              <a:schemeClr val="tx1"/>
+            </a:solidFill>
+            <a:prstDash val="solid"/>
+            <a:miter lim="800000"/>
+          </a:ln>
+        </p:spPr>
+        <p:style>
+          <a:lnRef idx="2">
+            <a:schemeClr val="accent1">
+              <a:shade val="50000"/>
+            </a:schemeClr>
+          </a:lnRef>
+          <a:fillRef idx="1">
+            <a:schemeClr val="accent1"/>
+          </a:fillRef>
+          <a:effectRef idx="0">
+            <a:schemeClr val="accent1"/>
+          </a:effectRef>
+          <a:fontRef idx="minor">
+            <a:schemeClr val="lt1"/>
+          </a:fontRef>
+        </p:style>
+        <p:txBody>
+          <a:bodyPr rtlCol="0" anchor="ctr"/>
+          <a:lstStyle/>
+          <a:p>
+            <a:pPr algn="ctr"/>
+            <a:endParaRPr lang="ru-RU" dirty="0"/>
+          </a:p>
+        </p:txBody>
+      </p:sp>
+      <p:sp>
+        <p:nvSpPr>
+          <p:cNvPr id="2" name="Заголовок 1">
+            <a:extLst>
+              <a:ext uri="{FF2B5EF4-FFF2-40B4-BE49-F238E27FC236}">
+                <a16:creationId xmlns:a16="http://schemas.microsoft.com/office/drawing/2014/main" id="{B97B1B31-D6CD-685C-0447-6566411BD8BA}"/>
+              </a:ext>
+            </a:extLst>
+          </p:cNvPr>
+          <p:cNvSpPr>
+            <a:spLocks noGrp="1"/>
+          </p:cNvSpPr>
+          <p:nvPr>
+            <p:ph type="title"/>
+          </p:nvPr>
+        </p:nvSpPr>
+        <p:spPr/>
+        <p:txBody>
+          <a:bodyPr/>
+          <a:lstStyle/>
+          <a:p>
+            <a:r>
+              <a:rPr lang="en-US" dirty="0"/>
+              <a:t>G-1K-1</a:t>
+            </a:r>
+            <a:endParaRPr lang="ru-RU" dirty="0"/>
+          </a:p>
+        </p:txBody>
+      </p:sp>
+    </p:spTree>
+    <p:extLst>
+      <p:ext uri="{BB962C8B-B14F-4D97-AF65-F5344CB8AC3E}">
+        <p14:creationId xmlns:p14="http://schemas.microsoft.com/office/powerpoint/2010/main" val="128593013"/>
+      </p:ext>
+    </p:extLst>
+  </p:cSld>
+  <p:clrMapOvr>
+    <a:masterClrMapping/>
+  </p:clrMapOvr>
+</p:sld>
+</file>
+
+<file path=ppt/slides/slide9.xml><?xml version="1.0" encoding="utf-8"?>
+<p:sld xmlns:a="http://schemas.openxmlformats.org/drawingml/2006/main" xmlns:r="http://schemas.openxmlformats.org/officeDocument/2006/relationships" xmlns:p="http://schemas.openxmlformats.org/presentationml/2006/main">
+  <p:cSld>
+    <p:spTree>
+      <p:nvGrpSpPr>
+        <p:cNvPr id="1" name=""/>
+        <p:cNvGrpSpPr/>
+        <p:nvPr/>
+      </p:nvGrpSpPr>
+      <p:grpSpPr>
+        <a:xfrm>
+          <a:off x="0" y="0"/>
+          <a:ext cx="0" cy="0"/>
+          <a:chOff x="0" y="0"/>
+          <a:chExt cx="0" cy="0"/>
+        </a:xfrm>
+      </p:grpSpPr>
+      <p:sp>
+        <p:nvSpPr>
+          <p:cNvPr id="4" name="Шестиугольник 3">
+            <a:extLst>
+              <a:ext uri="{FF2B5EF4-FFF2-40B4-BE49-F238E27FC236}">
+                <a16:creationId xmlns:a16="http://schemas.microsoft.com/office/drawing/2014/main" id="{A6C72720-2857-BE76-EB39-FEA6BBBE559E}"/>
+              </a:ext>
+            </a:extLst>
+          </p:cNvPr>
+          <p:cNvSpPr/>
+          <p:nvPr/>
+        </p:nvSpPr>
+        <p:spPr>
+          <a:xfrm>
+            <a:off x="2201662" y="3551069"/>
+            <a:ext cx="1429200" cy="856800"/>
+          </a:xfrm>
+          <a:prstGeom prst="hexagon">
+            <a:avLst>
+              <a:gd name="adj" fmla="val 33436"/>
+              <a:gd name="vf" fmla="val 115470"/>
+            </a:avLst>
+          </a:prstGeom>
+          <a:pattFill prst="openDmnd">
+            <a:fgClr>
+              <a:srgbClr val="00B050"/>
+            </a:fgClr>
+            <a:bgClr>
+              <a:schemeClr val="bg1"/>
+            </a:bgClr>
+          </a:pattFill>
+          <a:ln w="6350" cap="sq">
+            <a:solidFill>
+              <a:schemeClr val="tx1"/>
+            </a:solidFill>
+            <a:prstDash val="solid"/>
+            <a:miter lim="800000"/>
+          </a:ln>
+        </p:spPr>
+        <p:style>
+          <a:lnRef idx="2">
+            <a:schemeClr val="accent1">
+              <a:shade val="50000"/>
+            </a:schemeClr>
+          </a:lnRef>
+          <a:fillRef idx="1">
+            <a:schemeClr val="accent1"/>
+          </a:fillRef>
+          <a:effectRef idx="0">
+            <a:schemeClr val="accent1"/>
+          </a:effectRef>
+          <a:fontRef idx="minor">
+            <a:schemeClr val="lt1"/>
+          </a:fontRef>
+        </p:style>
+        <p:txBody>
+          <a:bodyPr rtlCol="0" anchor="ctr"/>
+          <a:lstStyle/>
+          <a:p>
+            <a:pPr algn="ctr"/>
+            <a:endParaRPr lang="ru-RU" dirty="0"/>
+          </a:p>
+        </p:txBody>
+      </p:sp>
+      <p:sp>
+        <p:nvSpPr>
+          <p:cNvPr id="2" name="Заголовок 1">
+            <a:extLst>
+              <a:ext uri="{FF2B5EF4-FFF2-40B4-BE49-F238E27FC236}">
+                <a16:creationId xmlns:a16="http://schemas.microsoft.com/office/drawing/2014/main" id="{B97B1B31-D6CD-685C-0447-6566411BD8BA}"/>
+              </a:ext>
+            </a:extLst>
+          </p:cNvPr>
+          <p:cNvSpPr>
+            <a:spLocks noGrp="1"/>
+          </p:cNvSpPr>
+          <p:nvPr>
+            <p:ph type="title"/>
+          </p:nvPr>
+        </p:nvSpPr>
+        <p:spPr/>
+        <p:txBody>
+          <a:bodyPr/>
+          <a:lstStyle/>
+          <a:p>
+            <a:r>
+              <a:rPr lang="en-US" dirty="0"/>
+              <a:t>G1K1</a:t>
+            </a:r>
+            <a:endParaRPr lang="ru-RU" dirty="0"/>
+          </a:p>
+        </p:txBody>
+      </p:sp>
+    </p:spTree>
+    <p:extLst>
+      <p:ext uri="{BB962C8B-B14F-4D97-AF65-F5344CB8AC3E}">
+        <p14:creationId xmlns:p14="http://schemas.microsoft.com/office/powerpoint/2010/main" val="331224989"/>
       </p:ext>
     </p:extLst>
   </p:cSld>

--- a/styles/img/Презентация1.pptx
+++ b/styles/img/Презентация1.pptx
@@ -5,23 +5,9 @@
     <p:sldMasterId id="2147483648" r:id="rId1"/>
   </p:sldMasterIdLst>
   <p:sldIdLst>
-    <p:sldId id="272" r:id="rId2"/>
-    <p:sldId id="256" r:id="rId3"/>
-    <p:sldId id="258" r:id="rId4"/>
-    <p:sldId id="257" r:id="rId5"/>
-    <p:sldId id="259" r:id="rId6"/>
-    <p:sldId id="273" r:id="rId7"/>
-    <p:sldId id="261" r:id="rId8"/>
-    <p:sldId id="262" r:id="rId9"/>
-    <p:sldId id="263" r:id="rId10"/>
-    <p:sldId id="264" r:id="rId11"/>
-    <p:sldId id="265" r:id="rId12"/>
-    <p:sldId id="266" r:id="rId13"/>
-    <p:sldId id="267" r:id="rId14"/>
-    <p:sldId id="268" r:id="rId15"/>
-    <p:sldId id="269" r:id="rId16"/>
-    <p:sldId id="270" r:id="rId17"/>
-    <p:sldId id="271" r:id="rId18"/>
+    <p:sldId id="256" r:id="rId2"/>
+    <p:sldId id="258" r:id="rId3"/>
+    <p:sldId id="257" r:id="rId4"/>
   </p:sldIdLst>
   <p:sldSz cx="12192000" cy="6858000"/>
   <p:notesSz cx="6858000" cy="9144000"/>
@@ -126,174 +112,6 @@
     </p:ext>
   </p:extLst>
 </p:presentation>
-</file>
-
-<file path=ppt/ink/ink1.xml><?xml version="1.0" encoding="utf-8"?>
-<inkml:ink xmlns:inkml="http://www.w3.org/2003/InkML">
-  <inkml:definitions>
-    <inkml:context xml:id="ctx0">
-      <inkml:inkSource xml:id="inkSrc0">
-        <inkml:traceFormat>
-          <inkml:channel name="X" type="integer" min="-2.14748E9" max="2.14748E9" units="cm"/>
-          <inkml:channel name="Y" type="integer" min="-2.14748E9" max="2.14748E9" units="cm"/>
-          <inkml:channel name="F" type="integer" max="32767" units="dev"/>
-        </inkml:traceFormat>
-        <inkml:channelProperties>
-          <inkml:channelProperty channel="X" name="resolution" value="1000" units="1/cm"/>
-          <inkml:channelProperty channel="Y" name="resolution" value="1000" units="1/cm"/>
-          <inkml:channelProperty channel="F" name="resolution" value="0" units="1/dev"/>
-        </inkml:channelProperties>
-      </inkml:inkSource>
-      <inkml:timestamp xml:id="ts0" timeString="2022-12-30T13:17:10.736"/>
-    </inkml:context>
-    <inkml:brush xml:id="br0">
-      <inkml:brushProperty name="width" value="0.05" units="cm"/>
-      <inkml:brushProperty name="height" value="0.05" units="cm"/>
-      <inkml:brushProperty name="color" value="#E71224"/>
-    </inkml:brush>
-  </inkml:definitions>
-  <inkml:trace contextRef="#ctx0" brushRef="#br0">2 703 24575,'0'12'0,"-1"26"0,2-1 0,1 0 0,10 47 0,-1-31 0,-8-33 0,0 0 0,2 0 0,0 0 0,1 0 0,2-1 0,-1 0 0,13 20 0,-19-38 0,-1 0 0,1 0 0,-1 0 0,1 0 0,0 0 0,0 0 0,0 0 0,0 0 0,0 0 0,0 0 0,0 0 0,0-1 0,0 1 0,0 0 0,0-1 0,0 1 0,0-1 0,3 2 0,-3-3 0,-1 1 0,1 0 0,0 0 0,-1-1 0,1 1 0,0 0 0,-1-1 0,1 1 0,-1 0 0,1-1 0,-1 1 0,1-1 0,-1 1 0,1-1 0,-1 1 0,1-1 0,-1 0 0,0 1 0,1-1 0,-1 1 0,0-1 0,0 0 0,1 1 0,-1-2 0,3-7 0,-1 0 0,0-1 0,0-15 0,-1 19 0,1-15 0,1 0 0,2 0 0,0 1 0,1 0 0,1 0 0,17-36 0,-17 42 0,-2-1 0,8-26 0,-10 27 0,2 0 0,-1 0 0,11-18 0,7-4 0,2 1 0,2 2 0,1 0 0,32-28 0,-13 12 0,70-82 0,129-192 0,-225 291-1365,-5 3-5461</inkml:trace>
-</inkml:ink>
-</file>
-
-<file path=ppt/ink/ink2.xml><?xml version="1.0" encoding="utf-8"?>
-<inkml:ink xmlns:inkml="http://www.w3.org/2003/InkML">
-  <inkml:definitions>
-    <inkml:context xml:id="ctx0">
-      <inkml:inkSource xml:id="inkSrc0">
-        <inkml:traceFormat>
-          <inkml:channel name="X" type="integer" min="-2.14748E9" max="2.14748E9" units="cm"/>
-          <inkml:channel name="Y" type="integer" min="-2.14748E9" max="2.14748E9" units="cm"/>
-          <inkml:channel name="F" type="integer" max="32767" units="dev"/>
-        </inkml:traceFormat>
-        <inkml:channelProperties>
-          <inkml:channelProperty channel="X" name="resolution" value="1000" units="1/cm"/>
-          <inkml:channelProperty channel="Y" name="resolution" value="1000" units="1/cm"/>
-          <inkml:channelProperty channel="F" name="resolution" value="0" units="1/dev"/>
-        </inkml:channelProperties>
-      </inkml:inkSource>
-      <inkml:timestamp xml:id="ts0" timeString="2022-12-30T13:17:13.006"/>
-    </inkml:context>
-    <inkml:brush xml:id="br0">
-      <inkml:brushProperty name="width" value="0.05" units="cm"/>
-      <inkml:brushProperty name="height" value="0.05" units="cm"/>
-      <inkml:brushProperty name="color" value="#E71224"/>
-    </inkml:brush>
-  </inkml:definitions>
-  <inkml:trace contextRef="#ctx0" brushRef="#br0">1 274 24575,'0'5'0,"1"1"0,0-1 0,0 1 0,1-1 0,-1 0 0,1 1 0,0-1 0,1 0 0,4 8 0,33 45 0,-20-31 0,-10-12 0,-1 1 0,-1 0 0,0 0 0,-1 1 0,-1 0 0,0 0 0,-1 0 0,-1 1 0,2 29 0,-3-18 0,2 1 0,0-1 0,2 0 0,1-1 0,1 0 0,22 47 0,-26-68 0,0 0 0,1 0 0,-1 0 0,9 7 0,-8-9 0,0 1 0,-1 0 0,1 1 0,5 9 0,-11-16 0,0 0 0,0 1 0,0-1 0,0 0 0,0 0 0,0 1 0,0-1 0,0 0 0,0 0 0,0 1 0,1-1 0,-1 0 0,0 0 0,0 1 0,0-1 0,0 0 0,0 0 0,1 1 0,-1-1 0,0 0 0,0 0 0,0 0 0,1 0 0,-1 1 0,0-1 0,0 0 0,0 0 0,1 0 0,-1 0 0,0 0 0,0 0 0,1 0 0,-1 0 0,0 1 0,0-1 0,1 0 0,-1 0 0,0 0 0,1 0 0,-1 0 0,0-1 0,0 1 0,1 0 0,-1 0 0,0 0 0,0 0 0,1 0 0,3-17 0,-5-39 0,1 44 0,-1-21 0,-2-97 0,19-188 0,-11 273 0,-3 20 0,2 1 0,7-33 0,-8 49 0,0-1 0,1 0 0,0 1 0,0-1 0,0 1 0,1 0 0,1 1 0,-1-1 0,13-12 0,6-1 59,50-35 0,-11 11-1542,-41 26-5343</inkml:trace>
-</inkml:ink>
-</file>
-
-<file path=ppt/ink/ink3.xml><?xml version="1.0" encoding="utf-8"?>
-<inkml:ink xmlns:inkml="http://www.w3.org/2003/InkML">
-  <inkml:definitions>
-    <inkml:context xml:id="ctx0">
-      <inkml:inkSource xml:id="inkSrc0">
-        <inkml:traceFormat>
-          <inkml:channel name="X" type="integer" min="-2.14748E9" max="2.14748E9" units="cm"/>
-          <inkml:channel name="Y" type="integer" min="-2.14748E9" max="2.14748E9" units="cm"/>
-          <inkml:channel name="F" type="integer" max="32767" units="dev"/>
-        </inkml:traceFormat>
-        <inkml:channelProperties>
-          <inkml:channelProperty channel="X" name="resolution" value="1000" units="1/cm"/>
-          <inkml:channelProperty channel="Y" name="resolution" value="1000" units="1/cm"/>
-          <inkml:channelProperty channel="F" name="resolution" value="0" units="1/dev"/>
-        </inkml:channelProperties>
-      </inkml:inkSource>
-      <inkml:timestamp xml:id="ts0" timeString="2022-12-30T13:23:25.847"/>
-    </inkml:context>
-    <inkml:brush xml:id="br0">
-      <inkml:brushProperty name="width" value="0.05" units="cm"/>
-      <inkml:brushProperty name="height" value="0.05" units="cm"/>
-      <inkml:brushProperty name="color" value="#E71224"/>
-    </inkml:brush>
-  </inkml:definitions>
-  <inkml:trace contextRef="#ctx0" brushRef="#br0">5 4 24575,'-2'90'0,"-1"-41"0,3 0 0,10 75 0,-4-95 0,21 53 0,-15-48 0,-9-26 0,1-1 0,0 1 0,0-1 0,1 0 0,7 8 0,16 28 0,-13-8 0,-1-3 0,27 46 0,-39-75 0,0 0 0,1 0 0,-1-1 0,0 1 0,1-1 0,-1 0 0,1 0 0,0 0 0,0 0 0,0 0 0,0-1 0,0 1 0,0-1 0,0 1 0,5 0 0,-6-2 0,-1 1 0,1-1 0,0 0 0,-1 0 0,1 0 0,0 0 0,-1 0 0,1-1 0,0 1 0,-1 0 0,1-1 0,-1 1 0,1-1 0,-1 1 0,1-1 0,-1 0 0,1 0 0,-1 0 0,1 0 0,-1 0 0,0 0 0,0 0 0,0 0 0,1 0 0,-1-1 0,0 1 0,0 0 0,-1-1 0,1 1 0,0-1 0,0 1 0,-1-1 0,2-2 0,42-135 0,-28 89 0,-6 18 0,1 1 0,19-39 0,-4 16 0,-3-1 0,17-63 0,5-10 0,-40 110 120,-5 7-1605</inkml:trace>
-</inkml:ink>
-</file>
-
-<file path=ppt/ink/ink4.xml><?xml version="1.0" encoding="utf-8"?>
-<inkml:ink xmlns:inkml="http://www.w3.org/2003/InkML">
-  <inkml:definitions>
-    <inkml:context xml:id="ctx0">
-      <inkml:inkSource xml:id="inkSrc0">
-        <inkml:traceFormat>
-          <inkml:channel name="X" type="integer" min="-2.14748E9" max="2.14748E9" units="cm"/>
-          <inkml:channel name="Y" type="integer" min="-2.14748E9" max="2.14748E9" units="cm"/>
-          <inkml:channel name="F" type="integer" max="32767" units="dev"/>
-        </inkml:traceFormat>
-        <inkml:channelProperties>
-          <inkml:channelProperty channel="X" name="resolution" value="1000" units="1/cm"/>
-          <inkml:channelProperty channel="Y" name="resolution" value="1000" units="1/cm"/>
-          <inkml:channelProperty channel="F" name="resolution" value="0" units="1/dev"/>
-        </inkml:channelProperties>
-      </inkml:inkSource>
-      <inkml:timestamp xml:id="ts0" timeString="2022-12-30T13:23:27.825"/>
-    </inkml:context>
-    <inkml:brush xml:id="br0">
-      <inkml:brushProperty name="width" value="0.05" units="cm"/>
-      <inkml:brushProperty name="height" value="0.05" units="cm"/>
-      <inkml:brushProperty name="color" value="#E71224"/>
-    </inkml:brush>
-  </inkml:definitions>
-  <inkml:trace contextRef="#ctx0" brushRef="#br0">2 594 24575,'0'25'0,"-1"25"0,2 0 0,2 0 0,18 87 0,-20-133 0,1 1 0,-1-1 0,1 0 0,0 0 0,0 0 0,1 0 0,-1 0 0,1-1 0,0 1 0,0-1 0,0 0 0,0 1 0,1-2 0,-1 1 0,1 0 0,0-1 0,5 3 0,-7-3 0,0-1 0,1 0 0,-1-1 0,0 1 0,1 0 0,-1-1 0,0 1 0,1-1 0,-1 0 0,1 1 0,-1-1 0,1-1 0,-1 1 0,0 0 0,1 0 0,-1-1 0,1 0 0,-1 1 0,0-1 0,0 0 0,1 0 0,-1 0 0,0 0 0,0-1 0,0 1 0,0 0 0,0-1 0,0 0 0,-1 1 0,1-1 0,0 0 0,1-3 0,4-7 0,0 0 0,-1 0 0,-1 0 0,0-1 0,0 0 0,-1 0 0,-1 0 0,-1 0 0,3-21 0,-2-18 0,-4-57 0,1 89 0,0-10 0,2 0 0,1 0 0,1 0 0,2 0 0,1 1 0,1 0 0,1 1 0,20-41 0,2 8 0,3 1 0,65-87 0,-81 119-1365,-3 5-5461</inkml:trace>
-</inkml:ink>
-</file>
-
-<file path=ppt/ink/ink5.xml><?xml version="1.0" encoding="utf-8"?>
-<inkml:ink xmlns:inkml="http://www.w3.org/2003/InkML">
-  <inkml:definitions>
-    <inkml:context xml:id="ctx0">
-      <inkml:inkSource xml:id="inkSrc0">
-        <inkml:traceFormat>
-          <inkml:channel name="X" type="integer" min="-2.14748E9" max="2.14748E9" units="cm"/>
-          <inkml:channel name="Y" type="integer" min="-2.14748E9" max="2.14748E9" units="cm"/>
-          <inkml:channel name="F" type="integer" max="32767" units="dev"/>
-        </inkml:traceFormat>
-        <inkml:channelProperties>
-          <inkml:channelProperty channel="X" name="resolution" value="1000" units="1/cm"/>
-          <inkml:channelProperty channel="Y" name="resolution" value="1000" units="1/cm"/>
-          <inkml:channelProperty channel="F" name="resolution" value="0" units="1/dev"/>
-        </inkml:channelProperties>
-      </inkml:inkSource>
-      <inkml:timestamp xml:id="ts0" timeString="2022-12-30T13:26:16.044"/>
-    </inkml:context>
-    <inkml:brush xml:id="br0">
-      <inkml:brushProperty name="width" value="0.05" units="cm"/>
-      <inkml:brushProperty name="height" value="0.05" units="cm"/>
-      <inkml:brushProperty name="color" value="#E71224"/>
-    </inkml:brush>
-  </inkml:definitions>
-  <inkml:trace contextRef="#ctx0" brushRef="#br0">1 644 24575,'0'437'0,"0"-428"0,0 0 0,0 0 0,1-1 0,0 1 0,1 0 0,0-1 0,1 0 0,-1 1 0,2-1 0,-1 0 0,1 0 0,0 0 0,1-1 0,-1 0 0,2 0 0,-1 0 0,1 0 0,8 7 0,2 3 0,-1 0 0,15 23 0,-17-22 0,1 0 0,25 24 0,-34-37 0,0-1 0,0 0 0,1 0 0,-1 0 0,1-1 0,0 0 0,0 0 0,0 0 0,0-1 0,1 0 0,-1 0 0,0-1 0,8 1 0,-13-2 0,1 1 0,0-1 0,0 0 0,-1-1 0,1 1 0,0 0 0,-1 0 0,1-1 0,0 1 0,-1-1 0,1 1 0,0-1 0,-1 0 0,1 0 0,-1 1 0,0-1 0,1 0 0,-1 0 0,3-3 0,-2 2 0,0-1 0,0 0 0,0 0 0,0 0 0,0-1 0,-1 1 0,0 0 0,1-1 0,0-3 0,1-8 0,0-1 0,-2 0 0,1-22 0,-2 30 0,-1-220 0,9-132 0,10-186 0,-18 484 0,0 56-114,0 0 1,0-1-1,0 1 0,-1 0 0,1 0 1,-2 0-1,1-1 0,-1 1 0,0 0 1,0 1-1,-5-11 0,-5 1-6712</inkml:trace>
-</inkml:ink>
-</file>
-
-<file path=ppt/ink/ink6.xml><?xml version="1.0" encoding="utf-8"?>
-<inkml:ink xmlns:inkml="http://www.w3.org/2003/InkML">
-  <inkml:definitions>
-    <inkml:context xml:id="ctx0">
-      <inkml:inkSource xml:id="inkSrc0">
-        <inkml:traceFormat>
-          <inkml:channel name="X" type="integer" min="-2.14748E9" max="2.14748E9" units="cm"/>
-          <inkml:channel name="Y" type="integer" min="-2.14748E9" max="2.14748E9" units="cm"/>
-          <inkml:channel name="F" type="integer" max="32767" units="dev"/>
-        </inkml:traceFormat>
-        <inkml:channelProperties>
-          <inkml:channelProperty channel="X" name="resolution" value="1000" units="1/cm"/>
-          <inkml:channelProperty channel="Y" name="resolution" value="1000" units="1/cm"/>
-          <inkml:channelProperty channel="F" name="resolution" value="0" units="1/dev"/>
-        </inkml:channelProperties>
-      </inkml:inkSource>
-      <inkml:timestamp xml:id="ts0" timeString="2022-12-30T13:29:13.207"/>
-    </inkml:context>
-    <inkml:brush xml:id="br0">
-      <inkml:brushProperty name="width" value="0.05" units="cm"/>
-      <inkml:brushProperty name="height" value="0.05" units="cm"/>
-      <inkml:brushProperty name="color" value="#E71224"/>
-    </inkml:brush>
-  </inkml:definitions>
-  <inkml:trace contextRef="#ctx0" brushRef="#br0">1 315 24575,'-1'90'0,"3"96"0,1-168 0,0-1 0,1 1 0,1-1 0,1 1 0,0-1 0,2-1 0,0 1 0,13 20 0,0 1 0,-18-29 0,1-1 0,-1 0 0,-1 1 0,3 14 0,-4-16 0,0 1 0,1 0 0,1-1 0,5 14 0,-6-18 0,-1 0 0,1-1 0,0 1 0,0-1 0,0 0 0,0 0 0,1 1 0,-1-1 0,0-1 0,1 1 0,-1 0 0,1-1 0,0 1 0,0-1 0,0 0 0,4 2 0,0-1 0,0 0 0,0-1 0,0 1 0,0-2 0,0 1 0,0-1 0,8 0 0,-13 0 0,0 0 0,0-1 0,0 1 0,1 0 0,-1-1 0,0 0 0,0 1 0,0-1 0,0 0 0,0 0 0,-1 0 0,1 0 0,0-1 0,0 1 0,-1 0 0,1-1 0,-1 1 0,1-1 0,-1 0 0,1 1 0,-1-1 0,0 0 0,0 0 0,0 0 0,0 0 0,1-4 0,2-15 0,-1 0 0,0-1 0,-2 1 0,0-1 0,-6-42 0,3 40 0,1 0 0,1 0 0,0 0 0,7-39 0,-2 37 0,-2 0 0,0-47 0,-4 54 0,2-1 0,0 0 0,1 1 0,1-1 0,11-37 0,2 8 0,14-75 0,-16 61 0,-6 7-1365,-8 39-5461</inkml:trace>
-</inkml:ink>
 </file>
 
 <file path=ppt/slideLayouts/slideLayout1.xml><?xml version="1.0" encoding="utf-8"?>
@@ -3496,14 +3314,6 @@
 <file path=ppt/slides/slide1.xml><?xml version="1.0" encoding="utf-8"?>
 <p:sld xmlns:a="http://schemas.openxmlformats.org/drawingml/2006/main" xmlns:r="http://schemas.openxmlformats.org/officeDocument/2006/relationships" xmlns:p="http://schemas.openxmlformats.org/presentationml/2006/main">
   <p:cSld>
-    <p:bg>
-      <p:bgPr>
-        <a:solidFill>
-          <a:srgbClr val="C2D69B"/>
-        </a:solidFill>
-        <a:effectLst/>
-      </p:bgPr>
-    </p:bg>
     <p:spTree>
       <p:nvGrpSpPr>
         <p:cNvPr id="1" name=""/>
@@ -3518,352 +3328,65 @@
           <a:chExt cx="0" cy="0"/>
         </a:xfrm>
       </p:grpSpPr>
-      <p:pic>
-        <p:nvPicPr>
-          <p:cNvPr id="3" name="Рисунок 2">
-            <a:extLst>
-              <a:ext uri="{FF2B5EF4-FFF2-40B4-BE49-F238E27FC236}">
-                <a16:creationId xmlns:a16="http://schemas.microsoft.com/office/drawing/2014/main" id="{61F7039C-5CB9-C42D-FD2C-B465ED9EE834}"/>
-              </a:ext>
-            </a:extLst>
-          </p:cNvPr>
-          <p:cNvPicPr>
-            <a:picLocks noChangeAspect="1"/>
-          </p:cNvPicPr>
+      <p:sp>
+        <p:nvSpPr>
+          <p:cNvPr id="4" name="Шестиугольник 3">
+            <a:extLst>
+              <a:ext uri="{FF2B5EF4-FFF2-40B4-BE49-F238E27FC236}">
+                <a16:creationId xmlns:a16="http://schemas.microsoft.com/office/drawing/2014/main" id="{A6C72720-2857-BE76-EB39-FEA6BBBE559E}"/>
+              </a:ext>
+            </a:extLst>
+          </p:cNvPr>
+          <p:cNvSpPr/>
           <p:nvPr/>
-        </p:nvPicPr>
-        <p:blipFill>
-          <a:blip r:embed="rId2">
-            <a:extLst>
-              <a:ext uri="{28A0092B-C50C-407E-A947-70E740481C1C}">
-                <a14:useLocalDpi xmlns:a14="http://schemas.microsoft.com/office/drawing/2010/main" val="0"/>
-              </a:ext>
-            </a:extLst>
-          </a:blip>
-          <a:stretch>
-            <a:fillRect/>
-          </a:stretch>
-        </p:blipFill>
+        </p:nvSpPr>
         <p:spPr>
           <a:xfrm>
-            <a:off x="127754" y="780680"/>
-            <a:ext cx="11936491" cy="5296639"/>
+            <a:off x="2610035" y="1651247"/>
+            <a:ext cx="1429200" cy="856800"/>
           </a:xfrm>
-          <a:prstGeom prst="rect">
-            <a:avLst/>
+          <a:prstGeom prst="hexagon">
+            <a:avLst>
+              <a:gd name="adj" fmla="val 33436"/>
+              <a:gd name="vf" fmla="val 115470"/>
+            </a:avLst>
           </a:prstGeom>
+          <a:noFill/>
+          <a:ln w="28575">
+            <a:solidFill>
+              <a:srgbClr val="FF0000"/>
+            </a:solidFill>
+          </a:ln>
         </p:spPr>
-      </p:pic>
-      <mc:AlternateContent xmlns:mc="http://schemas.openxmlformats.org/markup-compatibility/2006" xmlns:p14="http://schemas.microsoft.com/office/powerpoint/2010/main">
-        <mc:Choice Requires="p14">
-          <p:contentPart p14:bwMode="auto" r:id="rId3">
-            <p14:nvContentPartPr>
-              <p14:cNvPr id="4" name="Рукописный ввод 3">
-                <a:extLst>
-                  <a:ext uri="{FF2B5EF4-FFF2-40B4-BE49-F238E27FC236}">
-                    <a16:creationId xmlns:a16="http://schemas.microsoft.com/office/drawing/2014/main" id="{B3FAD11F-B731-254E-22B7-384B96A4C56B}"/>
-                  </a:ext>
-                </a:extLst>
-              </p14:cNvPr>
-              <p14:cNvContentPartPr/>
-              <p14:nvPr/>
-            </p14:nvContentPartPr>
-            <p14:xfrm>
-              <a:off x="4615833" y="2809353"/>
-              <a:ext cx="298800" cy="416880"/>
-            </p14:xfrm>
-          </p:contentPart>
-        </mc:Choice>
-        <mc:Fallback xmlns="">
-          <p:pic>
-            <p:nvPicPr>
-              <p:cNvPr id="4" name="Рукописный ввод 3">
-                <a:extLst>
-                  <a:ext uri="{FF2B5EF4-FFF2-40B4-BE49-F238E27FC236}">
-                    <a16:creationId xmlns:a16="http://schemas.microsoft.com/office/drawing/2014/main" id="{B3FAD11F-B731-254E-22B7-384B96A4C56B}"/>
-                  </a:ext>
-                </a:extLst>
-              </p:cNvPr>
-              <p:cNvPicPr/>
-              <p:nvPr/>
-            </p:nvPicPr>
-            <p:blipFill>
-              <a:blip r:embed="rId4"/>
-              <a:stretch>
-                <a:fillRect/>
-              </a:stretch>
-            </p:blipFill>
-            <p:spPr>
-              <a:xfrm>
-                <a:off x="4607193" y="2800713"/>
-                <a:ext cx="316440" cy="434520"/>
-              </a:xfrm>
-              <a:prstGeom prst="rect">
-                <a:avLst/>
-              </a:prstGeom>
-            </p:spPr>
-          </p:pic>
-        </mc:Fallback>
-      </mc:AlternateContent>
-      <mc:AlternateContent xmlns:mc="http://schemas.openxmlformats.org/markup-compatibility/2006" xmlns:p14="http://schemas.microsoft.com/office/powerpoint/2010/main">
-        <mc:Choice Requires="p14">
-          <p:contentPart p14:bwMode="auto" r:id="rId5">
-            <p14:nvContentPartPr>
-              <p14:cNvPr id="5" name="Рукописный ввод 4">
-                <a:extLst>
-                  <a:ext uri="{FF2B5EF4-FFF2-40B4-BE49-F238E27FC236}">
-                    <a16:creationId xmlns:a16="http://schemas.microsoft.com/office/drawing/2014/main" id="{DF0A7923-23D4-6232-DA41-395DAC30CE63}"/>
-                  </a:ext>
-                </a:extLst>
-              </p14:cNvPr>
-              <p14:cNvContentPartPr/>
-              <p14:nvPr/>
-            </p14:nvContentPartPr>
-            <p14:xfrm>
-              <a:off x="5556873" y="3656433"/>
-              <a:ext cx="205920" cy="343080"/>
-            </p14:xfrm>
-          </p:contentPart>
-        </mc:Choice>
-        <mc:Fallback xmlns="">
-          <p:pic>
-            <p:nvPicPr>
-              <p:cNvPr id="5" name="Рукописный ввод 4">
-                <a:extLst>
-                  <a:ext uri="{FF2B5EF4-FFF2-40B4-BE49-F238E27FC236}">
-                    <a16:creationId xmlns:a16="http://schemas.microsoft.com/office/drawing/2014/main" id="{DF0A7923-23D4-6232-DA41-395DAC30CE63}"/>
-                  </a:ext>
-                </a:extLst>
-              </p:cNvPr>
-              <p:cNvPicPr/>
-              <p:nvPr/>
-            </p:nvPicPr>
-            <p:blipFill>
-              <a:blip r:embed="rId6"/>
-              <a:stretch>
-                <a:fillRect/>
-              </a:stretch>
-            </p:blipFill>
-            <p:spPr>
-              <a:xfrm>
-                <a:off x="5548233" y="3647433"/>
-                <a:ext cx="223560" cy="360720"/>
-              </a:xfrm>
-              <a:prstGeom prst="rect">
-                <a:avLst/>
-              </a:prstGeom>
-            </p:spPr>
-          </p:pic>
-        </mc:Fallback>
-      </mc:AlternateContent>
-      <mc:AlternateContent xmlns:mc="http://schemas.openxmlformats.org/markup-compatibility/2006">
-        <mc:Choice xmlns:p14="http://schemas.microsoft.com/office/powerpoint/2010/main" Requires="p14">
-          <p:contentPart p14:bwMode="auto" r:id="rId7">
-            <p14:nvContentPartPr>
-              <p14:cNvPr id="2" name="Рукописный ввод 1">
-                <a:extLst>
-                  <a:ext uri="{FF2B5EF4-FFF2-40B4-BE49-F238E27FC236}">
-                    <a16:creationId xmlns:a16="http://schemas.microsoft.com/office/drawing/2014/main" id="{618F74CF-FDFA-A5B8-D7B7-4ABB9DF8B6E9}"/>
-                  </a:ext>
-                </a:extLst>
-              </p14:cNvPr>
-              <p14:cNvContentPartPr/>
-              <p14:nvPr/>
-            </p14:nvContentPartPr>
-            <p14:xfrm>
-              <a:off x="3950520" y="1501920"/>
-              <a:ext cx="190800" cy="264960"/>
-            </p14:xfrm>
-          </p:contentPart>
-        </mc:Choice>
-        <mc:Fallback>
-          <p:pic>
-            <p:nvPicPr>
-              <p:cNvPr id="2" name="Рукописный ввод 1">
-                <a:extLst>
-                  <a:ext uri="{FF2B5EF4-FFF2-40B4-BE49-F238E27FC236}">
-                    <a16:creationId xmlns:a16="http://schemas.microsoft.com/office/drawing/2014/main" id="{618F74CF-FDFA-A5B8-D7B7-4ABB9DF8B6E9}"/>
-                  </a:ext>
-                </a:extLst>
-              </p:cNvPr>
-              <p:cNvPicPr/>
-              <p:nvPr/>
-            </p:nvPicPr>
-            <p:blipFill>
-              <a:blip r:embed="rId8"/>
-              <a:stretch>
-                <a:fillRect/>
-              </a:stretch>
-            </p:blipFill>
-            <p:spPr>
-              <a:xfrm>
-                <a:off x="3941520" y="1493280"/>
-                <a:ext cx="208440" cy="282600"/>
-              </a:xfrm>
-              <a:prstGeom prst="rect">
-                <a:avLst/>
-              </a:prstGeom>
-            </p:spPr>
-          </p:pic>
-        </mc:Fallback>
-      </mc:AlternateContent>
-      <mc:AlternateContent xmlns:mc="http://schemas.openxmlformats.org/markup-compatibility/2006">
-        <mc:Choice xmlns:p14="http://schemas.microsoft.com/office/powerpoint/2010/main" Requires="p14">
-          <p:contentPart p14:bwMode="auto" r:id="rId9">
-            <p14:nvContentPartPr>
-              <p14:cNvPr id="6" name="Рукописный ввод 5">
-                <a:extLst>
-                  <a:ext uri="{FF2B5EF4-FFF2-40B4-BE49-F238E27FC236}">
-                    <a16:creationId xmlns:a16="http://schemas.microsoft.com/office/drawing/2014/main" id="{6F5AD12B-061F-A874-07CA-F2C607D6861E}"/>
-                  </a:ext>
-                </a:extLst>
-              </p14:cNvPr>
-              <p14:cNvContentPartPr/>
-              <p14:nvPr/>
-            </p14:nvContentPartPr>
-            <p14:xfrm>
-              <a:off x="3879960" y="4794840"/>
-              <a:ext cx="169200" cy="352440"/>
-            </p14:xfrm>
-          </p:contentPart>
-        </mc:Choice>
-        <mc:Fallback>
-          <p:pic>
-            <p:nvPicPr>
-              <p:cNvPr id="6" name="Рукописный ввод 5">
-                <a:extLst>
-                  <a:ext uri="{FF2B5EF4-FFF2-40B4-BE49-F238E27FC236}">
-                    <a16:creationId xmlns:a16="http://schemas.microsoft.com/office/drawing/2014/main" id="{6F5AD12B-061F-A874-07CA-F2C607D6861E}"/>
-                  </a:ext>
-                </a:extLst>
-              </p:cNvPr>
-              <p:cNvPicPr/>
-              <p:nvPr/>
-            </p:nvPicPr>
-            <p:blipFill>
-              <a:blip r:embed="rId10"/>
-              <a:stretch>
-                <a:fillRect/>
-              </a:stretch>
-            </p:blipFill>
-            <p:spPr>
-              <a:xfrm>
-                <a:off x="3871320" y="4786200"/>
-                <a:ext cx="186840" cy="370080"/>
-              </a:xfrm>
-              <a:prstGeom prst="rect">
-                <a:avLst/>
-              </a:prstGeom>
-            </p:spPr>
-          </p:pic>
-        </mc:Fallback>
-      </mc:AlternateContent>
-      <mc:AlternateContent xmlns:mc="http://schemas.openxmlformats.org/markup-compatibility/2006">
-        <mc:Choice xmlns:p14="http://schemas.microsoft.com/office/powerpoint/2010/main" Requires="p14">
-          <p:contentPart p14:bwMode="auto" r:id="rId11">
-            <p14:nvContentPartPr>
-              <p14:cNvPr id="9" name="Рукописный ввод 8">
-                <a:extLst>
-                  <a:ext uri="{FF2B5EF4-FFF2-40B4-BE49-F238E27FC236}">
-                    <a16:creationId xmlns:a16="http://schemas.microsoft.com/office/drawing/2014/main" id="{FBFDE9C5-1A28-B25F-CAD1-B4F14172DDD1}"/>
-                  </a:ext>
-                </a:extLst>
-              </p14:cNvPr>
-              <p14:cNvContentPartPr/>
-              <p14:nvPr/>
-            </p14:nvContentPartPr>
-            <p14:xfrm>
-              <a:off x="2356440" y="3781440"/>
-              <a:ext cx="133200" cy="516960"/>
-            </p14:xfrm>
-          </p:contentPart>
-        </mc:Choice>
-        <mc:Fallback>
-          <p:pic>
-            <p:nvPicPr>
-              <p:cNvPr id="9" name="Рукописный ввод 8">
-                <a:extLst>
-                  <a:ext uri="{FF2B5EF4-FFF2-40B4-BE49-F238E27FC236}">
-                    <a16:creationId xmlns:a16="http://schemas.microsoft.com/office/drawing/2014/main" id="{FBFDE9C5-1A28-B25F-CAD1-B4F14172DDD1}"/>
-                  </a:ext>
-                </a:extLst>
-              </p:cNvPr>
-              <p:cNvPicPr/>
-              <p:nvPr/>
-            </p:nvPicPr>
-            <p:blipFill>
-              <a:blip r:embed="rId12"/>
-              <a:stretch>
-                <a:fillRect/>
-              </a:stretch>
-            </p:blipFill>
-            <p:spPr>
-              <a:xfrm>
-                <a:off x="2347800" y="3772440"/>
-                <a:ext cx="150840" cy="534600"/>
-              </a:xfrm>
-              <a:prstGeom prst="rect">
-                <a:avLst/>
-              </a:prstGeom>
-            </p:spPr>
-          </p:pic>
-        </mc:Fallback>
-      </mc:AlternateContent>
-      <mc:AlternateContent xmlns:mc="http://schemas.openxmlformats.org/markup-compatibility/2006">
-        <mc:Choice xmlns:p14="http://schemas.microsoft.com/office/powerpoint/2010/main" Requires="p14">
-          <p:contentPart p14:bwMode="auto" r:id="rId13">
-            <p14:nvContentPartPr>
-              <p14:cNvPr id="10" name="Рукописный ввод 9">
-                <a:extLst>
-                  <a:ext uri="{FF2B5EF4-FFF2-40B4-BE49-F238E27FC236}">
-                    <a16:creationId xmlns:a16="http://schemas.microsoft.com/office/drawing/2014/main" id="{8BCC7088-1512-6F97-B4C2-5CF5887A37E7}"/>
-                  </a:ext>
-                </a:extLst>
-              </p14:cNvPr>
-              <p14:cNvContentPartPr/>
-              <p14:nvPr/>
-            </p14:nvContentPartPr>
-            <p14:xfrm>
-              <a:off x="6339240" y="1852200"/>
-              <a:ext cx="138240" cy="344160"/>
-            </p14:xfrm>
-          </p:contentPart>
-        </mc:Choice>
-        <mc:Fallback>
-          <p:pic>
-            <p:nvPicPr>
-              <p:cNvPr id="10" name="Рукописный ввод 9">
-                <a:extLst>
-                  <a:ext uri="{FF2B5EF4-FFF2-40B4-BE49-F238E27FC236}">
-                    <a16:creationId xmlns:a16="http://schemas.microsoft.com/office/drawing/2014/main" id="{8BCC7088-1512-6F97-B4C2-5CF5887A37E7}"/>
-                  </a:ext>
-                </a:extLst>
-              </p:cNvPr>
-              <p:cNvPicPr/>
-              <p:nvPr/>
-            </p:nvPicPr>
-            <p:blipFill>
-              <a:blip r:embed="rId14"/>
-              <a:stretch>
-                <a:fillRect/>
-              </a:stretch>
-            </p:blipFill>
-            <p:spPr>
-              <a:xfrm>
-                <a:off x="6330240" y="1843200"/>
-                <a:ext cx="155880" cy="361800"/>
-              </a:xfrm>
-              <a:prstGeom prst="rect">
-                <a:avLst/>
-              </a:prstGeom>
-            </p:spPr>
-          </p:pic>
-        </mc:Fallback>
-      </mc:AlternateContent>
+        <p:style>
+          <a:lnRef idx="2">
+            <a:schemeClr val="accent1">
+              <a:shade val="50000"/>
+            </a:schemeClr>
+          </a:lnRef>
+          <a:fillRef idx="1">
+            <a:schemeClr val="accent1"/>
+          </a:fillRef>
+          <a:effectRef idx="0">
+            <a:schemeClr val="accent1"/>
+          </a:effectRef>
+          <a:fontRef idx="minor">
+            <a:schemeClr val="lt1"/>
+          </a:fontRef>
+        </p:style>
+        <p:txBody>
+          <a:bodyPr rtlCol="0" anchor="ctr"/>
+          <a:lstStyle/>
+          <a:p>
+            <a:pPr algn="ctr"/>
+            <a:endParaRPr lang="ru-RU"/>
+          </a:p>
+        </p:txBody>
+      </p:sp>
     </p:spTree>
     <p:extLst>
       <p:ext uri="{BB962C8B-B14F-4D97-AF65-F5344CB8AC3E}">
-        <p14:creationId xmlns:p14="http://schemas.microsoft.com/office/powerpoint/2010/main" val="3242496767"/>
+        <p14:creationId xmlns:p14="http://schemas.microsoft.com/office/powerpoint/2010/main" val="3915284933"/>
       </p:ext>
     </p:extLst>
   </p:cSld>
@@ -3873,7 +3396,7 @@
 </p:sld>
 </file>
 
-<file path=ppt/slides/slide10.xml><?xml version="1.0" encoding="utf-8"?>
+<file path=ppt/slides/slide2.xml><?xml version="1.0" encoding="utf-8"?>
 <p:sld xmlns:a="http://schemas.openxmlformats.org/drawingml/2006/main" xmlns:r="http://schemas.openxmlformats.org/officeDocument/2006/relationships" xmlns:p="http://schemas.openxmlformats.org/presentationml/2006/main">
   <p:cSld>
     <p:spTree>
@@ -3904,7 +3427,93 @@
         </p:nvSpPr>
         <p:spPr>
           <a:xfrm>
-            <a:off x="2201662" y="3551069"/>
+            <a:off x="2610035" y="1651247"/>
+            <a:ext cx="1429200" cy="856800"/>
+          </a:xfrm>
+          <a:prstGeom prst="hexagon">
+            <a:avLst>
+              <a:gd name="adj" fmla="val 33436"/>
+              <a:gd name="vf" fmla="val 115470"/>
+            </a:avLst>
+          </a:prstGeom>
+          <a:noFill/>
+          <a:ln w="28575">
+            <a:solidFill>
+              <a:srgbClr val="FF0000"/>
+            </a:solidFill>
+            <a:prstDash val="dash"/>
+          </a:ln>
+        </p:spPr>
+        <p:style>
+          <a:lnRef idx="2">
+            <a:schemeClr val="accent1">
+              <a:shade val="50000"/>
+            </a:schemeClr>
+          </a:lnRef>
+          <a:fillRef idx="1">
+            <a:schemeClr val="accent1"/>
+          </a:fillRef>
+          <a:effectRef idx="0">
+            <a:schemeClr val="accent1"/>
+          </a:effectRef>
+          <a:fontRef idx="minor">
+            <a:schemeClr val="lt1"/>
+          </a:fontRef>
+        </p:style>
+        <p:txBody>
+          <a:bodyPr rtlCol="0" anchor="ctr"/>
+          <a:lstStyle/>
+          <a:p>
+            <a:pPr algn="ctr"/>
+            <a:endParaRPr lang="ru-RU"/>
+          </a:p>
+        </p:txBody>
+      </p:sp>
+    </p:spTree>
+    <p:extLst>
+      <p:ext uri="{BB962C8B-B14F-4D97-AF65-F5344CB8AC3E}">
+        <p14:creationId xmlns:p14="http://schemas.microsoft.com/office/powerpoint/2010/main" val="3210739162"/>
+      </p:ext>
+    </p:extLst>
+  </p:cSld>
+  <p:clrMapOvr>
+    <a:masterClrMapping/>
+  </p:clrMapOvr>
+</p:sld>
+</file>
+
+<file path=ppt/slides/slide3.xml><?xml version="1.0" encoding="utf-8"?>
+<p:sld xmlns:a="http://schemas.openxmlformats.org/drawingml/2006/main" xmlns:r="http://schemas.openxmlformats.org/officeDocument/2006/relationships" xmlns:p="http://schemas.openxmlformats.org/presentationml/2006/main">
+  <p:cSld>
+    <p:spTree>
+      <p:nvGrpSpPr>
+        <p:cNvPr id="1" name=""/>
+        <p:cNvGrpSpPr/>
+        <p:nvPr/>
+      </p:nvGrpSpPr>
+      <p:grpSpPr>
+        <a:xfrm>
+          <a:off x="0" y="0"/>
+          <a:ext cx="0" cy="0"/>
+          <a:chOff x="0" y="0"/>
+          <a:chExt cx="0" cy="0"/>
+        </a:xfrm>
+      </p:grpSpPr>
+      <p:sp>
+        <p:nvSpPr>
+          <p:cNvPr id="4" name="Шестиугольник 3">
+            <a:extLst>
+              <a:ext uri="{FF2B5EF4-FFF2-40B4-BE49-F238E27FC236}">
+                <a16:creationId xmlns:a16="http://schemas.microsoft.com/office/drawing/2014/main" id="{A6C72720-2857-BE76-EB39-FEA6BBBE559E}"/>
+              </a:ext>
+            </a:extLst>
+          </p:cNvPr>
+          <p:cNvSpPr/>
+          <p:nvPr/>
+        </p:nvSpPr>
+        <p:spPr>
+          <a:xfrm>
+            <a:off x="2610035" y="1651247"/>
             <a:ext cx="1429200" cy="856800"/>
           </a:xfrm>
           <a:prstGeom prst="hexagon">
@@ -3954,1809 +3563,10 @@
           </a:p>
         </p:txBody>
       </p:sp>
-      <p:sp>
-        <p:nvSpPr>
-          <p:cNvPr id="2" name="Заголовок 1">
-            <a:extLst>
-              <a:ext uri="{FF2B5EF4-FFF2-40B4-BE49-F238E27FC236}">
-                <a16:creationId xmlns:a16="http://schemas.microsoft.com/office/drawing/2014/main" id="{B97B1B31-D6CD-685C-0447-6566411BD8BA}"/>
-              </a:ext>
-            </a:extLst>
-          </p:cNvPr>
-          <p:cNvSpPr>
-            <a:spLocks noGrp="1"/>
-          </p:cNvSpPr>
-          <p:nvPr>
-            <p:ph type="title"/>
-          </p:nvPr>
-        </p:nvSpPr>
-        <p:spPr/>
-        <p:txBody>
-          <a:bodyPr/>
-          <a:lstStyle/>
-          <a:p>
-            <a:r>
-              <a:rPr lang="en-US" dirty="0"/>
-              <a:t>G0K0</a:t>
-            </a:r>
-            <a:endParaRPr lang="ru-RU" dirty="0"/>
-          </a:p>
-        </p:txBody>
-      </p:sp>
-    </p:spTree>
-    <p:extLst>
-      <p:ext uri="{BB962C8B-B14F-4D97-AF65-F5344CB8AC3E}">
-        <p14:creationId xmlns:p14="http://schemas.microsoft.com/office/powerpoint/2010/main" val="2796450566"/>
-      </p:ext>
-    </p:extLst>
-  </p:cSld>
-  <p:clrMapOvr>
-    <a:masterClrMapping/>
-  </p:clrMapOvr>
-</p:sld>
-</file>
-
-<file path=ppt/slides/slide11.xml><?xml version="1.0" encoding="utf-8"?>
-<p:sld xmlns:a="http://schemas.openxmlformats.org/drawingml/2006/main" xmlns:r="http://schemas.openxmlformats.org/officeDocument/2006/relationships" xmlns:p="http://schemas.openxmlformats.org/presentationml/2006/main">
-  <p:cSld>
-    <p:spTree>
-      <p:nvGrpSpPr>
-        <p:cNvPr id="1" name=""/>
-        <p:cNvGrpSpPr/>
-        <p:nvPr/>
-      </p:nvGrpSpPr>
-      <p:grpSpPr>
-        <a:xfrm>
-          <a:off x="0" y="0"/>
-          <a:ext cx="0" cy="0"/>
-          <a:chOff x="0" y="0"/>
-          <a:chExt cx="0" cy="0"/>
-        </a:xfrm>
-      </p:grpSpPr>
-      <p:sp>
-        <p:nvSpPr>
-          <p:cNvPr id="4" name="Шестиугольник 3">
-            <a:extLst>
-              <a:ext uri="{FF2B5EF4-FFF2-40B4-BE49-F238E27FC236}">
-                <a16:creationId xmlns:a16="http://schemas.microsoft.com/office/drawing/2014/main" id="{A6C72720-2857-BE76-EB39-FEA6BBBE559E}"/>
-              </a:ext>
-            </a:extLst>
-          </p:cNvPr>
-          <p:cNvSpPr/>
-          <p:nvPr/>
-        </p:nvSpPr>
-        <p:spPr>
-          <a:xfrm>
-            <a:off x="2201662" y="3551069"/>
-            <a:ext cx="1429200" cy="856800"/>
-          </a:xfrm>
-          <a:prstGeom prst="hexagon">
-            <a:avLst>
-              <a:gd name="adj" fmla="val 33436"/>
-              <a:gd name="vf" fmla="val 115470"/>
-            </a:avLst>
-          </a:prstGeom>
-          <a:pattFill prst="openDmnd">
-            <a:fgClr>
-              <a:srgbClr val="FFC000"/>
-            </a:fgClr>
-            <a:bgClr>
-              <a:schemeClr val="bg1"/>
-            </a:bgClr>
-          </a:pattFill>
-          <a:ln w="6350" cap="sq">
-            <a:solidFill>
-              <a:schemeClr val="tx1"/>
-            </a:solidFill>
-            <a:prstDash val="solid"/>
-            <a:miter lim="800000"/>
-          </a:ln>
-        </p:spPr>
-        <p:style>
-          <a:lnRef idx="2">
-            <a:schemeClr val="accent1">
-              <a:shade val="50000"/>
-            </a:schemeClr>
-          </a:lnRef>
-          <a:fillRef idx="1">
-            <a:schemeClr val="accent1"/>
-          </a:fillRef>
-          <a:effectRef idx="0">
-            <a:schemeClr val="accent1"/>
-          </a:effectRef>
-          <a:fontRef idx="minor">
-            <a:schemeClr val="lt1"/>
-          </a:fontRef>
-        </p:style>
-        <p:txBody>
-          <a:bodyPr rtlCol="0" anchor="ctr"/>
-          <a:lstStyle/>
-          <a:p>
-            <a:pPr algn="ctr"/>
-            <a:endParaRPr lang="ru-RU" dirty="0"/>
-          </a:p>
-        </p:txBody>
-      </p:sp>
-      <p:sp>
-        <p:nvSpPr>
-          <p:cNvPr id="2" name="Заголовок 1">
-            <a:extLst>
-              <a:ext uri="{FF2B5EF4-FFF2-40B4-BE49-F238E27FC236}">
-                <a16:creationId xmlns:a16="http://schemas.microsoft.com/office/drawing/2014/main" id="{B97B1B31-D6CD-685C-0447-6566411BD8BA}"/>
-              </a:ext>
-            </a:extLst>
-          </p:cNvPr>
-          <p:cNvSpPr>
-            <a:spLocks noGrp="1"/>
-          </p:cNvSpPr>
-          <p:nvPr>
-            <p:ph type="title"/>
-          </p:nvPr>
-        </p:nvSpPr>
-        <p:spPr/>
-        <p:txBody>
-          <a:bodyPr/>
-          <a:lstStyle/>
-          <a:p>
-            <a:r>
-              <a:rPr lang="en-US" dirty="0"/>
-              <a:t>G0K0</a:t>
-            </a:r>
-            <a:endParaRPr lang="ru-RU" dirty="0"/>
-          </a:p>
-        </p:txBody>
-      </p:sp>
-    </p:spTree>
-    <p:extLst>
-      <p:ext uri="{BB962C8B-B14F-4D97-AF65-F5344CB8AC3E}">
-        <p14:creationId xmlns:p14="http://schemas.microsoft.com/office/powerpoint/2010/main" val="3557432627"/>
-      </p:ext>
-    </p:extLst>
-  </p:cSld>
-  <p:clrMapOvr>
-    <a:masterClrMapping/>
-  </p:clrMapOvr>
-</p:sld>
-</file>
-
-<file path=ppt/slides/slide12.xml><?xml version="1.0" encoding="utf-8"?>
-<p:sld xmlns:a="http://schemas.openxmlformats.org/drawingml/2006/main" xmlns:r="http://schemas.openxmlformats.org/officeDocument/2006/relationships" xmlns:p="http://schemas.openxmlformats.org/presentationml/2006/main">
-  <p:cSld>
-    <p:spTree>
-      <p:nvGrpSpPr>
-        <p:cNvPr id="1" name=""/>
-        <p:cNvGrpSpPr/>
-        <p:nvPr/>
-      </p:nvGrpSpPr>
-      <p:grpSpPr>
-        <a:xfrm>
-          <a:off x="0" y="0"/>
-          <a:ext cx="0" cy="0"/>
-          <a:chOff x="0" y="0"/>
-          <a:chExt cx="0" cy="0"/>
-        </a:xfrm>
-      </p:grpSpPr>
-      <p:sp>
-        <p:nvSpPr>
-          <p:cNvPr id="4" name="Шестиугольник 3">
-            <a:extLst>
-              <a:ext uri="{FF2B5EF4-FFF2-40B4-BE49-F238E27FC236}">
-                <a16:creationId xmlns:a16="http://schemas.microsoft.com/office/drawing/2014/main" id="{A6C72720-2857-BE76-EB39-FEA6BBBE559E}"/>
-              </a:ext>
-            </a:extLst>
-          </p:cNvPr>
-          <p:cNvSpPr/>
-          <p:nvPr/>
-        </p:nvSpPr>
-        <p:spPr>
-          <a:xfrm>
-            <a:off x="2201662" y="3551069"/>
-            <a:ext cx="1429200" cy="856800"/>
-          </a:xfrm>
-          <a:prstGeom prst="hexagon">
-            <a:avLst>
-              <a:gd name="adj" fmla="val 33436"/>
-              <a:gd name="vf" fmla="val 115470"/>
-            </a:avLst>
-          </a:prstGeom>
-          <a:pattFill prst="openDmnd">
-            <a:fgClr>
-              <a:srgbClr val="FFC000"/>
-            </a:fgClr>
-            <a:bgClr>
-              <a:schemeClr val="bg1"/>
-            </a:bgClr>
-          </a:pattFill>
-          <a:ln w="6350" cap="sq">
-            <a:solidFill>
-              <a:schemeClr val="tx1"/>
-            </a:solidFill>
-            <a:prstDash val="solid"/>
-            <a:miter lim="800000"/>
-          </a:ln>
-        </p:spPr>
-        <p:style>
-          <a:lnRef idx="2">
-            <a:schemeClr val="accent1">
-              <a:shade val="50000"/>
-            </a:schemeClr>
-          </a:lnRef>
-          <a:fillRef idx="1">
-            <a:schemeClr val="accent1"/>
-          </a:fillRef>
-          <a:effectRef idx="0">
-            <a:schemeClr val="accent1"/>
-          </a:effectRef>
-          <a:fontRef idx="minor">
-            <a:schemeClr val="lt1"/>
-          </a:fontRef>
-        </p:style>
-        <p:txBody>
-          <a:bodyPr rtlCol="0" anchor="ctr"/>
-          <a:lstStyle/>
-          <a:p>
-            <a:pPr algn="ctr"/>
-            <a:endParaRPr lang="ru-RU" dirty="0"/>
-          </a:p>
-        </p:txBody>
-      </p:sp>
-      <p:sp>
-        <p:nvSpPr>
-          <p:cNvPr id="2" name="Заголовок 1">
-            <a:extLst>
-              <a:ext uri="{FF2B5EF4-FFF2-40B4-BE49-F238E27FC236}">
-                <a16:creationId xmlns:a16="http://schemas.microsoft.com/office/drawing/2014/main" id="{B97B1B31-D6CD-685C-0447-6566411BD8BA}"/>
-              </a:ext>
-            </a:extLst>
-          </p:cNvPr>
-          <p:cNvSpPr>
-            <a:spLocks noGrp="1"/>
-          </p:cNvSpPr>
-          <p:nvPr>
-            <p:ph type="title"/>
-          </p:nvPr>
-        </p:nvSpPr>
-        <p:spPr/>
-        <p:txBody>
-          <a:bodyPr/>
-          <a:lstStyle/>
-          <a:p>
-            <a:r>
-              <a:rPr lang="en-US" dirty="0"/>
-              <a:t>G0K0</a:t>
-            </a:r>
-            <a:endParaRPr lang="ru-RU" dirty="0"/>
-          </a:p>
-        </p:txBody>
-      </p:sp>
-    </p:spTree>
-    <p:extLst>
-      <p:ext uri="{BB962C8B-B14F-4D97-AF65-F5344CB8AC3E}">
-        <p14:creationId xmlns:p14="http://schemas.microsoft.com/office/powerpoint/2010/main" val="61227831"/>
-      </p:ext>
-    </p:extLst>
-  </p:cSld>
-  <p:clrMapOvr>
-    <a:masterClrMapping/>
-  </p:clrMapOvr>
-</p:sld>
-</file>
-
-<file path=ppt/slides/slide13.xml><?xml version="1.0" encoding="utf-8"?>
-<p:sld xmlns:a="http://schemas.openxmlformats.org/drawingml/2006/main" xmlns:r="http://schemas.openxmlformats.org/officeDocument/2006/relationships" xmlns:p="http://schemas.openxmlformats.org/presentationml/2006/main">
-  <p:cSld>
-    <p:spTree>
-      <p:nvGrpSpPr>
-        <p:cNvPr id="1" name=""/>
-        <p:cNvGrpSpPr/>
-        <p:nvPr/>
-      </p:nvGrpSpPr>
-      <p:grpSpPr>
-        <a:xfrm>
-          <a:off x="0" y="0"/>
-          <a:ext cx="0" cy="0"/>
-          <a:chOff x="0" y="0"/>
-          <a:chExt cx="0" cy="0"/>
-        </a:xfrm>
-      </p:grpSpPr>
-      <p:sp>
-        <p:nvSpPr>
-          <p:cNvPr id="4" name="Шестиугольник 3">
-            <a:extLst>
-              <a:ext uri="{FF2B5EF4-FFF2-40B4-BE49-F238E27FC236}">
-                <a16:creationId xmlns:a16="http://schemas.microsoft.com/office/drawing/2014/main" id="{A6C72720-2857-BE76-EB39-FEA6BBBE559E}"/>
-              </a:ext>
-            </a:extLst>
-          </p:cNvPr>
-          <p:cNvSpPr/>
-          <p:nvPr/>
-        </p:nvSpPr>
-        <p:spPr>
-          <a:xfrm>
-            <a:off x="2201662" y="3551069"/>
-            <a:ext cx="1429200" cy="856800"/>
-          </a:xfrm>
-          <a:prstGeom prst="hexagon">
-            <a:avLst>
-              <a:gd name="adj" fmla="val 33436"/>
-              <a:gd name="vf" fmla="val 115470"/>
-            </a:avLst>
-          </a:prstGeom>
-          <a:pattFill prst="openDmnd">
-            <a:fgClr>
-              <a:srgbClr val="FFC000"/>
-            </a:fgClr>
-            <a:bgClr>
-              <a:schemeClr val="bg1"/>
-            </a:bgClr>
-          </a:pattFill>
-          <a:ln w="6350" cap="sq">
-            <a:solidFill>
-              <a:schemeClr val="tx1"/>
-            </a:solidFill>
-            <a:prstDash val="solid"/>
-            <a:miter lim="800000"/>
-          </a:ln>
-        </p:spPr>
-        <p:style>
-          <a:lnRef idx="2">
-            <a:schemeClr val="accent1">
-              <a:shade val="50000"/>
-            </a:schemeClr>
-          </a:lnRef>
-          <a:fillRef idx="1">
-            <a:schemeClr val="accent1"/>
-          </a:fillRef>
-          <a:effectRef idx="0">
-            <a:schemeClr val="accent1"/>
-          </a:effectRef>
-          <a:fontRef idx="minor">
-            <a:schemeClr val="lt1"/>
-          </a:fontRef>
-        </p:style>
-        <p:txBody>
-          <a:bodyPr rtlCol="0" anchor="ctr"/>
-          <a:lstStyle/>
-          <a:p>
-            <a:pPr algn="ctr"/>
-            <a:endParaRPr lang="ru-RU" dirty="0"/>
-          </a:p>
-        </p:txBody>
-      </p:sp>
-      <p:sp>
-        <p:nvSpPr>
-          <p:cNvPr id="2" name="Заголовок 1">
-            <a:extLst>
-              <a:ext uri="{FF2B5EF4-FFF2-40B4-BE49-F238E27FC236}">
-                <a16:creationId xmlns:a16="http://schemas.microsoft.com/office/drawing/2014/main" id="{B97B1B31-D6CD-685C-0447-6566411BD8BA}"/>
-              </a:ext>
-            </a:extLst>
-          </p:cNvPr>
-          <p:cNvSpPr>
-            <a:spLocks noGrp="1"/>
-          </p:cNvSpPr>
-          <p:nvPr>
-            <p:ph type="title"/>
-          </p:nvPr>
-        </p:nvSpPr>
-        <p:spPr/>
-        <p:txBody>
-          <a:bodyPr/>
-          <a:lstStyle/>
-          <a:p>
-            <a:r>
-              <a:rPr lang="en-US" dirty="0"/>
-              <a:t>G0K0</a:t>
-            </a:r>
-            <a:endParaRPr lang="ru-RU" dirty="0"/>
-          </a:p>
-        </p:txBody>
-      </p:sp>
-    </p:spTree>
-    <p:extLst>
-      <p:ext uri="{BB962C8B-B14F-4D97-AF65-F5344CB8AC3E}">
-        <p14:creationId xmlns:p14="http://schemas.microsoft.com/office/powerpoint/2010/main" val="3378264997"/>
-      </p:ext>
-    </p:extLst>
-  </p:cSld>
-  <p:clrMapOvr>
-    <a:masterClrMapping/>
-  </p:clrMapOvr>
-</p:sld>
-</file>
-
-<file path=ppt/slides/slide14.xml><?xml version="1.0" encoding="utf-8"?>
-<p:sld xmlns:a="http://schemas.openxmlformats.org/drawingml/2006/main" xmlns:r="http://schemas.openxmlformats.org/officeDocument/2006/relationships" xmlns:p="http://schemas.openxmlformats.org/presentationml/2006/main">
-  <p:cSld>
-    <p:spTree>
-      <p:nvGrpSpPr>
-        <p:cNvPr id="1" name=""/>
-        <p:cNvGrpSpPr/>
-        <p:nvPr/>
-      </p:nvGrpSpPr>
-      <p:grpSpPr>
-        <a:xfrm>
-          <a:off x="0" y="0"/>
-          <a:ext cx="0" cy="0"/>
-          <a:chOff x="0" y="0"/>
-          <a:chExt cx="0" cy="0"/>
-        </a:xfrm>
-      </p:grpSpPr>
-      <p:sp>
-        <p:nvSpPr>
-          <p:cNvPr id="4" name="Шестиугольник 3">
-            <a:extLst>
-              <a:ext uri="{FF2B5EF4-FFF2-40B4-BE49-F238E27FC236}">
-                <a16:creationId xmlns:a16="http://schemas.microsoft.com/office/drawing/2014/main" id="{A6C72720-2857-BE76-EB39-FEA6BBBE559E}"/>
-              </a:ext>
-            </a:extLst>
-          </p:cNvPr>
-          <p:cNvSpPr/>
-          <p:nvPr/>
-        </p:nvSpPr>
-        <p:spPr>
-          <a:xfrm>
-            <a:off x="2201662" y="3551069"/>
-            <a:ext cx="1429200" cy="856800"/>
-          </a:xfrm>
-          <a:prstGeom prst="hexagon">
-            <a:avLst>
-              <a:gd name="adj" fmla="val 33436"/>
-              <a:gd name="vf" fmla="val 115470"/>
-            </a:avLst>
-          </a:prstGeom>
-          <a:pattFill prst="openDmnd">
-            <a:fgClr>
-              <a:srgbClr val="FFC000"/>
-            </a:fgClr>
-            <a:bgClr>
-              <a:schemeClr val="bg1"/>
-            </a:bgClr>
-          </a:pattFill>
-          <a:ln w="6350" cap="sq">
-            <a:solidFill>
-              <a:schemeClr val="tx1"/>
-            </a:solidFill>
-            <a:prstDash val="solid"/>
-            <a:miter lim="800000"/>
-          </a:ln>
-        </p:spPr>
-        <p:style>
-          <a:lnRef idx="2">
-            <a:schemeClr val="accent1">
-              <a:shade val="50000"/>
-            </a:schemeClr>
-          </a:lnRef>
-          <a:fillRef idx="1">
-            <a:schemeClr val="accent1"/>
-          </a:fillRef>
-          <a:effectRef idx="0">
-            <a:schemeClr val="accent1"/>
-          </a:effectRef>
-          <a:fontRef idx="minor">
-            <a:schemeClr val="lt1"/>
-          </a:fontRef>
-        </p:style>
-        <p:txBody>
-          <a:bodyPr rtlCol="0" anchor="ctr"/>
-          <a:lstStyle/>
-          <a:p>
-            <a:pPr algn="ctr"/>
-            <a:endParaRPr lang="ru-RU" dirty="0"/>
-          </a:p>
-        </p:txBody>
-      </p:sp>
-      <p:sp>
-        <p:nvSpPr>
-          <p:cNvPr id="2" name="Заголовок 1">
-            <a:extLst>
-              <a:ext uri="{FF2B5EF4-FFF2-40B4-BE49-F238E27FC236}">
-                <a16:creationId xmlns:a16="http://schemas.microsoft.com/office/drawing/2014/main" id="{B97B1B31-D6CD-685C-0447-6566411BD8BA}"/>
-              </a:ext>
-            </a:extLst>
-          </p:cNvPr>
-          <p:cNvSpPr>
-            <a:spLocks noGrp="1"/>
-          </p:cNvSpPr>
-          <p:nvPr>
-            <p:ph type="title"/>
-          </p:nvPr>
-        </p:nvSpPr>
-        <p:spPr/>
-        <p:txBody>
-          <a:bodyPr/>
-          <a:lstStyle/>
-          <a:p>
-            <a:r>
-              <a:rPr lang="en-US" dirty="0"/>
-              <a:t>G0K0</a:t>
-            </a:r>
-            <a:endParaRPr lang="ru-RU" dirty="0"/>
-          </a:p>
-        </p:txBody>
-      </p:sp>
-    </p:spTree>
-    <p:extLst>
-      <p:ext uri="{BB962C8B-B14F-4D97-AF65-F5344CB8AC3E}">
-        <p14:creationId xmlns:p14="http://schemas.microsoft.com/office/powerpoint/2010/main" val="2498449054"/>
-      </p:ext>
-    </p:extLst>
-  </p:cSld>
-  <p:clrMapOvr>
-    <a:masterClrMapping/>
-  </p:clrMapOvr>
-</p:sld>
-</file>
-
-<file path=ppt/slides/slide15.xml><?xml version="1.0" encoding="utf-8"?>
-<p:sld xmlns:a="http://schemas.openxmlformats.org/drawingml/2006/main" xmlns:r="http://schemas.openxmlformats.org/officeDocument/2006/relationships" xmlns:p="http://schemas.openxmlformats.org/presentationml/2006/main">
-  <p:cSld>
-    <p:spTree>
-      <p:nvGrpSpPr>
-        <p:cNvPr id="1" name=""/>
-        <p:cNvGrpSpPr/>
-        <p:nvPr/>
-      </p:nvGrpSpPr>
-      <p:grpSpPr>
-        <a:xfrm>
-          <a:off x="0" y="0"/>
-          <a:ext cx="0" cy="0"/>
-          <a:chOff x="0" y="0"/>
-          <a:chExt cx="0" cy="0"/>
-        </a:xfrm>
-      </p:grpSpPr>
-      <p:sp>
-        <p:nvSpPr>
-          <p:cNvPr id="4" name="Шестиугольник 3">
-            <a:extLst>
-              <a:ext uri="{FF2B5EF4-FFF2-40B4-BE49-F238E27FC236}">
-                <a16:creationId xmlns:a16="http://schemas.microsoft.com/office/drawing/2014/main" id="{A6C72720-2857-BE76-EB39-FEA6BBBE559E}"/>
-              </a:ext>
-            </a:extLst>
-          </p:cNvPr>
-          <p:cNvSpPr/>
-          <p:nvPr/>
-        </p:nvSpPr>
-        <p:spPr>
-          <a:xfrm>
-            <a:off x="2201662" y="3551069"/>
-            <a:ext cx="1429200" cy="856800"/>
-          </a:xfrm>
-          <a:prstGeom prst="hexagon">
-            <a:avLst>
-              <a:gd name="adj" fmla="val 33436"/>
-              <a:gd name="vf" fmla="val 115470"/>
-            </a:avLst>
-          </a:prstGeom>
-          <a:pattFill prst="openDmnd">
-            <a:fgClr>
-              <a:srgbClr val="FFC000"/>
-            </a:fgClr>
-            <a:bgClr>
-              <a:schemeClr val="bg1"/>
-            </a:bgClr>
-          </a:pattFill>
-          <a:ln w="6350" cap="sq">
-            <a:solidFill>
-              <a:schemeClr val="tx1"/>
-            </a:solidFill>
-            <a:prstDash val="solid"/>
-            <a:miter lim="800000"/>
-          </a:ln>
-        </p:spPr>
-        <p:style>
-          <a:lnRef idx="2">
-            <a:schemeClr val="accent1">
-              <a:shade val="50000"/>
-            </a:schemeClr>
-          </a:lnRef>
-          <a:fillRef idx="1">
-            <a:schemeClr val="accent1"/>
-          </a:fillRef>
-          <a:effectRef idx="0">
-            <a:schemeClr val="accent1"/>
-          </a:effectRef>
-          <a:fontRef idx="minor">
-            <a:schemeClr val="lt1"/>
-          </a:fontRef>
-        </p:style>
-        <p:txBody>
-          <a:bodyPr rtlCol="0" anchor="ctr"/>
-          <a:lstStyle/>
-          <a:p>
-            <a:pPr algn="ctr"/>
-            <a:endParaRPr lang="ru-RU" dirty="0"/>
-          </a:p>
-        </p:txBody>
-      </p:sp>
-      <p:sp>
-        <p:nvSpPr>
-          <p:cNvPr id="2" name="Заголовок 1">
-            <a:extLst>
-              <a:ext uri="{FF2B5EF4-FFF2-40B4-BE49-F238E27FC236}">
-                <a16:creationId xmlns:a16="http://schemas.microsoft.com/office/drawing/2014/main" id="{B97B1B31-D6CD-685C-0447-6566411BD8BA}"/>
-              </a:ext>
-            </a:extLst>
-          </p:cNvPr>
-          <p:cNvSpPr>
-            <a:spLocks noGrp="1"/>
-          </p:cNvSpPr>
-          <p:nvPr>
-            <p:ph type="title"/>
-          </p:nvPr>
-        </p:nvSpPr>
-        <p:spPr/>
-        <p:txBody>
-          <a:bodyPr/>
-          <a:lstStyle/>
-          <a:p>
-            <a:r>
-              <a:rPr lang="en-US" dirty="0"/>
-              <a:t>G0K0</a:t>
-            </a:r>
-            <a:endParaRPr lang="ru-RU" dirty="0"/>
-          </a:p>
-        </p:txBody>
-      </p:sp>
-    </p:spTree>
-    <p:extLst>
-      <p:ext uri="{BB962C8B-B14F-4D97-AF65-F5344CB8AC3E}">
-        <p14:creationId xmlns:p14="http://schemas.microsoft.com/office/powerpoint/2010/main" val="1941254052"/>
-      </p:ext>
-    </p:extLst>
-  </p:cSld>
-  <p:clrMapOvr>
-    <a:masterClrMapping/>
-  </p:clrMapOvr>
-</p:sld>
-</file>
-
-<file path=ppt/slides/slide16.xml><?xml version="1.0" encoding="utf-8"?>
-<p:sld xmlns:a="http://schemas.openxmlformats.org/drawingml/2006/main" xmlns:r="http://schemas.openxmlformats.org/officeDocument/2006/relationships" xmlns:p="http://schemas.openxmlformats.org/presentationml/2006/main">
-  <p:cSld>
-    <p:spTree>
-      <p:nvGrpSpPr>
-        <p:cNvPr id="1" name=""/>
-        <p:cNvGrpSpPr/>
-        <p:nvPr/>
-      </p:nvGrpSpPr>
-      <p:grpSpPr>
-        <a:xfrm>
-          <a:off x="0" y="0"/>
-          <a:ext cx="0" cy="0"/>
-          <a:chOff x="0" y="0"/>
-          <a:chExt cx="0" cy="0"/>
-        </a:xfrm>
-      </p:grpSpPr>
-      <p:sp>
-        <p:nvSpPr>
-          <p:cNvPr id="4" name="Шестиугольник 3">
-            <a:extLst>
-              <a:ext uri="{FF2B5EF4-FFF2-40B4-BE49-F238E27FC236}">
-                <a16:creationId xmlns:a16="http://schemas.microsoft.com/office/drawing/2014/main" id="{A6C72720-2857-BE76-EB39-FEA6BBBE559E}"/>
-              </a:ext>
-            </a:extLst>
-          </p:cNvPr>
-          <p:cNvSpPr/>
-          <p:nvPr/>
-        </p:nvSpPr>
-        <p:spPr>
-          <a:xfrm>
-            <a:off x="2201662" y="3551069"/>
-            <a:ext cx="1429200" cy="856800"/>
-          </a:xfrm>
-          <a:prstGeom prst="hexagon">
-            <a:avLst>
-              <a:gd name="adj" fmla="val 33436"/>
-              <a:gd name="vf" fmla="val 115470"/>
-            </a:avLst>
-          </a:prstGeom>
-          <a:pattFill prst="openDmnd">
-            <a:fgClr>
-              <a:srgbClr val="FFC000"/>
-            </a:fgClr>
-            <a:bgClr>
-              <a:schemeClr val="bg1"/>
-            </a:bgClr>
-          </a:pattFill>
-          <a:ln w="6350" cap="sq">
-            <a:solidFill>
-              <a:schemeClr val="tx1"/>
-            </a:solidFill>
-            <a:prstDash val="solid"/>
-            <a:miter lim="800000"/>
-          </a:ln>
-        </p:spPr>
-        <p:style>
-          <a:lnRef idx="2">
-            <a:schemeClr val="accent1">
-              <a:shade val="50000"/>
-            </a:schemeClr>
-          </a:lnRef>
-          <a:fillRef idx="1">
-            <a:schemeClr val="accent1"/>
-          </a:fillRef>
-          <a:effectRef idx="0">
-            <a:schemeClr val="accent1"/>
-          </a:effectRef>
-          <a:fontRef idx="minor">
-            <a:schemeClr val="lt1"/>
-          </a:fontRef>
-        </p:style>
-        <p:txBody>
-          <a:bodyPr rtlCol="0" anchor="ctr"/>
-          <a:lstStyle/>
-          <a:p>
-            <a:pPr algn="ctr"/>
-            <a:endParaRPr lang="ru-RU" dirty="0"/>
-          </a:p>
-        </p:txBody>
-      </p:sp>
-      <p:sp>
-        <p:nvSpPr>
-          <p:cNvPr id="2" name="Заголовок 1">
-            <a:extLst>
-              <a:ext uri="{FF2B5EF4-FFF2-40B4-BE49-F238E27FC236}">
-                <a16:creationId xmlns:a16="http://schemas.microsoft.com/office/drawing/2014/main" id="{B97B1B31-D6CD-685C-0447-6566411BD8BA}"/>
-              </a:ext>
-            </a:extLst>
-          </p:cNvPr>
-          <p:cNvSpPr>
-            <a:spLocks noGrp="1"/>
-          </p:cNvSpPr>
-          <p:nvPr>
-            <p:ph type="title"/>
-          </p:nvPr>
-        </p:nvSpPr>
-        <p:spPr/>
-        <p:txBody>
-          <a:bodyPr/>
-          <a:lstStyle/>
-          <a:p>
-            <a:r>
-              <a:rPr lang="en-US" dirty="0"/>
-              <a:t>G0K0</a:t>
-            </a:r>
-            <a:endParaRPr lang="ru-RU" dirty="0"/>
-          </a:p>
-        </p:txBody>
-      </p:sp>
-    </p:spTree>
-    <p:extLst>
-      <p:ext uri="{BB962C8B-B14F-4D97-AF65-F5344CB8AC3E}">
-        <p14:creationId xmlns:p14="http://schemas.microsoft.com/office/powerpoint/2010/main" val="2225098659"/>
-      </p:ext>
-    </p:extLst>
-  </p:cSld>
-  <p:clrMapOvr>
-    <a:masterClrMapping/>
-  </p:clrMapOvr>
-</p:sld>
-</file>
-
-<file path=ppt/slides/slide17.xml><?xml version="1.0" encoding="utf-8"?>
-<p:sld xmlns:a="http://schemas.openxmlformats.org/drawingml/2006/main" xmlns:r="http://schemas.openxmlformats.org/officeDocument/2006/relationships" xmlns:p="http://schemas.openxmlformats.org/presentationml/2006/main">
-  <p:cSld>
-    <p:spTree>
-      <p:nvGrpSpPr>
-        <p:cNvPr id="1" name=""/>
-        <p:cNvGrpSpPr/>
-        <p:nvPr/>
-      </p:nvGrpSpPr>
-      <p:grpSpPr>
-        <a:xfrm>
-          <a:off x="0" y="0"/>
-          <a:ext cx="0" cy="0"/>
-          <a:chOff x="0" y="0"/>
-          <a:chExt cx="0" cy="0"/>
-        </a:xfrm>
-      </p:grpSpPr>
-      <p:sp>
-        <p:nvSpPr>
-          <p:cNvPr id="4" name="Шестиугольник 3">
-            <a:extLst>
-              <a:ext uri="{FF2B5EF4-FFF2-40B4-BE49-F238E27FC236}">
-                <a16:creationId xmlns:a16="http://schemas.microsoft.com/office/drawing/2014/main" id="{A6C72720-2857-BE76-EB39-FEA6BBBE559E}"/>
-              </a:ext>
-            </a:extLst>
-          </p:cNvPr>
-          <p:cNvSpPr/>
-          <p:nvPr/>
-        </p:nvSpPr>
-        <p:spPr>
-          <a:xfrm>
-            <a:off x="2201662" y="3551069"/>
-            <a:ext cx="1429200" cy="856800"/>
-          </a:xfrm>
-          <a:prstGeom prst="hexagon">
-            <a:avLst>
-              <a:gd name="adj" fmla="val 33436"/>
-              <a:gd name="vf" fmla="val 115470"/>
-            </a:avLst>
-          </a:prstGeom>
-          <a:pattFill prst="openDmnd">
-            <a:fgClr>
-              <a:srgbClr val="FFC000"/>
-            </a:fgClr>
-            <a:bgClr>
-              <a:schemeClr val="bg1"/>
-            </a:bgClr>
-          </a:pattFill>
-          <a:ln w="6350" cap="sq">
-            <a:solidFill>
-              <a:schemeClr val="tx1"/>
-            </a:solidFill>
-            <a:prstDash val="solid"/>
-            <a:miter lim="800000"/>
-          </a:ln>
-        </p:spPr>
-        <p:style>
-          <a:lnRef idx="2">
-            <a:schemeClr val="accent1">
-              <a:shade val="50000"/>
-            </a:schemeClr>
-          </a:lnRef>
-          <a:fillRef idx="1">
-            <a:schemeClr val="accent1"/>
-          </a:fillRef>
-          <a:effectRef idx="0">
-            <a:schemeClr val="accent1"/>
-          </a:effectRef>
-          <a:fontRef idx="minor">
-            <a:schemeClr val="lt1"/>
-          </a:fontRef>
-        </p:style>
-        <p:txBody>
-          <a:bodyPr rtlCol="0" anchor="ctr"/>
-          <a:lstStyle/>
-          <a:p>
-            <a:pPr algn="ctr"/>
-            <a:endParaRPr lang="ru-RU" dirty="0"/>
-          </a:p>
-        </p:txBody>
-      </p:sp>
-      <p:sp>
-        <p:nvSpPr>
-          <p:cNvPr id="2" name="Заголовок 1">
-            <a:extLst>
-              <a:ext uri="{FF2B5EF4-FFF2-40B4-BE49-F238E27FC236}">
-                <a16:creationId xmlns:a16="http://schemas.microsoft.com/office/drawing/2014/main" id="{B97B1B31-D6CD-685C-0447-6566411BD8BA}"/>
-              </a:ext>
-            </a:extLst>
-          </p:cNvPr>
-          <p:cNvSpPr>
-            <a:spLocks noGrp="1"/>
-          </p:cNvSpPr>
-          <p:nvPr>
-            <p:ph type="title"/>
-          </p:nvPr>
-        </p:nvSpPr>
-        <p:spPr/>
-        <p:txBody>
-          <a:bodyPr/>
-          <a:lstStyle/>
-          <a:p>
-            <a:r>
-              <a:rPr lang="en-US" dirty="0"/>
-              <a:t>G0K0</a:t>
-            </a:r>
-            <a:endParaRPr lang="ru-RU" dirty="0"/>
-          </a:p>
-        </p:txBody>
-      </p:sp>
-    </p:spTree>
-    <p:extLst>
-      <p:ext uri="{BB962C8B-B14F-4D97-AF65-F5344CB8AC3E}">
-        <p14:creationId xmlns:p14="http://schemas.microsoft.com/office/powerpoint/2010/main" val="1596516822"/>
-      </p:ext>
-    </p:extLst>
-  </p:cSld>
-  <p:clrMapOvr>
-    <a:masterClrMapping/>
-  </p:clrMapOvr>
-</p:sld>
-</file>
-
-<file path=ppt/slides/slide2.xml><?xml version="1.0" encoding="utf-8"?>
-<p:sld xmlns:a="http://schemas.openxmlformats.org/drawingml/2006/main" xmlns:r="http://schemas.openxmlformats.org/officeDocument/2006/relationships" xmlns:p="http://schemas.openxmlformats.org/presentationml/2006/main">
-  <p:cSld>
-    <p:spTree>
-      <p:nvGrpSpPr>
-        <p:cNvPr id="1" name=""/>
-        <p:cNvGrpSpPr/>
-        <p:nvPr/>
-      </p:nvGrpSpPr>
-      <p:grpSpPr>
-        <a:xfrm>
-          <a:off x="0" y="0"/>
-          <a:ext cx="0" cy="0"/>
-          <a:chOff x="0" y="0"/>
-          <a:chExt cx="0" cy="0"/>
-        </a:xfrm>
-      </p:grpSpPr>
-      <p:sp>
-        <p:nvSpPr>
-          <p:cNvPr id="4" name="Шестиугольник 3">
-            <a:extLst>
-              <a:ext uri="{FF2B5EF4-FFF2-40B4-BE49-F238E27FC236}">
-                <a16:creationId xmlns:a16="http://schemas.microsoft.com/office/drawing/2014/main" id="{A6C72720-2857-BE76-EB39-FEA6BBBE559E}"/>
-              </a:ext>
-            </a:extLst>
-          </p:cNvPr>
-          <p:cNvSpPr/>
-          <p:nvPr/>
-        </p:nvSpPr>
-        <p:spPr>
-          <a:xfrm>
-            <a:off x="2610035" y="1651247"/>
-            <a:ext cx="1429200" cy="856800"/>
-          </a:xfrm>
-          <a:prstGeom prst="hexagon">
-            <a:avLst>
-              <a:gd name="adj" fmla="val 33436"/>
-              <a:gd name="vf" fmla="val 115470"/>
-            </a:avLst>
-          </a:prstGeom>
-          <a:noFill/>
-          <a:ln w="28575">
-            <a:solidFill>
-              <a:srgbClr val="FF0000"/>
-            </a:solidFill>
-          </a:ln>
-        </p:spPr>
-        <p:style>
-          <a:lnRef idx="2">
-            <a:schemeClr val="accent1">
-              <a:shade val="50000"/>
-            </a:schemeClr>
-          </a:lnRef>
-          <a:fillRef idx="1">
-            <a:schemeClr val="accent1"/>
-          </a:fillRef>
-          <a:effectRef idx="0">
-            <a:schemeClr val="accent1"/>
-          </a:effectRef>
-          <a:fontRef idx="minor">
-            <a:schemeClr val="lt1"/>
-          </a:fontRef>
-        </p:style>
-        <p:txBody>
-          <a:bodyPr rtlCol="0" anchor="ctr"/>
-          <a:lstStyle/>
-          <a:p>
-            <a:pPr algn="ctr"/>
-            <a:endParaRPr lang="ru-RU"/>
-          </a:p>
-        </p:txBody>
-      </p:sp>
-    </p:spTree>
-    <p:extLst>
-      <p:ext uri="{BB962C8B-B14F-4D97-AF65-F5344CB8AC3E}">
-        <p14:creationId xmlns:p14="http://schemas.microsoft.com/office/powerpoint/2010/main" val="3915284933"/>
-      </p:ext>
-    </p:extLst>
-  </p:cSld>
-  <p:clrMapOvr>
-    <a:masterClrMapping/>
-  </p:clrMapOvr>
-</p:sld>
-</file>
-
-<file path=ppt/slides/slide3.xml><?xml version="1.0" encoding="utf-8"?>
-<p:sld xmlns:a="http://schemas.openxmlformats.org/drawingml/2006/main" xmlns:r="http://schemas.openxmlformats.org/officeDocument/2006/relationships" xmlns:p="http://schemas.openxmlformats.org/presentationml/2006/main">
-  <p:cSld>
-    <p:spTree>
-      <p:nvGrpSpPr>
-        <p:cNvPr id="1" name=""/>
-        <p:cNvGrpSpPr/>
-        <p:nvPr/>
-      </p:nvGrpSpPr>
-      <p:grpSpPr>
-        <a:xfrm>
-          <a:off x="0" y="0"/>
-          <a:ext cx="0" cy="0"/>
-          <a:chOff x="0" y="0"/>
-          <a:chExt cx="0" cy="0"/>
-        </a:xfrm>
-      </p:grpSpPr>
-      <p:sp>
-        <p:nvSpPr>
-          <p:cNvPr id="4" name="Шестиугольник 3">
-            <a:extLst>
-              <a:ext uri="{FF2B5EF4-FFF2-40B4-BE49-F238E27FC236}">
-                <a16:creationId xmlns:a16="http://schemas.microsoft.com/office/drawing/2014/main" id="{A6C72720-2857-BE76-EB39-FEA6BBBE559E}"/>
-              </a:ext>
-            </a:extLst>
-          </p:cNvPr>
-          <p:cNvSpPr/>
-          <p:nvPr/>
-        </p:nvSpPr>
-        <p:spPr>
-          <a:xfrm>
-            <a:off x="2610035" y="1651247"/>
-            <a:ext cx="1429200" cy="856800"/>
-          </a:xfrm>
-          <a:prstGeom prst="hexagon">
-            <a:avLst>
-              <a:gd name="adj" fmla="val 33436"/>
-              <a:gd name="vf" fmla="val 115470"/>
-            </a:avLst>
-          </a:prstGeom>
-          <a:noFill/>
-          <a:ln w="28575">
-            <a:solidFill>
-              <a:srgbClr val="FF0000"/>
-            </a:solidFill>
-            <a:prstDash val="dash"/>
-          </a:ln>
-        </p:spPr>
-        <p:style>
-          <a:lnRef idx="2">
-            <a:schemeClr val="accent1">
-              <a:shade val="50000"/>
-            </a:schemeClr>
-          </a:lnRef>
-          <a:fillRef idx="1">
-            <a:schemeClr val="accent1"/>
-          </a:fillRef>
-          <a:effectRef idx="0">
-            <a:schemeClr val="accent1"/>
-          </a:effectRef>
-          <a:fontRef idx="minor">
-            <a:schemeClr val="lt1"/>
-          </a:fontRef>
-        </p:style>
-        <p:txBody>
-          <a:bodyPr rtlCol="0" anchor="ctr"/>
-          <a:lstStyle/>
-          <a:p>
-            <a:pPr algn="ctr"/>
-            <a:endParaRPr lang="ru-RU"/>
-          </a:p>
-        </p:txBody>
-      </p:sp>
-    </p:spTree>
-    <p:extLst>
-      <p:ext uri="{BB962C8B-B14F-4D97-AF65-F5344CB8AC3E}">
-        <p14:creationId xmlns:p14="http://schemas.microsoft.com/office/powerpoint/2010/main" val="3210739162"/>
-      </p:ext>
-    </p:extLst>
-  </p:cSld>
-  <p:clrMapOvr>
-    <a:masterClrMapping/>
-  </p:clrMapOvr>
-</p:sld>
-</file>
-
-<file path=ppt/slides/slide4.xml><?xml version="1.0" encoding="utf-8"?>
-<p:sld xmlns:a="http://schemas.openxmlformats.org/drawingml/2006/main" xmlns:r="http://schemas.openxmlformats.org/officeDocument/2006/relationships" xmlns:p="http://schemas.openxmlformats.org/presentationml/2006/main">
-  <p:cSld>
-    <p:spTree>
-      <p:nvGrpSpPr>
-        <p:cNvPr id="1" name=""/>
-        <p:cNvGrpSpPr/>
-        <p:nvPr/>
-      </p:nvGrpSpPr>
-      <p:grpSpPr>
-        <a:xfrm>
-          <a:off x="0" y="0"/>
-          <a:ext cx="0" cy="0"/>
-          <a:chOff x="0" y="0"/>
-          <a:chExt cx="0" cy="0"/>
-        </a:xfrm>
-      </p:grpSpPr>
-      <p:sp>
-        <p:nvSpPr>
-          <p:cNvPr id="4" name="Шестиугольник 3">
-            <a:extLst>
-              <a:ext uri="{FF2B5EF4-FFF2-40B4-BE49-F238E27FC236}">
-                <a16:creationId xmlns:a16="http://schemas.microsoft.com/office/drawing/2014/main" id="{A6C72720-2857-BE76-EB39-FEA6BBBE559E}"/>
-              </a:ext>
-            </a:extLst>
-          </p:cNvPr>
-          <p:cNvSpPr/>
-          <p:nvPr/>
-        </p:nvSpPr>
-        <p:spPr>
-          <a:xfrm>
-            <a:off x="2201662" y="3551069"/>
-            <a:ext cx="1429200" cy="856800"/>
-          </a:xfrm>
-          <a:prstGeom prst="hexagon">
-            <a:avLst>
-              <a:gd name="adj" fmla="val 33436"/>
-              <a:gd name="vf" fmla="val 115470"/>
-            </a:avLst>
-          </a:prstGeom>
-          <a:pattFill prst="dotDmnd">
-            <a:fgClr>
-              <a:srgbClr val="FFC000"/>
-            </a:fgClr>
-            <a:bgClr>
-              <a:schemeClr val="bg1"/>
-            </a:bgClr>
-          </a:pattFill>
-          <a:ln w="6350" cap="sq">
-            <a:solidFill>
-              <a:schemeClr val="tx1"/>
-            </a:solidFill>
-            <a:prstDash val="solid"/>
-            <a:miter lim="800000"/>
-          </a:ln>
-        </p:spPr>
-        <p:style>
-          <a:lnRef idx="2">
-            <a:schemeClr val="accent1">
-              <a:shade val="50000"/>
-            </a:schemeClr>
-          </a:lnRef>
-          <a:fillRef idx="1">
-            <a:schemeClr val="accent1"/>
-          </a:fillRef>
-          <a:effectRef idx="0">
-            <a:schemeClr val="accent1"/>
-          </a:effectRef>
-          <a:fontRef idx="minor">
-            <a:schemeClr val="lt1"/>
-          </a:fontRef>
-        </p:style>
-        <p:txBody>
-          <a:bodyPr rtlCol="0" anchor="ctr"/>
-          <a:lstStyle/>
-          <a:p>
-            <a:pPr algn="ctr"/>
-            <a:endParaRPr lang="ru-RU" dirty="0"/>
-          </a:p>
-        </p:txBody>
-      </p:sp>
-      <p:sp>
-        <p:nvSpPr>
-          <p:cNvPr id="2" name="Заголовок 1">
-            <a:extLst>
-              <a:ext uri="{FF2B5EF4-FFF2-40B4-BE49-F238E27FC236}">
-                <a16:creationId xmlns:a16="http://schemas.microsoft.com/office/drawing/2014/main" id="{B97B1B31-D6CD-685C-0447-6566411BD8BA}"/>
-              </a:ext>
-            </a:extLst>
-          </p:cNvPr>
-          <p:cNvSpPr>
-            <a:spLocks noGrp="1"/>
-          </p:cNvSpPr>
-          <p:nvPr>
-            <p:ph type="title"/>
-          </p:nvPr>
-        </p:nvSpPr>
-        <p:spPr/>
-        <p:txBody>
-          <a:bodyPr/>
-          <a:lstStyle/>
-          <a:p>
-            <a:r>
-              <a:rPr lang="en-US" dirty="0"/>
-              <a:t>G0K0</a:t>
-            </a:r>
-            <a:endParaRPr lang="ru-RU" dirty="0"/>
-          </a:p>
-        </p:txBody>
-      </p:sp>
     </p:spTree>
     <p:extLst>
       <p:ext uri="{BB962C8B-B14F-4D97-AF65-F5344CB8AC3E}">
         <p14:creationId xmlns:p14="http://schemas.microsoft.com/office/powerpoint/2010/main" val="1639410369"/>
-      </p:ext>
-    </p:extLst>
-  </p:cSld>
-  <p:clrMapOvr>
-    <a:masterClrMapping/>
-  </p:clrMapOvr>
-</p:sld>
-</file>
-
-<file path=ppt/slides/slide5.xml><?xml version="1.0" encoding="utf-8"?>
-<p:sld xmlns:a="http://schemas.openxmlformats.org/drawingml/2006/main" xmlns:r="http://schemas.openxmlformats.org/officeDocument/2006/relationships" xmlns:p="http://schemas.openxmlformats.org/presentationml/2006/main">
-  <p:cSld>
-    <p:spTree>
-      <p:nvGrpSpPr>
-        <p:cNvPr id="1" name=""/>
-        <p:cNvGrpSpPr/>
-        <p:nvPr/>
-      </p:nvGrpSpPr>
-      <p:grpSpPr>
-        <a:xfrm>
-          <a:off x="0" y="0"/>
-          <a:ext cx="0" cy="0"/>
-          <a:chOff x="0" y="0"/>
-          <a:chExt cx="0" cy="0"/>
-        </a:xfrm>
-      </p:grpSpPr>
-      <p:sp>
-        <p:nvSpPr>
-          <p:cNvPr id="4" name="Шестиугольник 3">
-            <a:extLst>
-              <a:ext uri="{FF2B5EF4-FFF2-40B4-BE49-F238E27FC236}">
-                <a16:creationId xmlns:a16="http://schemas.microsoft.com/office/drawing/2014/main" id="{A6C72720-2857-BE76-EB39-FEA6BBBE559E}"/>
-              </a:ext>
-            </a:extLst>
-          </p:cNvPr>
-          <p:cNvSpPr/>
-          <p:nvPr/>
-        </p:nvSpPr>
-        <p:spPr>
-          <a:xfrm>
-            <a:off x="2201662" y="3551069"/>
-            <a:ext cx="1429200" cy="856800"/>
-          </a:xfrm>
-          <a:prstGeom prst="hexagon">
-            <a:avLst>
-              <a:gd name="adj" fmla="val 33436"/>
-              <a:gd name="vf" fmla="val 115470"/>
-            </a:avLst>
-          </a:prstGeom>
-          <a:pattFill prst="smGrid">
-            <a:fgClr>
-              <a:srgbClr val="00B0F0"/>
-            </a:fgClr>
-            <a:bgClr>
-              <a:schemeClr val="bg1"/>
-            </a:bgClr>
-          </a:pattFill>
-          <a:ln w="6350" cap="sq">
-            <a:solidFill>
-              <a:schemeClr val="tx1"/>
-            </a:solidFill>
-            <a:prstDash val="solid"/>
-            <a:miter lim="800000"/>
-          </a:ln>
-        </p:spPr>
-        <p:style>
-          <a:lnRef idx="2">
-            <a:schemeClr val="accent1">
-              <a:shade val="50000"/>
-            </a:schemeClr>
-          </a:lnRef>
-          <a:fillRef idx="1">
-            <a:schemeClr val="accent1"/>
-          </a:fillRef>
-          <a:effectRef idx="0">
-            <a:schemeClr val="accent1"/>
-          </a:effectRef>
-          <a:fontRef idx="minor">
-            <a:schemeClr val="lt1"/>
-          </a:fontRef>
-        </p:style>
-        <p:txBody>
-          <a:bodyPr rtlCol="0" anchor="ctr"/>
-          <a:lstStyle/>
-          <a:p>
-            <a:pPr algn="ctr"/>
-            <a:endParaRPr lang="ru-RU" dirty="0"/>
-          </a:p>
-        </p:txBody>
-      </p:sp>
-      <p:sp>
-        <p:nvSpPr>
-          <p:cNvPr id="2" name="Заголовок 1">
-            <a:extLst>
-              <a:ext uri="{FF2B5EF4-FFF2-40B4-BE49-F238E27FC236}">
-                <a16:creationId xmlns:a16="http://schemas.microsoft.com/office/drawing/2014/main" id="{B97B1B31-D6CD-685C-0447-6566411BD8BA}"/>
-              </a:ext>
-            </a:extLst>
-          </p:cNvPr>
-          <p:cNvSpPr>
-            <a:spLocks noGrp="1"/>
-          </p:cNvSpPr>
-          <p:nvPr>
-            <p:ph type="title"/>
-          </p:nvPr>
-        </p:nvSpPr>
-        <p:spPr/>
-        <p:txBody>
-          <a:bodyPr/>
-          <a:lstStyle/>
-          <a:p>
-            <a:r>
-              <a:rPr lang="en-US" dirty="0"/>
-              <a:t>G0K-1</a:t>
-            </a:r>
-            <a:endParaRPr lang="ru-RU" dirty="0"/>
-          </a:p>
-        </p:txBody>
-      </p:sp>
-    </p:spTree>
-    <p:extLst>
-      <p:ext uri="{BB962C8B-B14F-4D97-AF65-F5344CB8AC3E}">
-        <p14:creationId xmlns:p14="http://schemas.microsoft.com/office/powerpoint/2010/main" val="1235491635"/>
-      </p:ext>
-    </p:extLst>
-  </p:cSld>
-  <p:clrMapOvr>
-    <a:masterClrMapping/>
-  </p:clrMapOvr>
-</p:sld>
-</file>
-
-<file path=ppt/slides/slide6.xml><?xml version="1.0" encoding="utf-8"?>
-<p:sld xmlns:a="http://schemas.openxmlformats.org/drawingml/2006/main" xmlns:r="http://schemas.openxmlformats.org/officeDocument/2006/relationships" xmlns:p="http://schemas.openxmlformats.org/presentationml/2006/main">
-  <p:cSld>
-    <p:spTree>
-      <p:nvGrpSpPr>
-        <p:cNvPr id="1" name=""/>
-        <p:cNvGrpSpPr/>
-        <p:nvPr/>
-      </p:nvGrpSpPr>
-      <p:grpSpPr>
-        <a:xfrm>
-          <a:off x="0" y="0"/>
-          <a:ext cx="0" cy="0"/>
-          <a:chOff x="0" y="0"/>
-          <a:chExt cx="0" cy="0"/>
-        </a:xfrm>
-      </p:grpSpPr>
-      <p:sp>
-        <p:nvSpPr>
-          <p:cNvPr id="4" name="Шестиугольник 3">
-            <a:extLst>
-              <a:ext uri="{FF2B5EF4-FFF2-40B4-BE49-F238E27FC236}">
-                <a16:creationId xmlns:a16="http://schemas.microsoft.com/office/drawing/2014/main" id="{A6C72720-2857-BE76-EB39-FEA6BBBE559E}"/>
-              </a:ext>
-            </a:extLst>
-          </p:cNvPr>
-          <p:cNvSpPr/>
-          <p:nvPr/>
-        </p:nvSpPr>
-        <p:spPr>
-          <a:xfrm>
-            <a:off x="2201662" y="3551069"/>
-            <a:ext cx="1429200" cy="856800"/>
-          </a:xfrm>
-          <a:prstGeom prst="hexagon">
-            <a:avLst>
-              <a:gd name="adj" fmla="val 33436"/>
-              <a:gd name="vf" fmla="val 115470"/>
-            </a:avLst>
-          </a:prstGeom>
-          <a:pattFill prst="zigZag">
-            <a:fgClr>
-              <a:schemeClr val="accent2"/>
-            </a:fgClr>
-            <a:bgClr>
-              <a:schemeClr val="bg1"/>
-            </a:bgClr>
-          </a:pattFill>
-          <a:ln w="6350" cap="sq">
-            <a:solidFill>
-              <a:schemeClr val="tx1"/>
-            </a:solidFill>
-            <a:prstDash val="solid"/>
-            <a:miter lim="800000"/>
-          </a:ln>
-        </p:spPr>
-        <p:style>
-          <a:lnRef idx="2">
-            <a:schemeClr val="accent1">
-              <a:shade val="50000"/>
-            </a:schemeClr>
-          </a:lnRef>
-          <a:fillRef idx="1">
-            <a:schemeClr val="accent1"/>
-          </a:fillRef>
-          <a:effectRef idx="0">
-            <a:schemeClr val="accent1"/>
-          </a:effectRef>
-          <a:fontRef idx="minor">
-            <a:schemeClr val="lt1"/>
-          </a:fontRef>
-        </p:style>
-        <p:txBody>
-          <a:bodyPr rtlCol="0" anchor="ctr"/>
-          <a:lstStyle/>
-          <a:p>
-            <a:pPr algn="ctr"/>
-            <a:endParaRPr lang="ru-RU" dirty="0"/>
-          </a:p>
-        </p:txBody>
-      </p:sp>
-      <p:sp>
-        <p:nvSpPr>
-          <p:cNvPr id="2" name="Заголовок 1">
-            <a:extLst>
-              <a:ext uri="{FF2B5EF4-FFF2-40B4-BE49-F238E27FC236}">
-                <a16:creationId xmlns:a16="http://schemas.microsoft.com/office/drawing/2014/main" id="{B97B1B31-D6CD-685C-0447-6566411BD8BA}"/>
-              </a:ext>
-            </a:extLst>
-          </p:cNvPr>
-          <p:cNvSpPr>
-            <a:spLocks noGrp="1"/>
-          </p:cNvSpPr>
-          <p:nvPr>
-            <p:ph type="title"/>
-          </p:nvPr>
-        </p:nvSpPr>
-        <p:spPr/>
-        <p:txBody>
-          <a:bodyPr/>
-          <a:lstStyle/>
-          <a:p>
-            <a:r>
-              <a:rPr lang="en-US" dirty="0"/>
-              <a:t>G1K2</a:t>
-            </a:r>
-            <a:endParaRPr lang="ru-RU" dirty="0"/>
-          </a:p>
-        </p:txBody>
-      </p:sp>
-    </p:spTree>
-    <p:extLst>
-      <p:ext uri="{BB962C8B-B14F-4D97-AF65-F5344CB8AC3E}">
-        <p14:creationId xmlns:p14="http://schemas.microsoft.com/office/powerpoint/2010/main" val="451089161"/>
-      </p:ext>
-    </p:extLst>
-  </p:cSld>
-  <p:clrMapOvr>
-    <a:masterClrMapping/>
-  </p:clrMapOvr>
-</p:sld>
-</file>
-
-<file path=ppt/slides/slide7.xml><?xml version="1.0" encoding="utf-8"?>
-<p:sld xmlns:a="http://schemas.openxmlformats.org/drawingml/2006/main" xmlns:r="http://schemas.openxmlformats.org/officeDocument/2006/relationships" xmlns:p="http://schemas.openxmlformats.org/presentationml/2006/main">
-  <p:cSld>
-    <p:spTree>
-      <p:nvGrpSpPr>
-        <p:cNvPr id="1" name=""/>
-        <p:cNvGrpSpPr/>
-        <p:nvPr/>
-      </p:nvGrpSpPr>
-      <p:grpSpPr>
-        <a:xfrm>
-          <a:off x="0" y="0"/>
-          <a:ext cx="0" cy="0"/>
-          <a:chOff x="0" y="0"/>
-          <a:chExt cx="0" cy="0"/>
-        </a:xfrm>
-      </p:grpSpPr>
-      <p:sp>
-        <p:nvSpPr>
-          <p:cNvPr id="4" name="Шестиугольник 3">
-            <a:extLst>
-              <a:ext uri="{FF2B5EF4-FFF2-40B4-BE49-F238E27FC236}">
-                <a16:creationId xmlns:a16="http://schemas.microsoft.com/office/drawing/2014/main" id="{A6C72720-2857-BE76-EB39-FEA6BBBE559E}"/>
-              </a:ext>
-            </a:extLst>
-          </p:cNvPr>
-          <p:cNvSpPr/>
-          <p:nvPr/>
-        </p:nvSpPr>
-        <p:spPr>
-          <a:xfrm>
-            <a:off x="2201662" y="3551069"/>
-            <a:ext cx="1429200" cy="856800"/>
-          </a:xfrm>
-          <a:prstGeom prst="hexagon">
-            <a:avLst>
-              <a:gd name="adj" fmla="val 33436"/>
-              <a:gd name="vf" fmla="val 115470"/>
-            </a:avLst>
-          </a:prstGeom>
-          <a:pattFill prst="wave">
-            <a:fgClr>
-              <a:srgbClr val="FF63FF"/>
-            </a:fgClr>
-            <a:bgClr>
-              <a:schemeClr val="bg1"/>
-            </a:bgClr>
-          </a:pattFill>
-          <a:ln w="6350" cap="sq">
-            <a:solidFill>
-              <a:schemeClr val="tx1"/>
-            </a:solidFill>
-            <a:prstDash val="solid"/>
-            <a:miter lim="800000"/>
-          </a:ln>
-        </p:spPr>
-        <p:style>
-          <a:lnRef idx="2">
-            <a:schemeClr val="accent1">
-              <a:shade val="50000"/>
-            </a:schemeClr>
-          </a:lnRef>
-          <a:fillRef idx="1">
-            <a:schemeClr val="accent1"/>
-          </a:fillRef>
-          <a:effectRef idx="0">
-            <a:schemeClr val="accent1"/>
-          </a:effectRef>
-          <a:fontRef idx="minor">
-            <a:schemeClr val="lt1"/>
-          </a:fontRef>
-        </p:style>
-        <p:txBody>
-          <a:bodyPr rtlCol="0" anchor="ctr"/>
-          <a:lstStyle/>
-          <a:p>
-            <a:pPr algn="ctr"/>
-            <a:endParaRPr lang="ru-RU" dirty="0"/>
-          </a:p>
-        </p:txBody>
-      </p:sp>
-      <p:sp>
-        <p:nvSpPr>
-          <p:cNvPr id="2" name="Заголовок 1">
-            <a:extLst>
-              <a:ext uri="{FF2B5EF4-FFF2-40B4-BE49-F238E27FC236}">
-                <a16:creationId xmlns:a16="http://schemas.microsoft.com/office/drawing/2014/main" id="{B97B1B31-D6CD-685C-0447-6566411BD8BA}"/>
-              </a:ext>
-            </a:extLst>
-          </p:cNvPr>
-          <p:cNvSpPr>
-            <a:spLocks noGrp="1"/>
-          </p:cNvSpPr>
-          <p:nvPr>
-            <p:ph type="title"/>
-          </p:nvPr>
-        </p:nvSpPr>
-        <p:spPr/>
-        <p:txBody>
-          <a:bodyPr/>
-          <a:lstStyle/>
-          <a:p>
-            <a:r>
-              <a:rPr lang="en-US" dirty="0"/>
-              <a:t>G-1K-2</a:t>
-            </a:r>
-            <a:endParaRPr lang="ru-RU" dirty="0"/>
-          </a:p>
-        </p:txBody>
-      </p:sp>
-    </p:spTree>
-    <p:extLst>
-      <p:ext uri="{BB962C8B-B14F-4D97-AF65-F5344CB8AC3E}">
-        <p14:creationId xmlns:p14="http://schemas.microsoft.com/office/powerpoint/2010/main" val="859483767"/>
-      </p:ext>
-    </p:extLst>
-  </p:cSld>
-  <p:clrMapOvr>
-    <a:masterClrMapping/>
-  </p:clrMapOvr>
-</p:sld>
-</file>
-
-<file path=ppt/slides/slide8.xml><?xml version="1.0" encoding="utf-8"?>
-<p:sld xmlns:a="http://schemas.openxmlformats.org/drawingml/2006/main" xmlns:r="http://schemas.openxmlformats.org/officeDocument/2006/relationships" xmlns:p="http://schemas.openxmlformats.org/presentationml/2006/main">
-  <p:cSld>
-    <p:spTree>
-      <p:nvGrpSpPr>
-        <p:cNvPr id="1" name=""/>
-        <p:cNvGrpSpPr/>
-        <p:nvPr/>
-      </p:nvGrpSpPr>
-      <p:grpSpPr>
-        <a:xfrm>
-          <a:off x="0" y="0"/>
-          <a:ext cx="0" cy="0"/>
-          <a:chOff x="0" y="0"/>
-          <a:chExt cx="0" cy="0"/>
-        </a:xfrm>
-      </p:grpSpPr>
-      <p:sp>
-        <p:nvSpPr>
-          <p:cNvPr id="4" name="Шестиугольник 3">
-            <a:extLst>
-              <a:ext uri="{FF2B5EF4-FFF2-40B4-BE49-F238E27FC236}">
-                <a16:creationId xmlns:a16="http://schemas.microsoft.com/office/drawing/2014/main" id="{A6C72720-2857-BE76-EB39-FEA6BBBE559E}"/>
-              </a:ext>
-            </a:extLst>
-          </p:cNvPr>
-          <p:cNvSpPr/>
-          <p:nvPr/>
-        </p:nvSpPr>
-        <p:spPr>
-          <a:xfrm>
-            <a:off x="2201662" y="3551069"/>
-            <a:ext cx="1429200" cy="856800"/>
-          </a:xfrm>
-          <a:prstGeom prst="hexagon">
-            <a:avLst>
-              <a:gd name="adj" fmla="val 33436"/>
-              <a:gd name="vf" fmla="val 115470"/>
-            </a:avLst>
-          </a:prstGeom>
-          <a:pattFill prst="lgGrid">
-            <a:fgClr>
-              <a:srgbClr val="C2D69B"/>
-            </a:fgClr>
-            <a:bgClr>
-              <a:schemeClr val="bg1"/>
-            </a:bgClr>
-          </a:pattFill>
-          <a:ln w="6350" cap="sq">
-            <a:solidFill>
-              <a:schemeClr val="tx1"/>
-            </a:solidFill>
-            <a:prstDash val="solid"/>
-            <a:miter lim="800000"/>
-          </a:ln>
-        </p:spPr>
-        <p:style>
-          <a:lnRef idx="2">
-            <a:schemeClr val="accent1">
-              <a:shade val="50000"/>
-            </a:schemeClr>
-          </a:lnRef>
-          <a:fillRef idx="1">
-            <a:schemeClr val="accent1"/>
-          </a:fillRef>
-          <a:effectRef idx="0">
-            <a:schemeClr val="accent1"/>
-          </a:effectRef>
-          <a:fontRef idx="minor">
-            <a:schemeClr val="lt1"/>
-          </a:fontRef>
-        </p:style>
-        <p:txBody>
-          <a:bodyPr rtlCol="0" anchor="ctr"/>
-          <a:lstStyle/>
-          <a:p>
-            <a:pPr algn="ctr"/>
-            <a:endParaRPr lang="ru-RU" dirty="0"/>
-          </a:p>
-        </p:txBody>
-      </p:sp>
-      <p:sp>
-        <p:nvSpPr>
-          <p:cNvPr id="2" name="Заголовок 1">
-            <a:extLst>
-              <a:ext uri="{FF2B5EF4-FFF2-40B4-BE49-F238E27FC236}">
-                <a16:creationId xmlns:a16="http://schemas.microsoft.com/office/drawing/2014/main" id="{B97B1B31-D6CD-685C-0447-6566411BD8BA}"/>
-              </a:ext>
-            </a:extLst>
-          </p:cNvPr>
-          <p:cNvSpPr>
-            <a:spLocks noGrp="1"/>
-          </p:cNvSpPr>
-          <p:nvPr>
-            <p:ph type="title"/>
-          </p:nvPr>
-        </p:nvSpPr>
-        <p:spPr/>
-        <p:txBody>
-          <a:bodyPr/>
-          <a:lstStyle/>
-          <a:p>
-            <a:r>
-              <a:rPr lang="en-US" dirty="0"/>
-              <a:t>G-1K-1</a:t>
-            </a:r>
-            <a:endParaRPr lang="ru-RU" dirty="0"/>
-          </a:p>
-        </p:txBody>
-      </p:sp>
-    </p:spTree>
-    <p:extLst>
-      <p:ext uri="{BB962C8B-B14F-4D97-AF65-F5344CB8AC3E}">
-        <p14:creationId xmlns:p14="http://schemas.microsoft.com/office/powerpoint/2010/main" val="128593013"/>
-      </p:ext>
-    </p:extLst>
-  </p:cSld>
-  <p:clrMapOvr>
-    <a:masterClrMapping/>
-  </p:clrMapOvr>
-</p:sld>
-</file>
-
-<file path=ppt/slides/slide9.xml><?xml version="1.0" encoding="utf-8"?>
-<p:sld xmlns:a="http://schemas.openxmlformats.org/drawingml/2006/main" xmlns:r="http://schemas.openxmlformats.org/officeDocument/2006/relationships" xmlns:p="http://schemas.openxmlformats.org/presentationml/2006/main">
-  <p:cSld>
-    <p:spTree>
-      <p:nvGrpSpPr>
-        <p:cNvPr id="1" name=""/>
-        <p:cNvGrpSpPr/>
-        <p:nvPr/>
-      </p:nvGrpSpPr>
-      <p:grpSpPr>
-        <a:xfrm>
-          <a:off x="0" y="0"/>
-          <a:ext cx="0" cy="0"/>
-          <a:chOff x="0" y="0"/>
-          <a:chExt cx="0" cy="0"/>
-        </a:xfrm>
-      </p:grpSpPr>
-      <p:sp>
-        <p:nvSpPr>
-          <p:cNvPr id="4" name="Шестиугольник 3">
-            <a:extLst>
-              <a:ext uri="{FF2B5EF4-FFF2-40B4-BE49-F238E27FC236}">
-                <a16:creationId xmlns:a16="http://schemas.microsoft.com/office/drawing/2014/main" id="{A6C72720-2857-BE76-EB39-FEA6BBBE559E}"/>
-              </a:ext>
-            </a:extLst>
-          </p:cNvPr>
-          <p:cNvSpPr/>
-          <p:nvPr/>
-        </p:nvSpPr>
-        <p:spPr>
-          <a:xfrm>
-            <a:off x="2201662" y="3551069"/>
-            <a:ext cx="1429200" cy="856800"/>
-          </a:xfrm>
-          <a:prstGeom prst="hexagon">
-            <a:avLst>
-              <a:gd name="adj" fmla="val 33436"/>
-              <a:gd name="vf" fmla="val 115470"/>
-            </a:avLst>
-          </a:prstGeom>
-          <a:pattFill prst="openDmnd">
-            <a:fgClr>
-              <a:srgbClr val="00B050"/>
-            </a:fgClr>
-            <a:bgClr>
-              <a:schemeClr val="bg1"/>
-            </a:bgClr>
-          </a:pattFill>
-          <a:ln w="6350" cap="sq">
-            <a:solidFill>
-              <a:schemeClr val="tx1"/>
-            </a:solidFill>
-            <a:prstDash val="solid"/>
-            <a:miter lim="800000"/>
-          </a:ln>
-        </p:spPr>
-        <p:style>
-          <a:lnRef idx="2">
-            <a:schemeClr val="accent1">
-              <a:shade val="50000"/>
-            </a:schemeClr>
-          </a:lnRef>
-          <a:fillRef idx="1">
-            <a:schemeClr val="accent1"/>
-          </a:fillRef>
-          <a:effectRef idx="0">
-            <a:schemeClr val="accent1"/>
-          </a:effectRef>
-          <a:fontRef idx="minor">
-            <a:schemeClr val="lt1"/>
-          </a:fontRef>
-        </p:style>
-        <p:txBody>
-          <a:bodyPr rtlCol="0" anchor="ctr"/>
-          <a:lstStyle/>
-          <a:p>
-            <a:pPr algn="ctr"/>
-            <a:endParaRPr lang="ru-RU" dirty="0"/>
-          </a:p>
-        </p:txBody>
-      </p:sp>
-      <p:sp>
-        <p:nvSpPr>
-          <p:cNvPr id="2" name="Заголовок 1">
-            <a:extLst>
-              <a:ext uri="{FF2B5EF4-FFF2-40B4-BE49-F238E27FC236}">
-                <a16:creationId xmlns:a16="http://schemas.microsoft.com/office/drawing/2014/main" id="{B97B1B31-D6CD-685C-0447-6566411BD8BA}"/>
-              </a:ext>
-            </a:extLst>
-          </p:cNvPr>
-          <p:cNvSpPr>
-            <a:spLocks noGrp="1"/>
-          </p:cNvSpPr>
-          <p:nvPr>
-            <p:ph type="title"/>
-          </p:nvPr>
-        </p:nvSpPr>
-        <p:spPr/>
-        <p:txBody>
-          <a:bodyPr/>
-          <a:lstStyle/>
-          <a:p>
-            <a:r>
-              <a:rPr lang="en-US" dirty="0"/>
-              <a:t>G1K1</a:t>
-            </a:r>
-            <a:endParaRPr lang="ru-RU" dirty="0"/>
-          </a:p>
-        </p:txBody>
-      </p:sp>
-    </p:spTree>
-    <p:extLst>
-      <p:ext uri="{BB962C8B-B14F-4D97-AF65-F5344CB8AC3E}">
-        <p14:creationId xmlns:p14="http://schemas.microsoft.com/office/powerpoint/2010/main" val="331224989"/>
       </p:ext>
     </p:extLst>
   </p:cSld>

--- a/styles/img/Презентация1.pptx
+++ b/styles/img/Презентация1.pptx
@@ -5,9 +5,27 @@
     <p:sldMasterId id="2147483648" r:id="rId1"/>
   </p:sldMasterIdLst>
   <p:sldIdLst>
-    <p:sldId id="256" r:id="rId2"/>
-    <p:sldId id="258" r:id="rId3"/>
-    <p:sldId id="257" r:id="rId4"/>
+    <p:sldId id="272" r:id="rId2"/>
+    <p:sldId id="256" r:id="rId3"/>
+    <p:sldId id="276" r:id="rId4"/>
+    <p:sldId id="277" r:id="rId5"/>
+    <p:sldId id="258" r:id="rId6"/>
+    <p:sldId id="275" r:id="rId7"/>
+    <p:sldId id="274" r:id="rId8"/>
+    <p:sldId id="257" r:id="rId9"/>
+    <p:sldId id="259" r:id="rId10"/>
+    <p:sldId id="273" r:id="rId11"/>
+    <p:sldId id="261" r:id="rId12"/>
+    <p:sldId id="262" r:id="rId13"/>
+    <p:sldId id="263" r:id="rId14"/>
+    <p:sldId id="264" r:id="rId15"/>
+    <p:sldId id="265" r:id="rId16"/>
+    <p:sldId id="266" r:id="rId17"/>
+    <p:sldId id="267" r:id="rId18"/>
+    <p:sldId id="268" r:id="rId19"/>
+    <p:sldId id="269" r:id="rId20"/>
+    <p:sldId id="270" r:id="rId21"/>
+    <p:sldId id="271" r:id="rId22"/>
   </p:sldIdLst>
   <p:sldSz cx="12192000" cy="6858000"/>
   <p:notesSz cx="6858000" cy="9144000"/>
@@ -112,6 +130,398 @@
     </p:ext>
   </p:extLst>
 </p:presentation>
+</file>
+
+<file path=ppt/ink/ink1.xml><?xml version="1.0" encoding="utf-8"?>
+<inkml:ink xmlns:inkml="http://www.w3.org/2003/InkML">
+  <inkml:definitions>
+    <inkml:context xml:id="ctx0">
+      <inkml:inkSource xml:id="inkSrc0">
+        <inkml:traceFormat>
+          <inkml:channel name="X" type="integer" min="-2.14748E9" max="2.14748E9" units="cm"/>
+          <inkml:channel name="Y" type="integer" min="-2.14748E9" max="2.14748E9" units="cm"/>
+          <inkml:channel name="F" type="integer" max="32767" units="dev"/>
+        </inkml:traceFormat>
+        <inkml:channelProperties>
+          <inkml:channelProperty channel="X" name="resolution" value="1000" units="1/cm"/>
+          <inkml:channelProperty channel="Y" name="resolution" value="1000" units="1/cm"/>
+          <inkml:channelProperty channel="F" name="resolution" value="0" units="1/dev"/>
+        </inkml:channelProperties>
+      </inkml:inkSource>
+      <inkml:timestamp xml:id="ts0" timeString="2022-12-30T13:17:10.736"/>
+    </inkml:context>
+    <inkml:brush xml:id="br0">
+      <inkml:brushProperty name="width" value="0.05" units="cm"/>
+      <inkml:brushProperty name="height" value="0.05" units="cm"/>
+      <inkml:brushProperty name="color" value="#E71224"/>
+    </inkml:brush>
+  </inkml:definitions>
+  <inkml:trace contextRef="#ctx0" brushRef="#br0">2 703 24575,'0'12'0,"-1"26"0,2-1 0,1 0 0,10 47 0,-1-31 0,-8-33 0,0 0 0,2 0 0,0 0 0,1 0 0,2-1 0,-1 0 0,13 20 0,-19-38 0,-1 0 0,1 0 0,-1 0 0,1 0 0,0 0 0,0 0 0,0 0 0,0 0 0,0 0 0,0 0 0,0 0 0,0-1 0,0 1 0,0 0 0,0-1 0,0 1 0,0-1 0,3 2 0,-3-3 0,-1 1 0,1 0 0,0 0 0,-1-1 0,1 1 0,0 0 0,-1-1 0,1 1 0,-1 0 0,1-1 0,-1 1 0,1-1 0,-1 1 0,1-1 0,-1 1 0,1-1 0,-1 0 0,0 1 0,1-1 0,-1 1 0,0-1 0,0 0 0,1 1 0,-1-2 0,3-7 0,-1 0 0,0-1 0,0-15 0,-1 19 0,1-15 0,1 0 0,2 0 0,0 1 0,1 0 0,1 0 0,17-36 0,-17 42 0,-2-1 0,8-26 0,-10 27 0,2 0 0,-1 0 0,11-18 0,7-4 0,2 1 0,2 2 0,1 0 0,32-28 0,-13 12 0,70-82 0,129-192 0,-225 291-1365,-5 3-5461</inkml:trace>
+</inkml:ink>
+</file>
+
+<file path=ppt/ink/ink10.xml><?xml version="1.0" encoding="utf-8"?>
+<inkml:ink xmlns:inkml="http://www.w3.org/2003/InkML">
+  <inkml:definitions>
+    <inkml:context xml:id="ctx0">
+      <inkml:inkSource xml:id="inkSrc0">
+        <inkml:traceFormat>
+          <inkml:channel name="X" type="integer" min="-2.14748E9" max="2.14748E9" units="cm"/>
+          <inkml:channel name="Y" type="integer" min="-2.14748E9" max="2.14748E9" units="cm"/>
+          <inkml:channel name="F" type="integer" max="32767" units="dev"/>
+        </inkml:traceFormat>
+        <inkml:channelProperties>
+          <inkml:channelProperty channel="X" name="resolution" value="1000" units="1/cm"/>
+          <inkml:channelProperty channel="Y" name="resolution" value="1000" units="1/cm"/>
+          <inkml:channelProperty channel="F" name="resolution" value="0" units="1/dev"/>
+        </inkml:channelProperties>
+      </inkml:inkSource>
+      <inkml:timestamp xml:id="ts0" timeString="2022-12-30T17:29:51.170"/>
+    </inkml:context>
+    <inkml:brush xml:id="br0">
+      <inkml:brushProperty name="width" value="0.05" units="cm"/>
+      <inkml:brushProperty name="height" value="0.05" units="cm"/>
+      <inkml:brushProperty name="color" value="#E71224"/>
+    </inkml:brush>
+  </inkml:definitions>
+  <inkml:trace contextRef="#ctx0" brushRef="#br0">2 960 24575,'-2'167'0,"10"295"0,-7-450 0,11 93 0,-10-93 0,1-1 0,0 0 0,1 0 0,0 0 0,1-1 0,11 21 0,-15-29 0,0-1 0,0 1 0,1 0 0,-1 0 0,0 0 0,1-1 0,-1 1 0,1-1 0,-1 1 0,1-1 0,0 0 0,-1 1 0,1-1 0,0 0 0,0 0 0,0 0 0,0 0 0,0-1 0,0 1 0,0-1 0,0 1 0,0-1 0,0 1 0,1-1 0,-1 0 0,0 0 0,0 0 0,0-1 0,0 1 0,0 0 0,1-1 0,-1 1 0,0-1 0,0 0 0,0 0 0,0 1 0,-1-1 0,1-1 0,3-1 0,4-4 0,0 0 0,-1-1 0,0 0 0,-1 0 0,0 0 0,8-14 0,72-122 0,235-533-359,-60-28-1361,-189 479-4392</inkml:trace>
+</inkml:ink>
+</file>
+
+<file path=ppt/ink/ink11.xml><?xml version="1.0" encoding="utf-8"?>
+<inkml:ink xmlns:inkml="http://www.w3.org/2003/InkML">
+  <inkml:definitions>
+    <inkml:context xml:id="ctx0">
+      <inkml:inkSource xml:id="inkSrc0">
+        <inkml:traceFormat>
+          <inkml:channel name="X" type="integer" min="-2.14748E9" max="2.14748E9" units="cm"/>
+          <inkml:channel name="Y" type="integer" min="-2.14748E9" max="2.14748E9" units="cm"/>
+          <inkml:channel name="F" type="integer" max="32767" units="dev"/>
+        </inkml:traceFormat>
+        <inkml:channelProperties>
+          <inkml:channelProperty channel="X" name="resolution" value="1000" units="1/cm"/>
+          <inkml:channelProperty channel="Y" name="resolution" value="1000" units="1/cm"/>
+          <inkml:channelProperty channel="F" name="resolution" value="0" units="1/dev"/>
+        </inkml:channelProperties>
+      </inkml:inkSource>
+      <inkml:timestamp xml:id="ts0" timeString="2022-12-30T17:31:43.844"/>
+    </inkml:context>
+    <inkml:brush xml:id="br0">
+      <inkml:brushProperty name="width" value="0.05" units="cm"/>
+      <inkml:brushProperty name="height" value="0.05" units="cm"/>
+      <inkml:brushProperty name="color" value="#E71224"/>
+    </inkml:brush>
+  </inkml:definitions>
+  <inkml:trace contextRef="#ctx0" brushRef="#br0">52 8 24575,'0'0'0,"0"0"0,0 0 0,1-1 0,-1 1 0,0 0 0,0 0 0,0-1 0,0 1 0,0 0 0,0 0 0,0-1 0,0 1 0,0 0 0,0 0 0,0-1 0,-1 1 0,1 0 0,0 0 0,0-1 0,0 1 0,0 0 0,0 0 0,0 0 0,-1-1 0,1 1 0,0 0 0,0 0 0,0 0 0,0-1 0,-1 1 0,1 0 0,0 0 0,0 0 0,-1 0 0,1 0 0,0-1 0,-1 1 0,-7 7 0,-8 20 0,9-1 0,2 0 0,0 0 0,2 0 0,0 50 0,14 110 0,-5-127 0,3 1 0,2-1 0,2-1 0,34 88 0,-44-137 0,1 0 0,1 0 0,0 0 0,0-1 0,12 15 0,-16-22 0,0 1 0,1-1 0,-1 0 0,0 1 0,0-1 0,1 0 0,-1 0 0,1 0 0,-1 0 0,1 0 0,0 0 0,-1 0 0,1-1 0,0 1 0,0-1 0,-1 1 0,1-1 0,0 0 0,0 1 0,0-1 0,-1 0 0,1 0 0,0 0 0,0-1 0,0 1 0,-1 0 0,1-1 0,0 1 0,0-1 0,-1 1 0,1-1 0,0 0 0,-1 0 0,1 0 0,-1 0 0,1 0 0,2-2 0,3-4 0,-1 0 0,0 0 0,0-1 0,0 1 0,-1-1 0,0-1 0,-1 1 0,7-15 0,21-80 0,-20 61 0,178-506-1365,-158 471-5461</inkml:trace>
+</inkml:ink>
+</file>
+
+<file path=ppt/ink/ink12.xml><?xml version="1.0" encoding="utf-8"?>
+<inkml:ink xmlns:inkml="http://www.w3.org/2003/InkML">
+  <inkml:definitions>
+    <inkml:context xml:id="ctx0">
+      <inkml:inkSource xml:id="inkSrc0">
+        <inkml:traceFormat>
+          <inkml:channel name="X" type="integer" min="-2.14748E9" max="2.14748E9" units="cm"/>
+          <inkml:channel name="Y" type="integer" min="-2.14748E9" max="2.14748E9" units="cm"/>
+          <inkml:channel name="F" type="integer" max="32767" units="dev"/>
+        </inkml:traceFormat>
+        <inkml:channelProperties>
+          <inkml:channelProperty channel="X" name="resolution" value="1000" units="1/cm"/>
+          <inkml:channelProperty channel="Y" name="resolution" value="1000" units="1/cm"/>
+          <inkml:channelProperty channel="F" name="resolution" value="0" units="1/dev"/>
+        </inkml:channelProperties>
+      </inkml:inkSource>
+      <inkml:timestamp xml:id="ts0" timeString="2022-12-30T17:35:04.319"/>
+    </inkml:context>
+    <inkml:brush xml:id="br0">
+      <inkml:brushProperty name="width" value="0.05" units="cm"/>
+      <inkml:brushProperty name="height" value="0.05" units="cm"/>
+      <inkml:brushProperty name="color" value="#E71224"/>
+    </inkml:brush>
+  </inkml:definitions>
+  <inkml:trace contextRef="#ctx0" brushRef="#br0">1 443 24575,'4'0'0,"12"5"0,8 12 0,4 11 0,3 12 0,0 3 0,0-1 0,9-7 0,13-24 0,10-44 0,15-38 0,-1-38 0,-10-18 0,-10 2 0,-16 13 0,-14 26-8191</inkml:trace>
+</inkml:ink>
+</file>
+
+<file path=ppt/ink/ink13.xml><?xml version="1.0" encoding="utf-8"?>
+<inkml:ink xmlns:inkml="http://www.w3.org/2003/InkML">
+  <inkml:definitions>
+    <inkml:context xml:id="ctx0">
+      <inkml:inkSource xml:id="inkSrc0">
+        <inkml:traceFormat>
+          <inkml:channel name="X" type="integer" min="-2.14748E9" max="2.14748E9" units="cm"/>
+          <inkml:channel name="Y" type="integer" min="-2.14748E9" max="2.14748E9" units="cm"/>
+          <inkml:channel name="F" type="integer" max="32767" units="dev"/>
+        </inkml:traceFormat>
+        <inkml:channelProperties>
+          <inkml:channelProperty channel="X" name="resolution" value="1000" units="1/cm"/>
+          <inkml:channelProperty channel="Y" name="resolution" value="1000" units="1/cm"/>
+          <inkml:channelProperty channel="F" name="resolution" value="0" units="1/dev"/>
+        </inkml:channelProperties>
+      </inkml:inkSource>
+      <inkml:timestamp xml:id="ts0" timeString="2022-12-30T17:35:05.399"/>
+    </inkml:context>
+    <inkml:brush xml:id="br0">
+      <inkml:brushProperty name="width" value="0.05" units="cm"/>
+      <inkml:brushProperty name="height" value="0.05" units="cm"/>
+      <inkml:brushProperty name="color" value="#E71224"/>
+    </inkml:brush>
+  </inkml:definitions>
+  <inkml:trace contextRef="#ctx0" brushRef="#br0">1 11 24575,'0'-4'0,"9"-3"0,14 11 0,7 23 0,3 41 0,1 23 0,-1 10 0,-1-1 0,-6-15 0,-2-20 0,-6-27 0,-5-38 0,-1-30 0,8-47 0,0-11-8191</inkml:trace>
+</inkml:ink>
+</file>
+
+<file path=ppt/ink/ink14.xml><?xml version="1.0" encoding="utf-8"?>
+<inkml:ink xmlns:inkml="http://www.w3.org/2003/InkML">
+  <inkml:definitions>
+    <inkml:context xml:id="ctx0">
+      <inkml:inkSource xml:id="inkSrc0">
+        <inkml:traceFormat>
+          <inkml:channel name="X" type="integer" min="-2.14748E9" max="2.14748E9" units="cm"/>
+          <inkml:channel name="Y" type="integer" min="-2.14748E9" max="2.14748E9" units="cm"/>
+          <inkml:channel name="F" type="integer" max="32767" units="dev"/>
+        </inkml:traceFormat>
+        <inkml:channelProperties>
+          <inkml:channelProperty channel="X" name="resolution" value="1000" units="1/cm"/>
+          <inkml:channelProperty channel="Y" name="resolution" value="1000" units="1/cm"/>
+          <inkml:channelProperty channel="F" name="resolution" value="0" units="1/dev"/>
+        </inkml:channelProperties>
+      </inkml:inkSource>
+      <inkml:timestamp xml:id="ts0" timeString="2022-12-30T17:45:04.053"/>
+    </inkml:context>
+    <inkml:brush xml:id="br0">
+      <inkml:brushProperty name="width" value="0.05" units="cm"/>
+      <inkml:brushProperty name="height" value="0.05" units="cm"/>
+      <inkml:brushProperty name="color" value="#E71224"/>
+    </inkml:brush>
+  </inkml:definitions>
+  <inkml:trace contextRef="#ctx0" brushRef="#br0">1 11 24575,'0'-1'0,"0"1"0,0 0 0,0-1 0,0 1 0,0 0 0,0-1 0,0 1 0,0 0 0,0-1 0,0 1 0,0 0 0,0-1 0,0 1 0,1 0 0,-1-1 0,0 1 0,0 0 0,0-1 0,0 1 0,1 0 0,-1-1 0,0 1 0,0 0 0,1 0 0,-1-1 0,0 1 0,1 0 0,-1 0 0,0 0 0,1 0 0,-1-1 0,0 1 0,1 0 0,-1 0 0,1 0 0,16 7 0,-4 5 0,-1 0 0,0 1 0,-1 0 0,-1 0 0,16 27 0,-20-30 0,344 640 0,-256-457 0,-86-177 0,-6-11 0,0 0 0,0 0 0,0 0 0,1 0 0,0-1 0,0 1 0,0-1 0,0 0 0,1 0 0,-1 0 0,1 0 0,5 3 0,-9-7 0,0 0 0,1 0 0,-1 0 0,1 0 0,-1 0 0,1 0 0,-1 0 0,1 0 0,-1 0 0,1 0 0,-1-1 0,0 1 0,1 0 0,-1 0 0,1 0 0,-1-1 0,0 1 0,1 0 0,-1 0 0,1-1 0,-1 1 0,0 0 0,0-1 0,1 1 0,-1 0 0,0-1 0,1 1 0,-1-1 0,0 1 0,0 0 0,0-1 0,0 1 0,1-1 0,-1 1 0,0-1 0,0 1 0,0-1 0,0 1 0,0-1 0,4-20 0,0 0 0,-2 1 0,0-1 0,-2 0 0,-2-34 0,0 4 0,-6-433-1365,8 450-5461</inkml:trace>
+</inkml:ink>
+</file>
+
+<file path=ppt/ink/ink2.xml><?xml version="1.0" encoding="utf-8"?>
+<inkml:ink xmlns:inkml="http://www.w3.org/2003/InkML">
+  <inkml:definitions>
+    <inkml:context xml:id="ctx0">
+      <inkml:inkSource xml:id="inkSrc0">
+        <inkml:traceFormat>
+          <inkml:channel name="X" type="integer" min="-2.14748E9" max="2.14748E9" units="cm"/>
+          <inkml:channel name="Y" type="integer" min="-2.14748E9" max="2.14748E9" units="cm"/>
+          <inkml:channel name="F" type="integer" max="32767" units="dev"/>
+        </inkml:traceFormat>
+        <inkml:channelProperties>
+          <inkml:channelProperty channel="X" name="resolution" value="1000" units="1/cm"/>
+          <inkml:channelProperty channel="Y" name="resolution" value="1000" units="1/cm"/>
+          <inkml:channelProperty channel="F" name="resolution" value="0" units="1/dev"/>
+        </inkml:channelProperties>
+      </inkml:inkSource>
+      <inkml:timestamp xml:id="ts0" timeString="2022-12-30T13:17:13.006"/>
+    </inkml:context>
+    <inkml:brush xml:id="br0">
+      <inkml:brushProperty name="width" value="0.05" units="cm"/>
+      <inkml:brushProperty name="height" value="0.05" units="cm"/>
+      <inkml:brushProperty name="color" value="#E71224"/>
+    </inkml:brush>
+  </inkml:definitions>
+  <inkml:trace contextRef="#ctx0" brushRef="#br0">1 274 24575,'0'5'0,"1"1"0,0-1 0,0 1 0,1-1 0,-1 0 0,1 1 0,0-1 0,1 0 0,4 8 0,33 45 0,-20-31 0,-10-12 0,-1 1 0,-1 0 0,0 0 0,-1 1 0,-1 0 0,0 0 0,-1 0 0,-1 1 0,2 29 0,-3-18 0,2 1 0,0-1 0,2 0 0,1-1 0,1 0 0,22 47 0,-26-68 0,0 0 0,1 0 0,-1 0 0,9 7 0,-8-9 0,0 1 0,-1 0 0,1 1 0,5 9 0,-11-16 0,0 0 0,0 1 0,0-1 0,0 0 0,0 0 0,0 1 0,0-1 0,0 0 0,0 0 0,0 1 0,1-1 0,-1 0 0,0 0 0,0 1 0,0-1 0,0 0 0,0 0 0,1 1 0,-1-1 0,0 0 0,0 0 0,0 0 0,1 0 0,-1 1 0,0-1 0,0 0 0,0 0 0,1 0 0,-1 0 0,0 0 0,0 0 0,1 0 0,-1 0 0,0 1 0,0-1 0,1 0 0,-1 0 0,0 0 0,1 0 0,-1 0 0,0-1 0,0 1 0,1 0 0,-1 0 0,0 0 0,0 0 0,1 0 0,3-17 0,-5-39 0,1 44 0,-1-21 0,-2-97 0,19-188 0,-11 273 0,-3 20 0,2 1 0,7-33 0,-8 49 0,0-1 0,1 0 0,0 1 0,0-1 0,0 1 0,1 0 0,1 1 0,-1-1 0,13-12 0,6-1 59,50-35 0,-11 11-1542,-41 26-5343</inkml:trace>
+</inkml:ink>
+</file>
+
+<file path=ppt/ink/ink3.xml><?xml version="1.0" encoding="utf-8"?>
+<inkml:ink xmlns:inkml="http://www.w3.org/2003/InkML">
+  <inkml:definitions>
+    <inkml:context xml:id="ctx0">
+      <inkml:inkSource xml:id="inkSrc0">
+        <inkml:traceFormat>
+          <inkml:channel name="X" type="integer" min="-2.14748E9" max="2.14748E9" units="cm"/>
+          <inkml:channel name="Y" type="integer" min="-2.14748E9" max="2.14748E9" units="cm"/>
+          <inkml:channel name="F" type="integer" max="32767" units="dev"/>
+        </inkml:traceFormat>
+        <inkml:channelProperties>
+          <inkml:channelProperty channel="X" name="resolution" value="1000" units="1/cm"/>
+          <inkml:channelProperty channel="Y" name="resolution" value="1000" units="1/cm"/>
+          <inkml:channelProperty channel="F" name="resolution" value="0" units="1/dev"/>
+        </inkml:channelProperties>
+      </inkml:inkSource>
+      <inkml:timestamp xml:id="ts0" timeString="2022-12-30T13:23:25.847"/>
+    </inkml:context>
+    <inkml:brush xml:id="br0">
+      <inkml:brushProperty name="width" value="0.05" units="cm"/>
+      <inkml:brushProperty name="height" value="0.05" units="cm"/>
+      <inkml:brushProperty name="color" value="#E71224"/>
+    </inkml:brush>
+  </inkml:definitions>
+  <inkml:trace contextRef="#ctx0" brushRef="#br0">5 4 24575,'-2'90'0,"-1"-41"0,3 0 0,10 75 0,-4-95 0,21 53 0,-15-48 0,-9-26 0,1-1 0,0 1 0,0-1 0,1 0 0,7 8 0,16 28 0,-13-8 0,-1-3 0,27 46 0,-39-75 0,0 0 0,1 0 0,-1-1 0,0 1 0,1-1 0,-1 0 0,1 0 0,0 0 0,0 0 0,0 0 0,0-1 0,0 1 0,0-1 0,0 1 0,5 0 0,-6-2 0,-1 1 0,1-1 0,0 0 0,-1 0 0,1 0 0,0 0 0,-1 0 0,1-1 0,0 1 0,-1 0 0,1-1 0,-1 1 0,1-1 0,-1 1 0,1-1 0,-1 0 0,1 0 0,-1 0 0,1 0 0,-1 0 0,0 0 0,0 0 0,0 0 0,1 0 0,-1-1 0,0 1 0,0 0 0,-1-1 0,1 1 0,0-1 0,0 1 0,-1-1 0,2-2 0,42-135 0,-28 89 0,-6 18 0,1 1 0,19-39 0,-4 16 0,-3-1 0,17-63 0,5-10 0,-40 110 120,-5 7-1605</inkml:trace>
+</inkml:ink>
+</file>
+
+<file path=ppt/ink/ink4.xml><?xml version="1.0" encoding="utf-8"?>
+<inkml:ink xmlns:inkml="http://www.w3.org/2003/InkML">
+  <inkml:definitions>
+    <inkml:context xml:id="ctx0">
+      <inkml:inkSource xml:id="inkSrc0">
+        <inkml:traceFormat>
+          <inkml:channel name="X" type="integer" min="-2.14748E9" max="2.14748E9" units="cm"/>
+          <inkml:channel name="Y" type="integer" min="-2.14748E9" max="2.14748E9" units="cm"/>
+          <inkml:channel name="F" type="integer" max="32767" units="dev"/>
+        </inkml:traceFormat>
+        <inkml:channelProperties>
+          <inkml:channelProperty channel="X" name="resolution" value="1000" units="1/cm"/>
+          <inkml:channelProperty channel="Y" name="resolution" value="1000" units="1/cm"/>
+          <inkml:channelProperty channel="F" name="resolution" value="0" units="1/dev"/>
+        </inkml:channelProperties>
+      </inkml:inkSource>
+      <inkml:timestamp xml:id="ts0" timeString="2022-12-30T13:23:27.825"/>
+    </inkml:context>
+    <inkml:brush xml:id="br0">
+      <inkml:brushProperty name="width" value="0.05" units="cm"/>
+      <inkml:brushProperty name="height" value="0.05" units="cm"/>
+      <inkml:brushProperty name="color" value="#E71224"/>
+    </inkml:brush>
+  </inkml:definitions>
+  <inkml:trace contextRef="#ctx0" brushRef="#br0">2 594 24575,'0'25'0,"-1"25"0,2 0 0,2 0 0,18 87 0,-20-133 0,1 1 0,-1-1 0,1 0 0,0 0 0,0 0 0,1 0 0,-1 0 0,1-1 0,0 1 0,0-1 0,0 0 0,0 1 0,1-2 0,-1 1 0,1 0 0,0-1 0,5 3 0,-7-3 0,0-1 0,1 0 0,-1-1 0,0 1 0,1 0 0,-1-1 0,0 1 0,1-1 0,-1 0 0,1 1 0,-1-1 0,1-1 0,-1 1 0,0 0 0,1 0 0,-1-1 0,1 0 0,-1 1 0,0-1 0,0 0 0,1 0 0,-1 0 0,0 0 0,0-1 0,0 1 0,0 0 0,0-1 0,0 0 0,-1 1 0,1-1 0,0 0 0,1-3 0,4-7 0,0 0 0,-1 0 0,-1 0 0,0-1 0,0 0 0,-1 0 0,-1 0 0,-1 0 0,3-21 0,-2-18 0,-4-57 0,1 89 0,0-10 0,2 0 0,1 0 0,1 0 0,2 0 0,1 1 0,1 0 0,1 1 0,20-41 0,2 8 0,3 1 0,65-87 0,-81 119-1365,-3 5-5461</inkml:trace>
+</inkml:ink>
+</file>
+
+<file path=ppt/ink/ink5.xml><?xml version="1.0" encoding="utf-8"?>
+<inkml:ink xmlns:inkml="http://www.w3.org/2003/InkML">
+  <inkml:definitions>
+    <inkml:context xml:id="ctx0">
+      <inkml:inkSource xml:id="inkSrc0">
+        <inkml:traceFormat>
+          <inkml:channel name="X" type="integer" min="-2.14748E9" max="2.14748E9" units="cm"/>
+          <inkml:channel name="Y" type="integer" min="-2.14748E9" max="2.14748E9" units="cm"/>
+          <inkml:channel name="F" type="integer" max="32767" units="dev"/>
+        </inkml:traceFormat>
+        <inkml:channelProperties>
+          <inkml:channelProperty channel="X" name="resolution" value="1000" units="1/cm"/>
+          <inkml:channelProperty channel="Y" name="resolution" value="1000" units="1/cm"/>
+          <inkml:channelProperty channel="F" name="resolution" value="0" units="1/dev"/>
+        </inkml:channelProperties>
+      </inkml:inkSource>
+      <inkml:timestamp xml:id="ts0" timeString="2022-12-30T13:26:16.044"/>
+    </inkml:context>
+    <inkml:brush xml:id="br0">
+      <inkml:brushProperty name="width" value="0.05" units="cm"/>
+      <inkml:brushProperty name="height" value="0.05" units="cm"/>
+      <inkml:brushProperty name="color" value="#E71224"/>
+    </inkml:brush>
+  </inkml:definitions>
+  <inkml:trace contextRef="#ctx0" brushRef="#br0">1 644 24575,'0'437'0,"0"-428"0,0 0 0,0 0 0,1-1 0,0 1 0,1 0 0,0-1 0,1 0 0,-1 1 0,2-1 0,-1 0 0,1 0 0,0 0 0,1-1 0,-1 0 0,2 0 0,-1 0 0,1 0 0,8 7 0,2 3 0,-1 0 0,15 23 0,-17-22 0,1 0 0,25 24 0,-34-37 0,0-1 0,0 0 0,1 0 0,-1 0 0,1-1 0,0 0 0,0 0 0,0 0 0,0-1 0,1 0 0,-1 0 0,0-1 0,8 1 0,-13-2 0,1 1 0,0-1 0,0 0 0,-1-1 0,1 1 0,0 0 0,-1 0 0,1-1 0,0 1 0,-1-1 0,1 1 0,0-1 0,-1 0 0,1 0 0,-1 1 0,0-1 0,1 0 0,-1 0 0,3-3 0,-2 2 0,0-1 0,0 0 0,0 0 0,0 0 0,0-1 0,-1 1 0,0 0 0,1-1 0,0-3 0,1-8 0,0-1 0,-2 0 0,1-22 0,-2 30 0,-1-220 0,9-132 0,10-186 0,-18 484 0,0 56-114,0 0 1,0-1-1,0 1 0,-1 0 0,1 0 1,-2 0-1,1-1 0,-1 1 0,0 0 1,0 1-1,-5-11 0,-5 1-6712</inkml:trace>
+</inkml:ink>
+</file>
+
+<file path=ppt/ink/ink6.xml><?xml version="1.0" encoding="utf-8"?>
+<inkml:ink xmlns:inkml="http://www.w3.org/2003/InkML">
+  <inkml:definitions>
+    <inkml:context xml:id="ctx0">
+      <inkml:inkSource xml:id="inkSrc0">
+        <inkml:traceFormat>
+          <inkml:channel name="X" type="integer" min="-2.14748E9" max="2.14748E9" units="cm"/>
+          <inkml:channel name="Y" type="integer" min="-2.14748E9" max="2.14748E9" units="cm"/>
+          <inkml:channel name="F" type="integer" max="32767" units="dev"/>
+        </inkml:traceFormat>
+        <inkml:channelProperties>
+          <inkml:channelProperty channel="X" name="resolution" value="1000" units="1/cm"/>
+          <inkml:channelProperty channel="Y" name="resolution" value="1000" units="1/cm"/>
+          <inkml:channelProperty channel="F" name="resolution" value="0" units="1/dev"/>
+        </inkml:channelProperties>
+      </inkml:inkSource>
+      <inkml:timestamp xml:id="ts0" timeString="2022-12-30T13:29:13.207"/>
+    </inkml:context>
+    <inkml:brush xml:id="br0">
+      <inkml:brushProperty name="width" value="0.05" units="cm"/>
+      <inkml:brushProperty name="height" value="0.05" units="cm"/>
+      <inkml:brushProperty name="color" value="#E71224"/>
+    </inkml:brush>
+  </inkml:definitions>
+  <inkml:trace contextRef="#ctx0" brushRef="#br0">1 315 24575,'-1'90'0,"3"96"0,1-168 0,0-1 0,1 1 0,1-1 0,1 1 0,0-1 0,2-1 0,0 1 0,13 20 0,0 1 0,-18-29 0,1-1 0,-1 0 0,-1 1 0,3 14 0,-4-16 0,0 1 0,1 0 0,1-1 0,5 14 0,-6-18 0,-1 0 0,1-1 0,0 1 0,0-1 0,0 0 0,0 0 0,1 1 0,-1-1 0,0-1 0,1 1 0,-1 0 0,1-1 0,0 1 0,0-1 0,0 0 0,4 2 0,0-1 0,0 0 0,0-1 0,0 1 0,0-2 0,0 1 0,0-1 0,8 0 0,-13 0 0,0 0 0,0-1 0,0 1 0,1 0 0,-1-1 0,0 0 0,0 1 0,0-1 0,0 0 0,0 0 0,-1 0 0,1 0 0,0-1 0,0 1 0,-1 0 0,1-1 0,-1 1 0,1-1 0,-1 0 0,1 1 0,-1-1 0,0 0 0,0 0 0,0 0 0,0 0 0,1-4 0,2-15 0,-1 0 0,0-1 0,-2 1 0,0-1 0,-6-42 0,3 40 0,1 0 0,1 0 0,0 0 0,7-39 0,-2 37 0,-2 0 0,0-47 0,-4 54 0,2-1 0,0 0 0,1 1 0,1-1 0,11-37 0,2 8 0,14-75 0,-16 61 0,-6 7-1365,-8 39-5461</inkml:trace>
+</inkml:ink>
+</file>
+
+<file path=ppt/ink/ink7.xml><?xml version="1.0" encoding="utf-8"?>
+<inkml:ink xmlns:inkml="http://www.w3.org/2003/InkML">
+  <inkml:definitions>
+    <inkml:context xml:id="ctx0">
+      <inkml:inkSource xml:id="inkSrc0">
+        <inkml:traceFormat>
+          <inkml:channel name="X" type="integer" min="-2.14748E9" max="2.14748E9" units="cm"/>
+          <inkml:channel name="Y" type="integer" min="-2.14748E9" max="2.14748E9" units="cm"/>
+          <inkml:channel name="F" type="integer" max="32767" units="dev"/>
+        </inkml:traceFormat>
+        <inkml:channelProperties>
+          <inkml:channelProperty channel="X" name="resolution" value="1000" units="1/cm"/>
+          <inkml:channelProperty channel="Y" name="resolution" value="1000" units="1/cm"/>
+          <inkml:channelProperty channel="F" name="resolution" value="0" units="1/dev"/>
+        </inkml:channelProperties>
+      </inkml:inkSource>
+      <inkml:timestamp xml:id="ts0" timeString="2022-12-30T17:25:02.557"/>
+    </inkml:context>
+    <inkml:brush xml:id="br0">
+      <inkml:brushProperty name="width" value="0.05" units="cm"/>
+      <inkml:brushProperty name="height" value="0.05" units="cm"/>
+      <inkml:brushProperty name="color" value="#E71224"/>
+    </inkml:brush>
+  </inkml:definitions>
+  <inkml:trace contextRef="#ctx0" brushRef="#br0">1 481 24575,'1'0'0,"-1"0"0,1 0 0,0 0 0,0 1 0,0-1 0,0 0 0,-1 1 0,1-1 0,0 0 0,0 1 0,-1-1 0,1 1 0,0-1 0,0 1 0,-1 0 0,1-1 0,-1 1 0,1 0 0,-1-1 0,1 1 0,-1 0 0,1 0 0,-1-1 0,1 1 0,-1 0 0,0 1 0,8 27 0,-6-19 0,63 372 0,-65-379 0,1 9 0,1-1 0,0 1 0,1-1 0,0 1 0,0-1 0,1 0 0,1 0 0,0-1 0,0 1 0,7 9 0,-11-19 0,0 1 0,0-1 0,1 0 0,-1 0 0,0 0 0,0 0 0,0 1 0,1-2 0,-1 1 0,1 0 0,-1 0 0,0 0 0,1-1 0,0 1 0,-1-1 0,1 1 0,-1-1 0,1 1 0,0-1 0,-1 0 0,1 0 0,2 0 0,-2 0 0,0-1 0,0 0 0,0 0 0,0 0 0,0 0 0,0 0 0,0 0 0,0 0 0,0-1 0,0 1 0,-1-1 0,1 1 0,-1-1 0,3-2 0,3-6 0,0-1 0,0 0 0,-1-1 0,7-19 0,7-27 0,-3-1 0,11-68 0,15-56 0,-35 156 0,2 0 0,0 0 0,2 1 0,24-37 0,4 7 28,3 2 0,67-64-1,-5 6-1475,-75 76-5378</inkml:trace>
+</inkml:ink>
+</file>
+
+<file path=ppt/ink/ink8.xml><?xml version="1.0" encoding="utf-8"?>
+<inkml:ink xmlns:inkml="http://www.w3.org/2003/InkML">
+  <inkml:definitions>
+    <inkml:context xml:id="ctx0">
+      <inkml:inkSource xml:id="inkSrc0">
+        <inkml:traceFormat>
+          <inkml:channel name="X" type="integer" min="-2.14748E9" max="2.14748E9" units="cm"/>
+          <inkml:channel name="Y" type="integer" min="-2.14748E9" max="2.14748E9" units="cm"/>
+          <inkml:channel name="F" type="integer" max="32767" units="dev"/>
+        </inkml:traceFormat>
+        <inkml:channelProperties>
+          <inkml:channelProperty channel="X" name="resolution" value="1000" units="1/cm"/>
+          <inkml:channelProperty channel="Y" name="resolution" value="1000" units="1/cm"/>
+          <inkml:channelProperty channel="F" name="resolution" value="0" units="1/dev"/>
+        </inkml:channelProperties>
+      </inkml:inkSource>
+      <inkml:timestamp xml:id="ts0" timeString="2022-12-30T17:27:07.057"/>
+    </inkml:context>
+    <inkml:brush xml:id="br0">
+      <inkml:brushProperty name="width" value="0.05" units="cm"/>
+      <inkml:brushProperty name="height" value="0.05" units="cm"/>
+      <inkml:brushProperty name="color" value="#E71224"/>
+    </inkml:brush>
+  </inkml:definitions>
+  <inkml:trace contextRef="#ctx0" brushRef="#br0">0 22 24575,'24'38'0,"33"77"0,-25-49 0,110 251 0,31 60 0,-153-343 0,2 0 0,1-1 0,2-2 0,1 0 0,1-2 0,1-1 0,51 38 0,-76-63 0,1 0 0,-1 0 0,1 0 0,0-1 0,0 0 0,0 0 0,1 0 0,-1 0 0,0-1 0,1 0 0,-1 0 0,8 1 0,-9-2 0,0 0 0,-1-1 0,1 0 0,0 1 0,-1-1 0,1 0 0,-1 0 0,1 0 0,-1 0 0,0-1 0,1 1 0,-1-1 0,0 0 0,0 1 0,0-1 0,0 0 0,0 0 0,-1 0 0,1 0 0,-1 0 0,1-1 0,-1 1 0,2-3 0,5-11 0,0-1 0,-1 0 0,0 0 0,6-31 0,9-76 0,-15 82 0,60-618 0,-46 422-1365,-17 206-5461</inkml:trace>
+</inkml:ink>
+</file>
+
+<file path=ppt/ink/ink9.xml><?xml version="1.0" encoding="utf-8"?>
+<inkml:ink xmlns:inkml="http://www.w3.org/2003/InkML">
+  <inkml:definitions>
+    <inkml:context xml:id="ctx0">
+      <inkml:inkSource xml:id="inkSrc0">
+        <inkml:traceFormat>
+          <inkml:channel name="X" type="integer" min="-2.14748E9" max="2.14748E9" units="cm"/>
+          <inkml:channel name="Y" type="integer" min="-2.14748E9" max="2.14748E9" units="cm"/>
+          <inkml:channel name="F" type="integer" max="32767" units="dev"/>
+        </inkml:traceFormat>
+        <inkml:channelProperties>
+          <inkml:channelProperty channel="X" name="resolution" value="1000" units="1/cm"/>
+          <inkml:channelProperty channel="Y" name="resolution" value="1000" units="1/cm"/>
+          <inkml:channelProperty channel="F" name="resolution" value="0" units="1/dev"/>
+        </inkml:channelProperties>
+      </inkml:inkSource>
+      <inkml:timestamp xml:id="ts0" timeString="2022-12-30T17:27:43.317"/>
+    </inkml:context>
+    <inkml:brush xml:id="br0">
+      <inkml:brushProperty name="width" value="0.05" units="cm"/>
+      <inkml:brushProperty name="height" value="0.05" units="cm"/>
+      <inkml:brushProperty name="color" value="#E71224"/>
+    </inkml:brush>
+  </inkml:definitions>
+  <inkml:trace contextRef="#ctx0" brushRef="#br0">0 313 24575,'0'-1'0,"1"0"0,-1 1 0,0-1 0,1 1 0,-1-1 0,1 1 0,-1-1 0,0 0 0,1 1 0,-1-1 0,1 1 0,0 0 0,-1-1 0,1 1 0,-1-1 0,1 1 0,0 0 0,-1 0 0,1-1 0,-1 1 0,1 0 0,0 0 0,-1 0 0,1-1 0,0 1 0,0 0 0,-1 0 0,1 0 0,0 0 0,-1 0 0,1 1 0,0-1 0,-1 0 0,1 0 0,0 0 0,-1 1 0,1-1 0,0 1 0,33 8 0,-19-1 0,0 1 0,0 0 0,-1 0 0,0 2 0,-1-1 0,0 2 0,-1 0 0,0 0 0,-1 1 0,-1 1 0,13 20 0,12 24 0,41 94 0,-75-149 0,118 281 0,-31-69 0,-84-205 0,0-1 0,1 0 0,9 13 0,-14-21 0,0-1 0,1 1 0,-1-1 0,0 0 0,0 1 0,1-1 0,-1 0 0,0 0 0,0 1 0,1-1 0,-1 0 0,0 0 0,1 1 0,-1-1 0,0 0 0,1 0 0,-1 0 0,1 1 0,-1-1 0,0 0 0,1 0 0,-1 0 0,1 0 0,-1 0 0,0 0 0,1 0 0,-1 0 0,1 0 0,-1 0 0,0 0 0,1 0 0,-1 0 0,1 0 0,-1-1 0,0 1 0,1 0 0,-1 0 0,0 0 0,1 0 0,-1-1 0,0 1 0,1 0 0,-1 0 0,0-1 0,1 1 0,-1 0 0,0-1 0,0 1 0,1 0 0,-1-1 0,0 1 0,0 0 0,0-1 0,0 1 0,1-1 0,-1 1 0,0 0 0,0-1 0,0 1 0,0-1 0,0 1 0,0-1 0,6-19 0,-1-1 0,-1 0 0,-1 0 0,0-1 0,-2-38 0,1 13 0,45-801-1365,-38 683-5461</inkml:trace>
+</inkml:ink>
 </file>
 
 <file path=ppt/slideLayouts/slideLayout1.xml><?xml version="1.0" encoding="utf-8"?>
@@ -3314,6 +3724,14 @@
 <file path=ppt/slides/slide1.xml><?xml version="1.0" encoding="utf-8"?>
 <p:sld xmlns:a="http://schemas.openxmlformats.org/drawingml/2006/main" xmlns:r="http://schemas.openxmlformats.org/officeDocument/2006/relationships" xmlns:p="http://schemas.openxmlformats.org/presentationml/2006/main">
   <p:cSld>
+    <p:bg>
+      <p:bgPr>
+        <a:solidFill>
+          <a:srgbClr val="D6E1EF"/>
+        </a:solidFill>
+        <a:effectLst/>
+      </p:bgPr>
+    </p:bg>
     <p:spTree>
       <p:nvGrpSpPr>
         <p:cNvPr id="1" name=""/>
@@ -3328,6 +3746,786 @@
           <a:chExt cx="0" cy="0"/>
         </a:xfrm>
       </p:grpSpPr>
+      <p:pic>
+        <p:nvPicPr>
+          <p:cNvPr id="3" name="Рисунок 2">
+            <a:extLst>
+              <a:ext uri="{FF2B5EF4-FFF2-40B4-BE49-F238E27FC236}">
+                <a16:creationId xmlns:a16="http://schemas.microsoft.com/office/drawing/2014/main" id="{61F7039C-5CB9-C42D-FD2C-B465ED9EE834}"/>
+              </a:ext>
+            </a:extLst>
+          </p:cNvPr>
+          <p:cNvPicPr>
+            <a:picLocks noChangeAspect="1"/>
+          </p:cNvPicPr>
+          <p:nvPr/>
+        </p:nvPicPr>
+        <p:blipFill>
+          <a:blip r:embed="rId2">
+            <a:extLst>
+              <a:ext uri="{28A0092B-C50C-407E-A947-70E740481C1C}">
+                <a14:useLocalDpi xmlns:a14="http://schemas.microsoft.com/office/drawing/2010/main" val="0"/>
+              </a:ext>
+            </a:extLst>
+          </a:blip>
+          <a:stretch>
+            <a:fillRect/>
+          </a:stretch>
+        </p:blipFill>
+        <p:spPr>
+          <a:xfrm>
+            <a:off x="127754" y="780680"/>
+            <a:ext cx="11936491" cy="5296639"/>
+          </a:xfrm>
+          <a:prstGeom prst="rect">
+            <a:avLst/>
+          </a:prstGeom>
+        </p:spPr>
+      </p:pic>
+      <mc:AlternateContent xmlns:mc="http://schemas.openxmlformats.org/markup-compatibility/2006" xmlns:p14="http://schemas.microsoft.com/office/powerpoint/2010/main">
+        <mc:Choice Requires="p14">
+          <p:contentPart p14:bwMode="auto" r:id="rId3">
+            <p14:nvContentPartPr>
+              <p14:cNvPr id="4" name="Рукописный ввод 3">
+                <a:extLst>
+                  <a:ext uri="{FF2B5EF4-FFF2-40B4-BE49-F238E27FC236}">
+                    <a16:creationId xmlns:a16="http://schemas.microsoft.com/office/drawing/2014/main" id="{B3FAD11F-B731-254E-22B7-384B96A4C56B}"/>
+                  </a:ext>
+                </a:extLst>
+              </p14:cNvPr>
+              <p14:cNvContentPartPr/>
+              <p14:nvPr/>
+            </p14:nvContentPartPr>
+            <p14:xfrm>
+              <a:off x="4615833" y="2809353"/>
+              <a:ext cx="298800" cy="416880"/>
+            </p14:xfrm>
+          </p:contentPart>
+        </mc:Choice>
+        <mc:Fallback xmlns="">
+          <p:pic>
+            <p:nvPicPr>
+              <p:cNvPr id="4" name="Рукописный ввод 3">
+                <a:extLst>
+                  <a:ext uri="{FF2B5EF4-FFF2-40B4-BE49-F238E27FC236}">
+                    <a16:creationId xmlns:a16="http://schemas.microsoft.com/office/drawing/2014/main" id="{B3FAD11F-B731-254E-22B7-384B96A4C56B}"/>
+                  </a:ext>
+                </a:extLst>
+              </p:cNvPr>
+              <p:cNvPicPr/>
+              <p:nvPr/>
+            </p:nvPicPr>
+            <p:blipFill>
+              <a:blip r:embed="rId4"/>
+              <a:stretch>
+                <a:fillRect/>
+              </a:stretch>
+            </p:blipFill>
+            <p:spPr>
+              <a:xfrm>
+                <a:off x="4607193" y="2800713"/>
+                <a:ext cx="316440" cy="434520"/>
+              </a:xfrm>
+              <a:prstGeom prst="rect">
+                <a:avLst/>
+              </a:prstGeom>
+            </p:spPr>
+          </p:pic>
+        </mc:Fallback>
+      </mc:AlternateContent>
+      <mc:AlternateContent xmlns:mc="http://schemas.openxmlformats.org/markup-compatibility/2006" xmlns:p14="http://schemas.microsoft.com/office/powerpoint/2010/main">
+        <mc:Choice Requires="p14">
+          <p:contentPart p14:bwMode="auto" r:id="rId5">
+            <p14:nvContentPartPr>
+              <p14:cNvPr id="5" name="Рукописный ввод 4">
+                <a:extLst>
+                  <a:ext uri="{FF2B5EF4-FFF2-40B4-BE49-F238E27FC236}">
+                    <a16:creationId xmlns:a16="http://schemas.microsoft.com/office/drawing/2014/main" id="{DF0A7923-23D4-6232-DA41-395DAC30CE63}"/>
+                  </a:ext>
+                </a:extLst>
+              </p14:cNvPr>
+              <p14:cNvContentPartPr/>
+              <p14:nvPr/>
+            </p14:nvContentPartPr>
+            <p14:xfrm>
+              <a:off x="5556873" y="3656433"/>
+              <a:ext cx="205920" cy="343080"/>
+            </p14:xfrm>
+          </p:contentPart>
+        </mc:Choice>
+        <mc:Fallback xmlns="">
+          <p:pic>
+            <p:nvPicPr>
+              <p:cNvPr id="5" name="Рукописный ввод 4">
+                <a:extLst>
+                  <a:ext uri="{FF2B5EF4-FFF2-40B4-BE49-F238E27FC236}">
+                    <a16:creationId xmlns:a16="http://schemas.microsoft.com/office/drawing/2014/main" id="{DF0A7923-23D4-6232-DA41-395DAC30CE63}"/>
+                  </a:ext>
+                </a:extLst>
+              </p:cNvPr>
+              <p:cNvPicPr/>
+              <p:nvPr/>
+            </p:nvPicPr>
+            <p:blipFill>
+              <a:blip r:embed="rId6"/>
+              <a:stretch>
+                <a:fillRect/>
+              </a:stretch>
+            </p:blipFill>
+            <p:spPr>
+              <a:xfrm>
+                <a:off x="5548233" y="3647433"/>
+                <a:ext cx="223560" cy="360720"/>
+              </a:xfrm>
+              <a:prstGeom prst="rect">
+                <a:avLst/>
+              </a:prstGeom>
+            </p:spPr>
+          </p:pic>
+        </mc:Fallback>
+      </mc:AlternateContent>
+      <mc:AlternateContent xmlns:mc="http://schemas.openxmlformats.org/markup-compatibility/2006" xmlns:p14="http://schemas.microsoft.com/office/powerpoint/2010/main">
+        <mc:Choice Requires="p14">
+          <p:contentPart p14:bwMode="auto" r:id="rId7">
+            <p14:nvContentPartPr>
+              <p14:cNvPr id="2" name="Рукописный ввод 1">
+                <a:extLst>
+                  <a:ext uri="{FF2B5EF4-FFF2-40B4-BE49-F238E27FC236}">
+                    <a16:creationId xmlns:a16="http://schemas.microsoft.com/office/drawing/2014/main" id="{618F74CF-FDFA-A5B8-D7B7-4ABB9DF8B6E9}"/>
+                  </a:ext>
+                </a:extLst>
+              </p14:cNvPr>
+              <p14:cNvContentPartPr/>
+              <p14:nvPr/>
+            </p14:nvContentPartPr>
+            <p14:xfrm>
+              <a:off x="3950520" y="1501920"/>
+              <a:ext cx="190800" cy="264960"/>
+            </p14:xfrm>
+          </p:contentPart>
+        </mc:Choice>
+        <mc:Fallback xmlns="">
+          <p:pic>
+            <p:nvPicPr>
+              <p:cNvPr id="2" name="Рукописный ввод 1">
+                <a:extLst>
+                  <a:ext uri="{FF2B5EF4-FFF2-40B4-BE49-F238E27FC236}">
+                    <a16:creationId xmlns:a16="http://schemas.microsoft.com/office/drawing/2014/main" id="{618F74CF-FDFA-A5B8-D7B7-4ABB9DF8B6E9}"/>
+                  </a:ext>
+                </a:extLst>
+              </p:cNvPr>
+              <p:cNvPicPr/>
+              <p:nvPr/>
+            </p:nvPicPr>
+            <p:blipFill>
+              <a:blip r:embed="rId8"/>
+              <a:stretch>
+                <a:fillRect/>
+              </a:stretch>
+            </p:blipFill>
+            <p:spPr>
+              <a:xfrm>
+                <a:off x="3941520" y="1493280"/>
+                <a:ext cx="208440" cy="282600"/>
+              </a:xfrm>
+              <a:prstGeom prst="rect">
+                <a:avLst/>
+              </a:prstGeom>
+            </p:spPr>
+          </p:pic>
+        </mc:Fallback>
+      </mc:AlternateContent>
+      <mc:AlternateContent xmlns:mc="http://schemas.openxmlformats.org/markup-compatibility/2006" xmlns:p14="http://schemas.microsoft.com/office/powerpoint/2010/main">
+        <mc:Choice Requires="p14">
+          <p:contentPart p14:bwMode="auto" r:id="rId9">
+            <p14:nvContentPartPr>
+              <p14:cNvPr id="6" name="Рукописный ввод 5">
+                <a:extLst>
+                  <a:ext uri="{FF2B5EF4-FFF2-40B4-BE49-F238E27FC236}">
+                    <a16:creationId xmlns:a16="http://schemas.microsoft.com/office/drawing/2014/main" id="{6F5AD12B-061F-A874-07CA-F2C607D6861E}"/>
+                  </a:ext>
+                </a:extLst>
+              </p14:cNvPr>
+              <p14:cNvContentPartPr/>
+              <p14:nvPr/>
+            </p14:nvContentPartPr>
+            <p14:xfrm>
+              <a:off x="3879960" y="4794840"/>
+              <a:ext cx="169200" cy="352440"/>
+            </p14:xfrm>
+          </p:contentPart>
+        </mc:Choice>
+        <mc:Fallback xmlns="">
+          <p:pic>
+            <p:nvPicPr>
+              <p:cNvPr id="6" name="Рукописный ввод 5">
+                <a:extLst>
+                  <a:ext uri="{FF2B5EF4-FFF2-40B4-BE49-F238E27FC236}">
+                    <a16:creationId xmlns:a16="http://schemas.microsoft.com/office/drawing/2014/main" id="{6F5AD12B-061F-A874-07CA-F2C607D6861E}"/>
+                  </a:ext>
+                </a:extLst>
+              </p:cNvPr>
+              <p:cNvPicPr/>
+              <p:nvPr/>
+            </p:nvPicPr>
+            <p:blipFill>
+              <a:blip r:embed="rId10"/>
+              <a:stretch>
+                <a:fillRect/>
+              </a:stretch>
+            </p:blipFill>
+            <p:spPr>
+              <a:xfrm>
+                <a:off x="3871320" y="4786200"/>
+                <a:ext cx="186840" cy="370080"/>
+              </a:xfrm>
+              <a:prstGeom prst="rect">
+                <a:avLst/>
+              </a:prstGeom>
+            </p:spPr>
+          </p:pic>
+        </mc:Fallback>
+      </mc:AlternateContent>
+      <mc:AlternateContent xmlns:mc="http://schemas.openxmlformats.org/markup-compatibility/2006" xmlns:p14="http://schemas.microsoft.com/office/powerpoint/2010/main">
+        <mc:Choice Requires="p14">
+          <p:contentPart p14:bwMode="auto" r:id="rId11">
+            <p14:nvContentPartPr>
+              <p14:cNvPr id="9" name="Рукописный ввод 8">
+                <a:extLst>
+                  <a:ext uri="{FF2B5EF4-FFF2-40B4-BE49-F238E27FC236}">
+                    <a16:creationId xmlns:a16="http://schemas.microsoft.com/office/drawing/2014/main" id="{FBFDE9C5-1A28-B25F-CAD1-B4F14172DDD1}"/>
+                  </a:ext>
+                </a:extLst>
+              </p14:cNvPr>
+              <p14:cNvContentPartPr/>
+              <p14:nvPr/>
+            </p14:nvContentPartPr>
+            <p14:xfrm>
+              <a:off x="2356440" y="3781440"/>
+              <a:ext cx="133200" cy="516960"/>
+            </p14:xfrm>
+          </p:contentPart>
+        </mc:Choice>
+        <mc:Fallback xmlns="">
+          <p:pic>
+            <p:nvPicPr>
+              <p:cNvPr id="9" name="Рукописный ввод 8">
+                <a:extLst>
+                  <a:ext uri="{FF2B5EF4-FFF2-40B4-BE49-F238E27FC236}">
+                    <a16:creationId xmlns:a16="http://schemas.microsoft.com/office/drawing/2014/main" id="{FBFDE9C5-1A28-B25F-CAD1-B4F14172DDD1}"/>
+                  </a:ext>
+                </a:extLst>
+              </p:cNvPr>
+              <p:cNvPicPr/>
+              <p:nvPr/>
+            </p:nvPicPr>
+            <p:blipFill>
+              <a:blip r:embed="rId12"/>
+              <a:stretch>
+                <a:fillRect/>
+              </a:stretch>
+            </p:blipFill>
+            <p:spPr>
+              <a:xfrm>
+                <a:off x="2347800" y="3772440"/>
+                <a:ext cx="150840" cy="534600"/>
+              </a:xfrm>
+              <a:prstGeom prst="rect">
+                <a:avLst/>
+              </a:prstGeom>
+            </p:spPr>
+          </p:pic>
+        </mc:Fallback>
+      </mc:AlternateContent>
+      <mc:AlternateContent xmlns:mc="http://schemas.openxmlformats.org/markup-compatibility/2006" xmlns:p14="http://schemas.microsoft.com/office/powerpoint/2010/main">
+        <mc:Choice Requires="p14">
+          <p:contentPart p14:bwMode="auto" r:id="rId13">
+            <p14:nvContentPartPr>
+              <p14:cNvPr id="10" name="Рукописный ввод 9">
+                <a:extLst>
+                  <a:ext uri="{FF2B5EF4-FFF2-40B4-BE49-F238E27FC236}">
+                    <a16:creationId xmlns:a16="http://schemas.microsoft.com/office/drawing/2014/main" id="{8BCC7088-1512-6F97-B4C2-5CF5887A37E7}"/>
+                  </a:ext>
+                </a:extLst>
+              </p14:cNvPr>
+              <p14:cNvContentPartPr/>
+              <p14:nvPr/>
+            </p14:nvContentPartPr>
+            <p14:xfrm>
+              <a:off x="6339240" y="1852200"/>
+              <a:ext cx="138240" cy="344160"/>
+            </p14:xfrm>
+          </p:contentPart>
+        </mc:Choice>
+        <mc:Fallback xmlns="">
+          <p:pic>
+            <p:nvPicPr>
+              <p:cNvPr id="10" name="Рукописный ввод 9">
+                <a:extLst>
+                  <a:ext uri="{FF2B5EF4-FFF2-40B4-BE49-F238E27FC236}">
+                    <a16:creationId xmlns:a16="http://schemas.microsoft.com/office/drawing/2014/main" id="{8BCC7088-1512-6F97-B4C2-5CF5887A37E7}"/>
+                  </a:ext>
+                </a:extLst>
+              </p:cNvPr>
+              <p:cNvPicPr/>
+              <p:nvPr/>
+            </p:nvPicPr>
+            <p:blipFill>
+              <a:blip r:embed="rId14"/>
+              <a:stretch>
+                <a:fillRect/>
+              </a:stretch>
+            </p:blipFill>
+            <p:spPr>
+              <a:xfrm>
+                <a:off x="6330240" y="1843200"/>
+                <a:ext cx="155880" cy="361800"/>
+              </a:xfrm>
+              <a:prstGeom prst="rect">
+                <a:avLst/>
+              </a:prstGeom>
+            </p:spPr>
+          </p:pic>
+        </mc:Fallback>
+      </mc:AlternateContent>
+      <mc:AlternateContent xmlns:mc="http://schemas.openxmlformats.org/markup-compatibility/2006" xmlns:p14="http://schemas.microsoft.com/office/powerpoint/2010/main">
+        <mc:Choice Requires="p14">
+          <p:contentPart p14:bwMode="auto" r:id="rId15">
+            <p14:nvContentPartPr>
+              <p14:cNvPr id="7" name="Рукописный ввод 6">
+                <a:extLst>
+                  <a:ext uri="{FF2B5EF4-FFF2-40B4-BE49-F238E27FC236}">
+                    <a16:creationId xmlns:a16="http://schemas.microsoft.com/office/drawing/2014/main" id="{DF7C1369-FE49-66DD-A08E-B57098CE611A}"/>
+                  </a:ext>
+                </a:extLst>
+              </p14:cNvPr>
+              <p14:cNvContentPartPr/>
+              <p14:nvPr/>
+            </p14:nvContentPartPr>
+            <p14:xfrm>
+              <a:off x="2904544" y="1759393"/>
+              <a:ext cx="271800" cy="384840"/>
+            </p14:xfrm>
+          </p:contentPart>
+        </mc:Choice>
+        <mc:Fallback xmlns="">
+          <p:pic>
+            <p:nvPicPr>
+              <p:cNvPr id="7" name="Рукописный ввод 6">
+                <a:extLst>
+                  <a:ext uri="{FF2B5EF4-FFF2-40B4-BE49-F238E27FC236}">
+                    <a16:creationId xmlns:a16="http://schemas.microsoft.com/office/drawing/2014/main" id="{DF7C1369-FE49-66DD-A08E-B57098CE611A}"/>
+                  </a:ext>
+                </a:extLst>
+              </p:cNvPr>
+              <p:cNvPicPr/>
+              <p:nvPr/>
+            </p:nvPicPr>
+            <p:blipFill>
+              <a:blip r:embed="rId16"/>
+              <a:stretch>
+                <a:fillRect/>
+              </a:stretch>
+            </p:blipFill>
+            <p:spPr>
+              <a:xfrm>
+                <a:off x="2895904" y="1750753"/>
+                <a:ext cx="289440" cy="402480"/>
+              </a:xfrm>
+              <a:prstGeom prst="rect">
+                <a:avLst/>
+              </a:prstGeom>
+            </p:spPr>
+          </p:pic>
+        </mc:Fallback>
+      </mc:AlternateContent>
+      <mc:AlternateContent xmlns:mc="http://schemas.openxmlformats.org/markup-compatibility/2006" xmlns:p14="http://schemas.microsoft.com/office/powerpoint/2010/main">
+        <mc:Choice Requires="p14">
+          <p:contentPart p14:bwMode="auto" r:id="rId17">
+            <p14:nvContentPartPr>
+              <p14:cNvPr id="8" name="Рукописный ввод 7">
+                <a:extLst>
+                  <a:ext uri="{FF2B5EF4-FFF2-40B4-BE49-F238E27FC236}">
+                    <a16:creationId xmlns:a16="http://schemas.microsoft.com/office/drawing/2014/main" id="{F8581104-E064-0A39-EBCF-6FC8CB44C9CD}"/>
+                  </a:ext>
+                </a:extLst>
+              </p14:cNvPr>
+              <p14:cNvContentPartPr/>
+              <p14:nvPr/>
+            </p14:nvContentPartPr>
+            <p14:xfrm>
+              <a:off x="619280" y="3486960"/>
+              <a:ext cx="344160" cy="449640"/>
+            </p14:xfrm>
+          </p:contentPart>
+        </mc:Choice>
+        <mc:Fallback xmlns="">
+          <p:pic>
+            <p:nvPicPr>
+              <p:cNvPr id="8" name="Рукописный ввод 7">
+                <a:extLst>
+                  <a:ext uri="{FF2B5EF4-FFF2-40B4-BE49-F238E27FC236}">
+                    <a16:creationId xmlns:a16="http://schemas.microsoft.com/office/drawing/2014/main" id="{F8581104-E064-0A39-EBCF-6FC8CB44C9CD}"/>
+                  </a:ext>
+                </a:extLst>
+              </p:cNvPr>
+              <p:cNvPicPr/>
+              <p:nvPr/>
+            </p:nvPicPr>
+            <p:blipFill>
+              <a:blip r:embed="rId18"/>
+              <a:stretch>
+                <a:fillRect/>
+              </a:stretch>
+            </p:blipFill>
+            <p:spPr>
+              <a:xfrm>
+                <a:off x="610280" y="3477960"/>
+                <a:ext cx="361800" cy="467280"/>
+              </a:xfrm>
+              <a:prstGeom prst="rect">
+                <a:avLst/>
+              </a:prstGeom>
+            </p:spPr>
+          </p:pic>
+        </mc:Fallback>
+      </mc:AlternateContent>
+      <mc:AlternateContent xmlns:mc="http://schemas.openxmlformats.org/markup-compatibility/2006" xmlns:p14="http://schemas.microsoft.com/office/powerpoint/2010/main">
+        <mc:Choice Requires="p14">
+          <p:contentPart p14:bwMode="auto" r:id="rId19">
+            <p14:nvContentPartPr>
+              <p14:cNvPr id="11" name="Рукописный ввод 10">
+                <a:extLst>
+                  <a:ext uri="{FF2B5EF4-FFF2-40B4-BE49-F238E27FC236}">
+                    <a16:creationId xmlns:a16="http://schemas.microsoft.com/office/drawing/2014/main" id="{F01B07A0-876C-6CF2-48BE-55E72578285F}"/>
+                  </a:ext>
+                </a:extLst>
+              </p14:cNvPr>
+              <p14:cNvContentPartPr/>
+              <p14:nvPr/>
+            </p14:nvContentPartPr>
+            <p14:xfrm>
+              <a:off x="8087120" y="4865400"/>
+              <a:ext cx="240840" cy="444960"/>
+            </p14:xfrm>
+          </p:contentPart>
+        </mc:Choice>
+        <mc:Fallback xmlns="">
+          <p:pic>
+            <p:nvPicPr>
+              <p:cNvPr id="11" name="Рукописный ввод 10">
+                <a:extLst>
+                  <a:ext uri="{FF2B5EF4-FFF2-40B4-BE49-F238E27FC236}">
+                    <a16:creationId xmlns:a16="http://schemas.microsoft.com/office/drawing/2014/main" id="{F01B07A0-876C-6CF2-48BE-55E72578285F}"/>
+                  </a:ext>
+                </a:extLst>
+              </p:cNvPr>
+              <p:cNvPicPr/>
+              <p:nvPr/>
+            </p:nvPicPr>
+            <p:blipFill>
+              <a:blip r:embed="rId20"/>
+              <a:stretch>
+                <a:fillRect/>
+              </a:stretch>
+            </p:blipFill>
+            <p:spPr>
+              <a:xfrm>
+                <a:off x="8078120" y="4856400"/>
+                <a:ext cx="258480" cy="462600"/>
+              </a:xfrm>
+              <a:prstGeom prst="rect">
+                <a:avLst/>
+              </a:prstGeom>
+            </p:spPr>
+          </p:pic>
+        </mc:Fallback>
+      </mc:AlternateContent>
+      <mc:AlternateContent xmlns:mc="http://schemas.openxmlformats.org/markup-compatibility/2006" xmlns:p14="http://schemas.microsoft.com/office/powerpoint/2010/main">
+        <mc:Choice Requires="p14">
+          <p:contentPart p14:bwMode="auto" r:id="rId21">
+            <p14:nvContentPartPr>
+              <p14:cNvPr id="12" name="Рукописный ввод 11">
+                <a:extLst>
+                  <a:ext uri="{FF2B5EF4-FFF2-40B4-BE49-F238E27FC236}">
+                    <a16:creationId xmlns:a16="http://schemas.microsoft.com/office/drawing/2014/main" id="{20A64332-361D-FECF-CCAA-53A0D653C75D}"/>
+                  </a:ext>
+                </a:extLst>
+              </p14:cNvPr>
+              <p14:cNvContentPartPr/>
+              <p14:nvPr/>
+            </p14:nvContentPartPr>
+            <p14:xfrm>
+              <a:off x="8025560" y="3119040"/>
+              <a:ext cx="338760" cy="659520"/>
+            </p14:xfrm>
+          </p:contentPart>
+        </mc:Choice>
+        <mc:Fallback xmlns="">
+          <p:pic>
+            <p:nvPicPr>
+              <p:cNvPr id="12" name="Рукописный ввод 11">
+                <a:extLst>
+                  <a:ext uri="{FF2B5EF4-FFF2-40B4-BE49-F238E27FC236}">
+                    <a16:creationId xmlns:a16="http://schemas.microsoft.com/office/drawing/2014/main" id="{20A64332-361D-FECF-CCAA-53A0D653C75D}"/>
+                  </a:ext>
+                </a:extLst>
+              </p:cNvPr>
+              <p:cNvPicPr/>
+              <p:nvPr/>
+            </p:nvPicPr>
+            <p:blipFill>
+              <a:blip r:embed="rId22"/>
+              <a:stretch>
+                <a:fillRect/>
+              </a:stretch>
+            </p:blipFill>
+            <p:spPr>
+              <a:xfrm>
+                <a:off x="8016560" y="3110400"/>
+                <a:ext cx="356400" cy="677160"/>
+              </a:xfrm>
+              <a:prstGeom prst="rect">
+                <a:avLst/>
+              </a:prstGeom>
+            </p:spPr>
+          </p:pic>
+        </mc:Fallback>
+      </mc:AlternateContent>
+      <mc:AlternateContent xmlns:mc="http://schemas.openxmlformats.org/markup-compatibility/2006" xmlns:p14="http://schemas.microsoft.com/office/powerpoint/2010/main">
+        <mc:Choice Requires="p14">
+          <p:contentPart p14:bwMode="auto" r:id="rId23">
+            <p14:nvContentPartPr>
+              <p14:cNvPr id="13" name="Рукописный ввод 12">
+                <a:extLst>
+                  <a:ext uri="{FF2B5EF4-FFF2-40B4-BE49-F238E27FC236}">
+                    <a16:creationId xmlns:a16="http://schemas.microsoft.com/office/drawing/2014/main" id="{9A78E41C-05B3-4DC7-40CA-7517C700A427}"/>
+                  </a:ext>
+                </a:extLst>
+              </p14:cNvPr>
+              <p14:cNvContentPartPr/>
+              <p14:nvPr/>
+            </p14:nvContentPartPr>
+            <p14:xfrm>
+              <a:off x="8424080" y="1612080"/>
+              <a:ext cx="188280" cy="312120"/>
+            </p14:xfrm>
+          </p:contentPart>
+        </mc:Choice>
+        <mc:Fallback xmlns="">
+          <p:pic>
+            <p:nvPicPr>
+              <p:cNvPr id="13" name="Рукописный ввод 12">
+                <a:extLst>
+                  <a:ext uri="{FF2B5EF4-FFF2-40B4-BE49-F238E27FC236}">
+                    <a16:creationId xmlns:a16="http://schemas.microsoft.com/office/drawing/2014/main" id="{9A78E41C-05B3-4DC7-40CA-7517C700A427}"/>
+                  </a:ext>
+                </a:extLst>
+              </p:cNvPr>
+              <p:cNvPicPr/>
+              <p:nvPr/>
+            </p:nvPicPr>
+            <p:blipFill>
+              <a:blip r:embed="rId24"/>
+              <a:stretch>
+                <a:fillRect/>
+              </a:stretch>
+            </p:blipFill>
+            <p:spPr>
+              <a:xfrm>
+                <a:off x="8415440" y="1603080"/>
+                <a:ext cx="205920" cy="329760"/>
+              </a:xfrm>
+              <a:prstGeom prst="rect">
+                <a:avLst/>
+              </a:prstGeom>
+            </p:spPr>
+          </p:pic>
+        </mc:Fallback>
+      </mc:AlternateContent>
+      <mc:AlternateContent xmlns:mc="http://schemas.openxmlformats.org/markup-compatibility/2006" xmlns:p14="http://schemas.microsoft.com/office/powerpoint/2010/main">
+        <mc:Choice Requires="p14">
+          <p:contentPart p14:bwMode="auto" r:id="rId25">
+            <p14:nvContentPartPr>
+              <p14:cNvPr id="14" name="Рукописный ввод 13">
+                <a:extLst>
+                  <a:ext uri="{FF2B5EF4-FFF2-40B4-BE49-F238E27FC236}">
+                    <a16:creationId xmlns:a16="http://schemas.microsoft.com/office/drawing/2014/main" id="{62283F64-C776-C927-FE5B-E7112A940175}"/>
+                  </a:ext>
+                </a:extLst>
+              </p14:cNvPr>
+              <p14:cNvContentPartPr/>
+              <p14:nvPr/>
+            </p14:nvContentPartPr>
+            <p14:xfrm>
+              <a:off x="11063960" y="3477240"/>
+              <a:ext cx="240840" cy="239040"/>
+            </p14:xfrm>
+          </p:contentPart>
+        </mc:Choice>
+        <mc:Fallback xmlns="">
+          <p:pic>
+            <p:nvPicPr>
+              <p:cNvPr id="14" name="Рукописный ввод 13">
+                <a:extLst>
+                  <a:ext uri="{FF2B5EF4-FFF2-40B4-BE49-F238E27FC236}">
+                    <a16:creationId xmlns:a16="http://schemas.microsoft.com/office/drawing/2014/main" id="{62283F64-C776-C927-FE5B-E7112A940175}"/>
+                  </a:ext>
+                </a:extLst>
+              </p:cNvPr>
+              <p:cNvPicPr/>
+              <p:nvPr/>
+            </p:nvPicPr>
+            <p:blipFill>
+              <a:blip r:embed="rId26"/>
+              <a:stretch>
+                <a:fillRect/>
+              </a:stretch>
+            </p:blipFill>
+            <p:spPr>
+              <a:xfrm>
+                <a:off x="11055320" y="3468600"/>
+                <a:ext cx="258480" cy="256680"/>
+              </a:xfrm>
+              <a:prstGeom prst="rect">
+                <a:avLst/>
+              </a:prstGeom>
+            </p:spPr>
+          </p:pic>
+        </mc:Fallback>
+      </mc:AlternateContent>
+      <mc:AlternateContent xmlns:mc="http://schemas.openxmlformats.org/markup-compatibility/2006" xmlns:p14="http://schemas.microsoft.com/office/powerpoint/2010/main">
+        <mc:Choice Requires="p14">
+          <p:contentPart p14:bwMode="auto" r:id="rId27">
+            <p14:nvContentPartPr>
+              <p14:cNvPr id="15" name="Рукописный ввод 14">
+                <a:extLst>
+                  <a:ext uri="{FF2B5EF4-FFF2-40B4-BE49-F238E27FC236}">
+                    <a16:creationId xmlns:a16="http://schemas.microsoft.com/office/drawing/2014/main" id="{2A37E118-425E-61D1-850A-D9972BBF6D2D}"/>
+                  </a:ext>
+                </a:extLst>
+              </p14:cNvPr>
+              <p14:cNvContentPartPr/>
+              <p14:nvPr/>
+            </p14:nvContentPartPr>
+            <p14:xfrm>
+              <a:off x="9854720" y="4161240"/>
+              <a:ext cx="118080" cy="208800"/>
+            </p14:xfrm>
+          </p:contentPart>
+        </mc:Choice>
+        <mc:Fallback xmlns="">
+          <p:pic>
+            <p:nvPicPr>
+              <p:cNvPr id="15" name="Рукописный ввод 14">
+                <a:extLst>
+                  <a:ext uri="{FF2B5EF4-FFF2-40B4-BE49-F238E27FC236}">
+                    <a16:creationId xmlns:a16="http://schemas.microsoft.com/office/drawing/2014/main" id="{2A37E118-425E-61D1-850A-D9972BBF6D2D}"/>
+                  </a:ext>
+                </a:extLst>
+              </p:cNvPr>
+              <p:cNvPicPr/>
+              <p:nvPr/>
+            </p:nvPicPr>
+            <p:blipFill>
+              <a:blip r:embed="rId28"/>
+              <a:stretch>
+                <a:fillRect/>
+              </a:stretch>
+            </p:blipFill>
+            <p:spPr>
+              <a:xfrm>
+                <a:off x="9846080" y="4152240"/>
+                <a:ext cx="135720" cy="226440"/>
+              </a:xfrm>
+              <a:prstGeom prst="rect">
+                <a:avLst/>
+              </a:prstGeom>
+            </p:spPr>
+          </p:pic>
+        </mc:Fallback>
+      </mc:AlternateContent>
+      <mc:AlternateContent xmlns:mc="http://schemas.openxmlformats.org/markup-compatibility/2006" xmlns:p14="http://schemas.microsoft.com/office/powerpoint/2010/main">
+        <mc:Choice Requires="p14">
+          <p:contentPart p14:bwMode="auto" r:id="rId29">
+            <p14:nvContentPartPr>
+              <p14:cNvPr id="16" name="Рукописный ввод 15">
+                <a:extLst>
+                  <a:ext uri="{FF2B5EF4-FFF2-40B4-BE49-F238E27FC236}">
+                    <a16:creationId xmlns:a16="http://schemas.microsoft.com/office/drawing/2014/main" id="{4BD61DEB-9099-F03E-F33A-752A1053A56C}"/>
+                  </a:ext>
+                </a:extLst>
+              </p14:cNvPr>
+              <p14:cNvContentPartPr/>
+              <p14:nvPr/>
+            </p14:nvContentPartPr>
+            <p14:xfrm>
+              <a:off x="9864800" y="2363400"/>
+              <a:ext cx="228600" cy="374760"/>
+            </p14:xfrm>
+          </p:contentPart>
+        </mc:Choice>
+        <mc:Fallback xmlns="">
+          <p:pic>
+            <p:nvPicPr>
+              <p:cNvPr id="16" name="Рукописный ввод 15">
+                <a:extLst>
+                  <a:ext uri="{FF2B5EF4-FFF2-40B4-BE49-F238E27FC236}">
+                    <a16:creationId xmlns:a16="http://schemas.microsoft.com/office/drawing/2014/main" id="{4BD61DEB-9099-F03E-F33A-752A1053A56C}"/>
+                  </a:ext>
+                </a:extLst>
+              </p:cNvPr>
+              <p:cNvPicPr/>
+              <p:nvPr/>
+            </p:nvPicPr>
+            <p:blipFill>
+              <a:blip r:embed="rId30"/>
+              <a:stretch>
+                <a:fillRect/>
+              </a:stretch>
+            </p:blipFill>
+            <p:spPr>
+              <a:xfrm>
+                <a:off x="9856160" y="2354760"/>
+                <a:ext cx="246240" cy="392400"/>
+              </a:xfrm>
+              <a:prstGeom prst="rect">
+                <a:avLst/>
+              </a:prstGeom>
+            </p:spPr>
+          </p:pic>
+        </mc:Fallback>
+      </mc:AlternateContent>
+    </p:spTree>
+    <p:extLst>
+      <p:ext uri="{BB962C8B-B14F-4D97-AF65-F5344CB8AC3E}">
+        <p14:creationId xmlns:p14="http://schemas.microsoft.com/office/powerpoint/2010/main" val="3242496767"/>
+      </p:ext>
+    </p:extLst>
+  </p:cSld>
+  <p:clrMapOvr>
+    <a:masterClrMapping/>
+  </p:clrMapOvr>
+</p:sld>
+</file>
+
+<file path=ppt/slides/slide10.xml><?xml version="1.0" encoding="utf-8"?>
+<p:sld xmlns:a="http://schemas.openxmlformats.org/drawingml/2006/main" xmlns:r="http://schemas.openxmlformats.org/officeDocument/2006/relationships" xmlns:p="http://schemas.openxmlformats.org/presentationml/2006/main">
+  <p:cSld>
+    <p:spTree>
+      <p:nvGrpSpPr>
+        <p:cNvPr id="1" name=""/>
+        <p:cNvGrpSpPr/>
+        <p:nvPr/>
+      </p:nvGrpSpPr>
+      <p:grpSpPr>
+        <a:xfrm>
+          <a:off x="0" y="0"/>
+          <a:ext cx="0" cy="0"/>
+          <a:chOff x="0" y="0"/>
+          <a:chExt cx="0" cy="0"/>
+        </a:xfrm>
+      </p:grpSpPr>
       <p:sp>
         <p:nvSpPr>
           <p:cNvPr id="4" name="Шестиугольник 3">
@@ -3342,7 +4540,7 @@
         </p:nvSpPr>
         <p:spPr>
           <a:xfrm>
-            <a:off x="2610035" y="1651247"/>
+            <a:off x="2201662" y="3551069"/>
             <a:ext cx="1429200" cy="856800"/>
           </a:xfrm>
           <a:prstGeom prst="hexagon">
@@ -3351,11 +4549,18 @@
               <a:gd name="vf" fmla="val 115470"/>
             </a:avLst>
           </a:prstGeom>
-          <a:noFill/>
-          <a:ln w="28575">
-            <a:solidFill>
-              <a:srgbClr val="FF0000"/>
-            </a:solidFill>
+          <a:pattFill prst="zigZag">
+            <a:fgClr>
+              <a:srgbClr val="C00000"/>
+            </a:fgClr>
+            <a:bgClr>
+              <a:schemeClr val="bg1"/>
+            </a:bgClr>
+          </a:pattFill>
+          <a:ln w="6350" cap="sq">
+            <a:noFill/>
+            <a:prstDash val="solid"/>
+            <a:miter lim="800000"/>
           </a:ln>
         </p:spPr>
         <p:style>
@@ -3379,14 +4584,1149 @@
           <a:lstStyle/>
           <a:p>
             <a:pPr algn="ctr"/>
-            <a:endParaRPr lang="ru-RU"/>
+            <a:endParaRPr lang="ru-RU" dirty="0"/>
+          </a:p>
+        </p:txBody>
+      </p:sp>
+      <p:sp>
+        <p:nvSpPr>
+          <p:cNvPr id="2" name="Заголовок 1">
+            <a:extLst>
+              <a:ext uri="{FF2B5EF4-FFF2-40B4-BE49-F238E27FC236}">
+                <a16:creationId xmlns:a16="http://schemas.microsoft.com/office/drawing/2014/main" id="{B97B1B31-D6CD-685C-0447-6566411BD8BA}"/>
+              </a:ext>
+            </a:extLst>
+          </p:cNvPr>
+          <p:cNvSpPr>
+            <a:spLocks noGrp="1"/>
+          </p:cNvSpPr>
+          <p:nvPr>
+            <p:ph type="title"/>
+          </p:nvPr>
+        </p:nvSpPr>
+        <p:spPr/>
+        <p:txBody>
+          <a:bodyPr/>
+          <a:lstStyle/>
+          <a:p>
+            <a:r>
+              <a:rPr lang="en-US" dirty="0"/>
+              <a:t>G1K2</a:t>
+            </a:r>
+            <a:endParaRPr lang="ru-RU" dirty="0"/>
           </a:p>
         </p:txBody>
       </p:sp>
     </p:spTree>
     <p:extLst>
       <p:ext uri="{BB962C8B-B14F-4D97-AF65-F5344CB8AC3E}">
-        <p14:creationId xmlns:p14="http://schemas.microsoft.com/office/powerpoint/2010/main" val="3915284933"/>
+        <p14:creationId xmlns:p14="http://schemas.microsoft.com/office/powerpoint/2010/main" val="451089161"/>
+      </p:ext>
+    </p:extLst>
+  </p:cSld>
+  <p:clrMapOvr>
+    <a:masterClrMapping/>
+  </p:clrMapOvr>
+</p:sld>
+</file>
+
+<file path=ppt/slides/slide11.xml><?xml version="1.0" encoding="utf-8"?>
+<p:sld xmlns:a="http://schemas.openxmlformats.org/drawingml/2006/main" xmlns:r="http://schemas.openxmlformats.org/officeDocument/2006/relationships" xmlns:p="http://schemas.openxmlformats.org/presentationml/2006/main">
+  <p:cSld>
+    <p:spTree>
+      <p:nvGrpSpPr>
+        <p:cNvPr id="1" name=""/>
+        <p:cNvGrpSpPr/>
+        <p:nvPr/>
+      </p:nvGrpSpPr>
+      <p:grpSpPr>
+        <a:xfrm>
+          <a:off x="0" y="0"/>
+          <a:ext cx="0" cy="0"/>
+          <a:chOff x="0" y="0"/>
+          <a:chExt cx="0" cy="0"/>
+        </a:xfrm>
+      </p:grpSpPr>
+      <p:sp>
+        <p:nvSpPr>
+          <p:cNvPr id="4" name="Шестиугольник 3">
+            <a:extLst>
+              <a:ext uri="{FF2B5EF4-FFF2-40B4-BE49-F238E27FC236}">
+                <a16:creationId xmlns:a16="http://schemas.microsoft.com/office/drawing/2014/main" id="{A6C72720-2857-BE76-EB39-FEA6BBBE559E}"/>
+              </a:ext>
+            </a:extLst>
+          </p:cNvPr>
+          <p:cNvSpPr/>
+          <p:nvPr/>
+        </p:nvSpPr>
+        <p:spPr>
+          <a:xfrm>
+            <a:off x="2201662" y="3551069"/>
+            <a:ext cx="1429200" cy="856800"/>
+          </a:xfrm>
+          <a:prstGeom prst="hexagon">
+            <a:avLst>
+              <a:gd name="adj" fmla="val 33436"/>
+              <a:gd name="vf" fmla="val 115470"/>
+            </a:avLst>
+          </a:prstGeom>
+          <a:pattFill prst="wave">
+            <a:fgClr>
+              <a:srgbClr val="FF63FF"/>
+            </a:fgClr>
+            <a:bgClr>
+              <a:schemeClr val="bg1"/>
+            </a:bgClr>
+          </a:pattFill>
+          <a:ln w="6350" cap="sq">
+            <a:noFill/>
+            <a:prstDash val="solid"/>
+            <a:miter lim="800000"/>
+          </a:ln>
+        </p:spPr>
+        <p:style>
+          <a:lnRef idx="2">
+            <a:schemeClr val="accent1">
+              <a:shade val="50000"/>
+            </a:schemeClr>
+          </a:lnRef>
+          <a:fillRef idx="1">
+            <a:schemeClr val="accent1"/>
+          </a:fillRef>
+          <a:effectRef idx="0">
+            <a:schemeClr val="accent1"/>
+          </a:effectRef>
+          <a:fontRef idx="minor">
+            <a:schemeClr val="lt1"/>
+          </a:fontRef>
+        </p:style>
+        <p:txBody>
+          <a:bodyPr rtlCol="0" anchor="ctr"/>
+          <a:lstStyle/>
+          <a:p>
+            <a:pPr algn="ctr"/>
+            <a:endParaRPr lang="ru-RU" dirty="0"/>
+          </a:p>
+        </p:txBody>
+      </p:sp>
+      <p:sp>
+        <p:nvSpPr>
+          <p:cNvPr id="2" name="Заголовок 1">
+            <a:extLst>
+              <a:ext uri="{FF2B5EF4-FFF2-40B4-BE49-F238E27FC236}">
+                <a16:creationId xmlns:a16="http://schemas.microsoft.com/office/drawing/2014/main" id="{B97B1B31-D6CD-685C-0447-6566411BD8BA}"/>
+              </a:ext>
+            </a:extLst>
+          </p:cNvPr>
+          <p:cNvSpPr>
+            <a:spLocks noGrp="1"/>
+          </p:cNvSpPr>
+          <p:nvPr>
+            <p:ph type="title"/>
+          </p:nvPr>
+        </p:nvSpPr>
+        <p:spPr/>
+        <p:txBody>
+          <a:bodyPr/>
+          <a:lstStyle/>
+          <a:p>
+            <a:r>
+              <a:rPr lang="en-US" dirty="0"/>
+              <a:t>G-1K-2</a:t>
+            </a:r>
+            <a:endParaRPr lang="ru-RU" dirty="0"/>
+          </a:p>
+        </p:txBody>
+      </p:sp>
+    </p:spTree>
+    <p:extLst>
+      <p:ext uri="{BB962C8B-B14F-4D97-AF65-F5344CB8AC3E}">
+        <p14:creationId xmlns:p14="http://schemas.microsoft.com/office/powerpoint/2010/main" val="859483767"/>
+      </p:ext>
+    </p:extLst>
+  </p:cSld>
+  <p:clrMapOvr>
+    <a:masterClrMapping/>
+  </p:clrMapOvr>
+</p:sld>
+</file>
+
+<file path=ppt/slides/slide12.xml><?xml version="1.0" encoding="utf-8"?>
+<p:sld xmlns:a="http://schemas.openxmlformats.org/drawingml/2006/main" xmlns:r="http://schemas.openxmlformats.org/officeDocument/2006/relationships" xmlns:p="http://schemas.openxmlformats.org/presentationml/2006/main">
+  <p:cSld>
+    <p:spTree>
+      <p:nvGrpSpPr>
+        <p:cNvPr id="1" name=""/>
+        <p:cNvGrpSpPr/>
+        <p:nvPr/>
+      </p:nvGrpSpPr>
+      <p:grpSpPr>
+        <a:xfrm>
+          <a:off x="0" y="0"/>
+          <a:ext cx="0" cy="0"/>
+          <a:chOff x="0" y="0"/>
+          <a:chExt cx="0" cy="0"/>
+        </a:xfrm>
+      </p:grpSpPr>
+      <p:sp>
+        <p:nvSpPr>
+          <p:cNvPr id="4" name="Шестиугольник 3">
+            <a:extLst>
+              <a:ext uri="{FF2B5EF4-FFF2-40B4-BE49-F238E27FC236}">
+                <a16:creationId xmlns:a16="http://schemas.microsoft.com/office/drawing/2014/main" id="{A6C72720-2857-BE76-EB39-FEA6BBBE559E}"/>
+              </a:ext>
+            </a:extLst>
+          </p:cNvPr>
+          <p:cNvSpPr/>
+          <p:nvPr/>
+        </p:nvSpPr>
+        <p:spPr>
+          <a:xfrm>
+            <a:off x="2201662" y="3551069"/>
+            <a:ext cx="1429200" cy="856800"/>
+          </a:xfrm>
+          <a:prstGeom prst="hexagon">
+            <a:avLst>
+              <a:gd name="adj" fmla="val 33436"/>
+              <a:gd name="vf" fmla="val 115470"/>
+            </a:avLst>
+          </a:prstGeom>
+          <a:pattFill prst="lgGrid">
+            <a:fgClr>
+              <a:srgbClr val="C2D69B"/>
+            </a:fgClr>
+            <a:bgClr>
+              <a:schemeClr val="bg1"/>
+            </a:bgClr>
+          </a:pattFill>
+          <a:ln w="6350" cap="sq">
+            <a:noFill/>
+            <a:prstDash val="solid"/>
+            <a:miter lim="800000"/>
+          </a:ln>
+        </p:spPr>
+        <p:style>
+          <a:lnRef idx="2">
+            <a:schemeClr val="accent1">
+              <a:shade val="50000"/>
+            </a:schemeClr>
+          </a:lnRef>
+          <a:fillRef idx="1">
+            <a:schemeClr val="accent1"/>
+          </a:fillRef>
+          <a:effectRef idx="0">
+            <a:schemeClr val="accent1"/>
+          </a:effectRef>
+          <a:fontRef idx="minor">
+            <a:schemeClr val="lt1"/>
+          </a:fontRef>
+        </p:style>
+        <p:txBody>
+          <a:bodyPr rtlCol="0" anchor="ctr"/>
+          <a:lstStyle/>
+          <a:p>
+            <a:pPr algn="ctr"/>
+            <a:endParaRPr lang="ru-RU" dirty="0"/>
+          </a:p>
+        </p:txBody>
+      </p:sp>
+      <p:sp>
+        <p:nvSpPr>
+          <p:cNvPr id="2" name="Заголовок 1">
+            <a:extLst>
+              <a:ext uri="{FF2B5EF4-FFF2-40B4-BE49-F238E27FC236}">
+                <a16:creationId xmlns:a16="http://schemas.microsoft.com/office/drawing/2014/main" id="{B97B1B31-D6CD-685C-0447-6566411BD8BA}"/>
+              </a:ext>
+            </a:extLst>
+          </p:cNvPr>
+          <p:cNvSpPr>
+            <a:spLocks noGrp="1"/>
+          </p:cNvSpPr>
+          <p:nvPr>
+            <p:ph type="title"/>
+          </p:nvPr>
+        </p:nvSpPr>
+        <p:spPr/>
+        <p:txBody>
+          <a:bodyPr/>
+          <a:lstStyle/>
+          <a:p>
+            <a:r>
+              <a:rPr lang="en-US" dirty="0"/>
+              <a:t>G-1K-1</a:t>
+            </a:r>
+            <a:endParaRPr lang="ru-RU" dirty="0"/>
+          </a:p>
+        </p:txBody>
+      </p:sp>
+    </p:spTree>
+    <p:extLst>
+      <p:ext uri="{BB962C8B-B14F-4D97-AF65-F5344CB8AC3E}">
+        <p14:creationId xmlns:p14="http://schemas.microsoft.com/office/powerpoint/2010/main" val="128593013"/>
+      </p:ext>
+    </p:extLst>
+  </p:cSld>
+  <p:clrMapOvr>
+    <a:masterClrMapping/>
+  </p:clrMapOvr>
+</p:sld>
+</file>
+
+<file path=ppt/slides/slide13.xml><?xml version="1.0" encoding="utf-8"?>
+<p:sld xmlns:a="http://schemas.openxmlformats.org/drawingml/2006/main" xmlns:r="http://schemas.openxmlformats.org/officeDocument/2006/relationships" xmlns:p="http://schemas.openxmlformats.org/presentationml/2006/main">
+  <p:cSld>
+    <p:spTree>
+      <p:nvGrpSpPr>
+        <p:cNvPr id="1" name=""/>
+        <p:cNvGrpSpPr/>
+        <p:nvPr/>
+      </p:nvGrpSpPr>
+      <p:grpSpPr>
+        <a:xfrm>
+          <a:off x="0" y="0"/>
+          <a:ext cx="0" cy="0"/>
+          <a:chOff x="0" y="0"/>
+          <a:chExt cx="0" cy="0"/>
+        </a:xfrm>
+      </p:grpSpPr>
+      <p:sp>
+        <p:nvSpPr>
+          <p:cNvPr id="4" name="Шестиугольник 3">
+            <a:extLst>
+              <a:ext uri="{FF2B5EF4-FFF2-40B4-BE49-F238E27FC236}">
+                <a16:creationId xmlns:a16="http://schemas.microsoft.com/office/drawing/2014/main" id="{A6C72720-2857-BE76-EB39-FEA6BBBE559E}"/>
+              </a:ext>
+            </a:extLst>
+          </p:cNvPr>
+          <p:cNvSpPr/>
+          <p:nvPr/>
+        </p:nvSpPr>
+        <p:spPr>
+          <a:xfrm>
+            <a:off x="2201662" y="3551069"/>
+            <a:ext cx="1429200" cy="856800"/>
+          </a:xfrm>
+          <a:prstGeom prst="hexagon">
+            <a:avLst>
+              <a:gd name="adj" fmla="val 33436"/>
+              <a:gd name="vf" fmla="val 115470"/>
+            </a:avLst>
+          </a:prstGeom>
+          <a:pattFill prst="openDmnd">
+            <a:fgClr>
+              <a:srgbClr val="00B050"/>
+            </a:fgClr>
+            <a:bgClr>
+              <a:schemeClr val="bg1"/>
+            </a:bgClr>
+          </a:pattFill>
+          <a:ln w="6350" cap="sq">
+            <a:noFill/>
+            <a:prstDash val="solid"/>
+            <a:miter lim="800000"/>
+          </a:ln>
+        </p:spPr>
+        <p:style>
+          <a:lnRef idx="2">
+            <a:schemeClr val="accent1">
+              <a:shade val="50000"/>
+            </a:schemeClr>
+          </a:lnRef>
+          <a:fillRef idx="1">
+            <a:schemeClr val="accent1"/>
+          </a:fillRef>
+          <a:effectRef idx="0">
+            <a:schemeClr val="accent1"/>
+          </a:effectRef>
+          <a:fontRef idx="minor">
+            <a:schemeClr val="lt1"/>
+          </a:fontRef>
+        </p:style>
+        <p:txBody>
+          <a:bodyPr rtlCol="0" anchor="ctr"/>
+          <a:lstStyle/>
+          <a:p>
+            <a:pPr algn="ctr"/>
+            <a:endParaRPr lang="ru-RU" dirty="0"/>
+          </a:p>
+        </p:txBody>
+      </p:sp>
+      <p:sp>
+        <p:nvSpPr>
+          <p:cNvPr id="2" name="Заголовок 1">
+            <a:extLst>
+              <a:ext uri="{FF2B5EF4-FFF2-40B4-BE49-F238E27FC236}">
+                <a16:creationId xmlns:a16="http://schemas.microsoft.com/office/drawing/2014/main" id="{B97B1B31-D6CD-685C-0447-6566411BD8BA}"/>
+              </a:ext>
+            </a:extLst>
+          </p:cNvPr>
+          <p:cNvSpPr>
+            <a:spLocks noGrp="1"/>
+          </p:cNvSpPr>
+          <p:nvPr>
+            <p:ph type="title"/>
+          </p:nvPr>
+        </p:nvSpPr>
+        <p:spPr/>
+        <p:txBody>
+          <a:bodyPr/>
+          <a:lstStyle/>
+          <a:p>
+            <a:r>
+              <a:rPr lang="en-US" dirty="0"/>
+              <a:t>G1K1</a:t>
+            </a:r>
+            <a:endParaRPr lang="ru-RU" dirty="0"/>
+          </a:p>
+        </p:txBody>
+      </p:sp>
+    </p:spTree>
+    <p:extLst>
+      <p:ext uri="{BB962C8B-B14F-4D97-AF65-F5344CB8AC3E}">
+        <p14:creationId xmlns:p14="http://schemas.microsoft.com/office/powerpoint/2010/main" val="331224989"/>
+      </p:ext>
+    </p:extLst>
+  </p:cSld>
+  <p:clrMapOvr>
+    <a:masterClrMapping/>
+  </p:clrMapOvr>
+</p:sld>
+</file>
+
+<file path=ppt/slides/slide14.xml><?xml version="1.0" encoding="utf-8"?>
+<p:sld xmlns:a="http://schemas.openxmlformats.org/drawingml/2006/main" xmlns:r="http://schemas.openxmlformats.org/officeDocument/2006/relationships" xmlns:p="http://schemas.openxmlformats.org/presentationml/2006/main">
+  <p:cSld>
+    <p:spTree>
+      <p:nvGrpSpPr>
+        <p:cNvPr id="1" name=""/>
+        <p:cNvGrpSpPr/>
+        <p:nvPr/>
+      </p:nvGrpSpPr>
+      <p:grpSpPr>
+        <a:xfrm>
+          <a:off x="0" y="0"/>
+          <a:ext cx="0" cy="0"/>
+          <a:chOff x="0" y="0"/>
+          <a:chExt cx="0" cy="0"/>
+        </a:xfrm>
+      </p:grpSpPr>
+      <p:sp>
+        <p:nvSpPr>
+          <p:cNvPr id="4" name="Шестиугольник 3">
+            <a:extLst>
+              <a:ext uri="{FF2B5EF4-FFF2-40B4-BE49-F238E27FC236}">
+                <a16:creationId xmlns:a16="http://schemas.microsoft.com/office/drawing/2014/main" id="{A6C72720-2857-BE76-EB39-FEA6BBBE559E}"/>
+              </a:ext>
+            </a:extLst>
+          </p:cNvPr>
+          <p:cNvSpPr/>
+          <p:nvPr/>
+        </p:nvSpPr>
+        <p:spPr>
+          <a:xfrm>
+            <a:off x="2201662" y="3551069"/>
+            <a:ext cx="1429200" cy="856800"/>
+          </a:xfrm>
+          <a:prstGeom prst="hexagon">
+            <a:avLst>
+              <a:gd name="adj" fmla="val 33436"/>
+              <a:gd name="vf" fmla="val 115470"/>
+            </a:avLst>
+          </a:prstGeom>
+          <a:pattFill prst="openDmnd">
+            <a:fgClr>
+              <a:schemeClr val="accent1">
+                <a:lumMod val="60000"/>
+                <a:lumOff val="40000"/>
+              </a:schemeClr>
+            </a:fgClr>
+            <a:bgClr>
+              <a:schemeClr val="bg1"/>
+            </a:bgClr>
+          </a:pattFill>
+          <a:ln w="6350" cap="sq">
+            <a:noFill/>
+            <a:prstDash val="solid"/>
+            <a:miter lim="800000"/>
+          </a:ln>
+        </p:spPr>
+        <p:style>
+          <a:lnRef idx="2">
+            <a:schemeClr val="accent1">
+              <a:shade val="50000"/>
+            </a:schemeClr>
+          </a:lnRef>
+          <a:fillRef idx="1">
+            <a:schemeClr val="accent1"/>
+          </a:fillRef>
+          <a:effectRef idx="0">
+            <a:schemeClr val="accent1"/>
+          </a:effectRef>
+          <a:fontRef idx="minor">
+            <a:schemeClr val="lt1"/>
+          </a:fontRef>
+        </p:style>
+        <p:txBody>
+          <a:bodyPr rtlCol="0" anchor="ctr"/>
+          <a:lstStyle/>
+          <a:p>
+            <a:pPr algn="ctr"/>
+            <a:endParaRPr lang="ru-RU" dirty="0"/>
+          </a:p>
+        </p:txBody>
+      </p:sp>
+      <p:sp>
+        <p:nvSpPr>
+          <p:cNvPr id="2" name="Заголовок 1">
+            <a:extLst>
+              <a:ext uri="{FF2B5EF4-FFF2-40B4-BE49-F238E27FC236}">
+                <a16:creationId xmlns:a16="http://schemas.microsoft.com/office/drawing/2014/main" id="{B97B1B31-D6CD-685C-0447-6566411BD8BA}"/>
+              </a:ext>
+            </a:extLst>
+          </p:cNvPr>
+          <p:cNvSpPr>
+            <a:spLocks noGrp="1"/>
+          </p:cNvSpPr>
+          <p:nvPr>
+            <p:ph type="title"/>
+          </p:nvPr>
+        </p:nvSpPr>
+        <p:spPr/>
+        <p:txBody>
+          <a:bodyPr/>
+          <a:lstStyle/>
+          <a:p>
+            <a:r>
+              <a:rPr lang="en-US" dirty="0"/>
+              <a:t>G0K</a:t>
+            </a:r>
+            <a:r>
+              <a:rPr lang="ru-RU" dirty="0"/>
+              <a:t>1</a:t>
+            </a:r>
+          </a:p>
+        </p:txBody>
+      </p:sp>
+    </p:spTree>
+    <p:extLst>
+      <p:ext uri="{BB962C8B-B14F-4D97-AF65-F5344CB8AC3E}">
+        <p14:creationId xmlns:p14="http://schemas.microsoft.com/office/powerpoint/2010/main" val="2796450566"/>
+      </p:ext>
+    </p:extLst>
+  </p:cSld>
+  <p:clrMapOvr>
+    <a:masterClrMapping/>
+  </p:clrMapOvr>
+</p:sld>
+</file>
+
+<file path=ppt/slides/slide15.xml><?xml version="1.0" encoding="utf-8"?>
+<p:sld xmlns:a="http://schemas.openxmlformats.org/drawingml/2006/main" xmlns:r="http://schemas.openxmlformats.org/officeDocument/2006/relationships" xmlns:p="http://schemas.openxmlformats.org/presentationml/2006/main">
+  <p:cSld>
+    <p:spTree>
+      <p:nvGrpSpPr>
+        <p:cNvPr id="1" name=""/>
+        <p:cNvGrpSpPr/>
+        <p:nvPr/>
+      </p:nvGrpSpPr>
+      <p:grpSpPr>
+        <a:xfrm>
+          <a:off x="0" y="0"/>
+          <a:ext cx="0" cy="0"/>
+          <a:chOff x="0" y="0"/>
+          <a:chExt cx="0" cy="0"/>
+        </a:xfrm>
+      </p:grpSpPr>
+      <p:sp>
+        <p:nvSpPr>
+          <p:cNvPr id="4" name="Шестиугольник 3">
+            <a:extLst>
+              <a:ext uri="{FF2B5EF4-FFF2-40B4-BE49-F238E27FC236}">
+                <a16:creationId xmlns:a16="http://schemas.microsoft.com/office/drawing/2014/main" id="{A6C72720-2857-BE76-EB39-FEA6BBBE559E}"/>
+              </a:ext>
+            </a:extLst>
+          </p:cNvPr>
+          <p:cNvSpPr/>
+          <p:nvPr/>
+        </p:nvSpPr>
+        <p:spPr>
+          <a:xfrm>
+            <a:off x="2201662" y="3551069"/>
+            <a:ext cx="1429200" cy="856800"/>
+          </a:xfrm>
+          <a:prstGeom prst="hexagon">
+            <a:avLst>
+              <a:gd name="adj" fmla="val 33436"/>
+              <a:gd name="vf" fmla="val 115470"/>
+            </a:avLst>
+          </a:prstGeom>
+          <a:pattFill prst="pct25">
+            <a:fgClr>
+              <a:schemeClr val="tx1">
+                <a:lumMod val="85000"/>
+                <a:lumOff val="15000"/>
+              </a:schemeClr>
+            </a:fgClr>
+            <a:bgClr>
+              <a:schemeClr val="bg1"/>
+            </a:bgClr>
+          </a:pattFill>
+          <a:ln w="6350" cap="sq">
+            <a:noFill/>
+            <a:prstDash val="solid"/>
+            <a:miter lim="800000"/>
+          </a:ln>
+        </p:spPr>
+        <p:style>
+          <a:lnRef idx="2">
+            <a:schemeClr val="accent1">
+              <a:shade val="50000"/>
+            </a:schemeClr>
+          </a:lnRef>
+          <a:fillRef idx="1">
+            <a:schemeClr val="accent1"/>
+          </a:fillRef>
+          <a:effectRef idx="0">
+            <a:schemeClr val="accent1"/>
+          </a:effectRef>
+          <a:fontRef idx="minor">
+            <a:schemeClr val="lt1"/>
+          </a:fontRef>
+        </p:style>
+        <p:txBody>
+          <a:bodyPr rtlCol="0" anchor="ctr"/>
+          <a:lstStyle/>
+          <a:p>
+            <a:pPr algn="ctr"/>
+            <a:endParaRPr lang="ru-RU" dirty="0"/>
+          </a:p>
+        </p:txBody>
+      </p:sp>
+      <p:sp>
+        <p:nvSpPr>
+          <p:cNvPr id="2" name="Заголовок 1">
+            <a:extLst>
+              <a:ext uri="{FF2B5EF4-FFF2-40B4-BE49-F238E27FC236}">
+                <a16:creationId xmlns:a16="http://schemas.microsoft.com/office/drawing/2014/main" id="{B97B1B31-D6CD-685C-0447-6566411BD8BA}"/>
+              </a:ext>
+            </a:extLst>
+          </p:cNvPr>
+          <p:cNvSpPr>
+            <a:spLocks noGrp="1"/>
+          </p:cNvSpPr>
+          <p:nvPr>
+            <p:ph type="title"/>
+          </p:nvPr>
+        </p:nvSpPr>
+        <p:spPr/>
+        <p:txBody>
+          <a:bodyPr/>
+          <a:lstStyle/>
+          <a:p>
+            <a:r>
+              <a:rPr lang="en-US" dirty="0"/>
+              <a:t>G-1K0</a:t>
+            </a:r>
+            <a:endParaRPr lang="ru-RU" dirty="0"/>
+          </a:p>
+        </p:txBody>
+      </p:sp>
+    </p:spTree>
+    <p:extLst>
+      <p:ext uri="{BB962C8B-B14F-4D97-AF65-F5344CB8AC3E}">
+        <p14:creationId xmlns:p14="http://schemas.microsoft.com/office/powerpoint/2010/main" val="3557432627"/>
+      </p:ext>
+    </p:extLst>
+  </p:cSld>
+  <p:clrMapOvr>
+    <a:masterClrMapping/>
+  </p:clrMapOvr>
+</p:sld>
+</file>
+
+<file path=ppt/slides/slide16.xml><?xml version="1.0" encoding="utf-8"?>
+<p:sld xmlns:a="http://schemas.openxmlformats.org/drawingml/2006/main" xmlns:r="http://schemas.openxmlformats.org/officeDocument/2006/relationships" xmlns:p="http://schemas.openxmlformats.org/presentationml/2006/main">
+  <p:cSld>
+    <p:spTree>
+      <p:nvGrpSpPr>
+        <p:cNvPr id="1" name=""/>
+        <p:cNvGrpSpPr/>
+        <p:nvPr/>
+      </p:nvGrpSpPr>
+      <p:grpSpPr>
+        <a:xfrm>
+          <a:off x="0" y="0"/>
+          <a:ext cx="0" cy="0"/>
+          <a:chOff x="0" y="0"/>
+          <a:chExt cx="0" cy="0"/>
+        </a:xfrm>
+      </p:grpSpPr>
+      <p:sp>
+        <p:nvSpPr>
+          <p:cNvPr id="4" name="Шестиугольник 3">
+            <a:extLst>
+              <a:ext uri="{FF2B5EF4-FFF2-40B4-BE49-F238E27FC236}">
+                <a16:creationId xmlns:a16="http://schemas.microsoft.com/office/drawing/2014/main" id="{A6C72720-2857-BE76-EB39-FEA6BBBE559E}"/>
+              </a:ext>
+            </a:extLst>
+          </p:cNvPr>
+          <p:cNvSpPr/>
+          <p:nvPr/>
+        </p:nvSpPr>
+        <p:spPr>
+          <a:xfrm>
+            <a:off x="2201662" y="3551069"/>
+            <a:ext cx="1429200" cy="856800"/>
+          </a:xfrm>
+          <a:prstGeom prst="hexagon">
+            <a:avLst>
+              <a:gd name="adj" fmla="val 33436"/>
+              <a:gd name="vf" fmla="val 115470"/>
+            </a:avLst>
+          </a:prstGeom>
+          <a:pattFill prst="lgConfetti">
+            <a:fgClr>
+              <a:srgbClr val="0070C0"/>
+            </a:fgClr>
+            <a:bgClr>
+              <a:schemeClr val="bg1"/>
+            </a:bgClr>
+          </a:pattFill>
+          <a:ln w="6350" cap="sq">
+            <a:noFill/>
+            <a:prstDash val="solid"/>
+            <a:miter lim="800000"/>
+          </a:ln>
+        </p:spPr>
+        <p:style>
+          <a:lnRef idx="2">
+            <a:schemeClr val="accent1">
+              <a:shade val="50000"/>
+            </a:schemeClr>
+          </a:lnRef>
+          <a:fillRef idx="1">
+            <a:schemeClr val="accent1"/>
+          </a:fillRef>
+          <a:effectRef idx="0">
+            <a:schemeClr val="accent1"/>
+          </a:effectRef>
+          <a:fontRef idx="minor">
+            <a:schemeClr val="lt1"/>
+          </a:fontRef>
+        </p:style>
+        <p:txBody>
+          <a:bodyPr rtlCol="0" anchor="ctr"/>
+          <a:lstStyle/>
+          <a:p>
+            <a:pPr algn="ctr"/>
+            <a:endParaRPr lang="ru-RU" dirty="0"/>
+          </a:p>
+        </p:txBody>
+      </p:sp>
+      <p:sp>
+        <p:nvSpPr>
+          <p:cNvPr id="2" name="Заголовок 1">
+            <a:extLst>
+              <a:ext uri="{FF2B5EF4-FFF2-40B4-BE49-F238E27FC236}">
+                <a16:creationId xmlns:a16="http://schemas.microsoft.com/office/drawing/2014/main" id="{B97B1B31-D6CD-685C-0447-6566411BD8BA}"/>
+              </a:ext>
+            </a:extLst>
+          </p:cNvPr>
+          <p:cNvSpPr>
+            <a:spLocks noGrp="1"/>
+          </p:cNvSpPr>
+          <p:nvPr>
+            <p:ph type="title"/>
+          </p:nvPr>
+        </p:nvSpPr>
+        <p:spPr/>
+        <p:txBody>
+          <a:bodyPr/>
+          <a:lstStyle/>
+          <a:p>
+            <a:r>
+              <a:rPr lang="en-US" dirty="0"/>
+              <a:t>G0K-2</a:t>
+            </a:r>
+            <a:endParaRPr lang="ru-RU" dirty="0"/>
+          </a:p>
+        </p:txBody>
+      </p:sp>
+    </p:spTree>
+    <p:extLst>
+      <p:ext uri="{BB962C8B-B14F-4D97-AF65-F5344CB8AC3E}">
+        <p14:creationId xmlns:p14="http://schemas.microsoft.com/office/powerpoint/2010/main" val="61227831"/>
+      </p:ext>
+    </p:extLst>
+  </p:cSld>
+  <p:clrMapOvr>
+    <a:masterClrMapping/>
+  </p:clrMapOvr>
+</p:sld>
+</file>
+
+<file path=ppt/slides/slide17.xml><?xml version="1.0" encoding="utf-8"?>
+<p:sld xmlns:a="http://schemas.openxmlformats.org/drawingml/2006/main" xmlns:r="http://schemas.openxmlformats.org/officeDocument/2006/relationships" xmlns:p="http://schemas.openxmlformats.org/presentationml/2006/main">
+  <p:cSld>
+    <p:spTree>
+      <p:nvGrpSpPr>
+        <p:cNvPr id="1" name=""/>
+        <p:cNvGrpSpPr/>
+        <p:nvPr/>
+      </p:nvGrpSpPr>
+      <p:grpSpPr>
+        <a:xfrm>
+          <a:off x="0" y="0"/>
+          <a:ext cx="0" cy="0"/>
+          <a:chOff x="0" y="0"/>
+          <a:chExt cx="0" cy="0"/>
+        </a:xfrm>
+      </p:grpSpPr>
+      <p:sp>
+        <p:nvSpPr>
+          <p:cNvPr id="4" name="Шестиугольник 3">
+            <a:extLst>
+              <a:ext uri="{FF2B5EF4-FFF2-40B4-BE49-F238E27FC236}">
+                <a16:creationId xmlns:a16="http://schemas.microsoft.com/office/drawing/2014/main" id="{A6C72720-2857-BE76-EB39-FEA6BBBE559E}"/>
+              </a:ext>
+            </a:extLst>
+          </p:cNvPr>
+          <p:cNvSpPr/>
+          <p:nvPr/>
+        </p:nvSpPr>
+        <p:spPr>
+          <a:xfrm>
+            <a:off x="2201662" y="3551069"/>
+            <a:ext cx="1429200" cy="856800"/>
+          </a:xfrm>
+          <a:prstGeom prst="hexagon">
+            <a:avLst>
+              <a:gd name="adj" fmla="val 33436"/>
+              <a:gd name="vf" fmla="val 115470"/>
+            </a:avLst>
+          </a:prstGeom>
+          <a:pattFill prst="pct20">
+            <a:fgClr>
+              <a:schemeClr val="tx1">
+                <a:lumMod val="75000"/>
+                <a:lumOff val="25000"/>
+              </a:schemeClr>
+            </a:fgClr>
+            <a:bgClr>
+              <a:schemeClr val="bg1"/>
+            </a:bgClr>
+          </a:pattFill>
+          <a:ln w="6350" cap="sq">
+            <a:noFill/>
+            <a:prstDash val="solid"/>
+            <a:miter lim="800000"/>
+          </a:ln>
+        </p:spPr>
+        <p:style>
+          <a:lnRef idx="2">
+            <a:schemeClr val="accent1">
+              <a:shade val="50000"/>
+            </a:schemeClr>
+          </a:lnRef>
+          <a:fillRef idx="1">
+            <a:schemeClr val="accent1"/>
+          </a:fillRef>
+          <a:effectRef idx="0">
+            <a:schemeClr val="accent1"/>
+          </a:effectRef>
+          <a:fontRef idx="minor">
+            <a:schemeClr val="lt1"/>
+          </a:fontRef>
+        </p:style>
+        <p:txBody>
+          <a:bodyPr rtlCol="0" anchor="ctr"/>
+          <a:lstStyle/>
+          <a:p>
+            <a:pPr algn="ctr"/>
+            <a:endParaRPr lang="ru-RU" dirty="0"/>
+          </a:p>
+        </p:txBody>
+      </p:sp>
+      <p:sp>
+        <p:nvSpPr>
+          <p:cNvPr id="2" name="Заголовок 1">
+            <a:extLst>
+              <a:ext uri="{FF2B5EF4-FFF2-40B4-BE49-F238E27FC236}">
+                <a16:creationId xmlns:a16="http://schemas.microsoft.com/office/drawing/2014/main" id="{B97B1B31-D6CD-685C-0447-6566411BD8BA}"/>
+              </a:ext>
+            </a:extLst>
+          </p:cNvPr>
+          <p:cNvSpPr>
+            <a:spLocks noGrp="1"/>
+          </p:cNvSpPr>
+          <p:nvPr>
+            <p:ph type="title"/>
+          </p:nvPr>
+        </p:nvSpPr>
+        <p:spPr/>
+        <p:txBody>
+          <a:bodyPr/>
+          <a:lstStyle/>
+          <a:p>
+            <a:r>
+              <a:rPr lang="en-US" dirty="0"/>
+              <a:t>G1K0</a:t>
+            </a:r>
+            <a:endParaRPr lang="ru-RU" dirty="0"/>
+          </a:p>
+        </p:txBody>
+      </p:sp>
+    </p:spTree>
+    <p:extLst>
+      <p:ext uri="{BB962C8B-B14F-4D97-AF65-F5344CB8AC3E}">
+        <p14:creationId xmlns:p14="http://schemas.microsoft.com/office/powerpoint/2010/main" val="3378264997"/>
+      </p:ext>
+    </p:extLst>
+  </p:cSld>
+  <p:clrMapOvr>
+    <a:masterClrMapping/>
+  </p:clrMapOvr>
+</p:sld>
+</file>
+
+<file path=ppt/slides/slide18.xml><?xml version="1.0" encoding="utf-8"?>
+<p:sld xmlns:a="http://schemas.openxmlformats.org/drawingml/2006/main" xmlns:r="http://schemas.openxmlformats.org/officeDocument/2006/relationships" xmlns:p="http://schemas.openxmlformats.org/presentationml/2006/main">
+  <p:cSld>
+    <p:spTree>
+      <p:nvGrpSpPr>
+        <p:cNvPr id="1" name=""/>
+        <p:cNvGrpSpPr/>
+        <p:nvPr/>
+      </p:nvGrpSpPr>
+      <p:grpSpPr>
+        <a:xfrm>
+          <a:off x="0" y="0"/>
+          <a:ext cx="0" cy="0"/>
+          <a:chOff x="0" y="0"/>
+          <a:chExt cx="0" cy="0"/>
+        </a:xfrm>
+      </p:grpSpPr>
+      <p:sp>
+        <p:nvSpPr>
+          <p:cNvPr id="4" name="Шестиугольник 3">
+            <a:extLst>
+              <a:ext uri="{FF2B5EF4-FFF2-40B4-BE49-F238E27FC236}">
+                <a16:creationId xmlns:a16="http://schemas.microsoft.com/office/drawing/2014/main" id="{A6C72720-2857-BE76-EB39-FEA6BBBE559E}"/>
+              </a:ext>
+            </a:extLst>
+          </p:cNvPr>
+          <p:cNvSpPr/>
+          <p:nvPr/>
+        </p:nvSpPr>
+        <p:spPr>
+          <a:xfrm>
+            <a:off x="2201662" y="3551069"/>
+            <a:ext cx="1429200" cy="856800"/>
+          </a:xfrm>
+          <a:prstGeom prst="hexagon">
+            <a:avLst>
+              <a:gd name="adj" fmla="val 33436"/>
+              <a:gd name="vf" fmla="val 115470"/>
+            </a:avLst>
+          </a:prstGeom>
+          <a:pattFill prst="openDmnd">
+            <a:fgClr>
+              <a:schemeClr val="accent6">
+                <a:lumMod val="75000"/>
+              </a:schemeClr>
+            </a:fgClr>
+            <a:bgClr>
+              <a:schemeClr val="bg1"/>
+            </a:bgClr>
+          </a:pattFill>
+          <a:ln w="6350" cap="sq">
+            <a:noFill/>
+            <a:prstDash val="solid"/>
+            <a:miter lim="800000"/>
+          </a:ln>
+        </p:spPr>
+        <p:style>
+          <a:lnRef idx="2">
+            <a:schemeClr val="accent1">
+              <a:shade val="50000"/>
+            </a:schemeClr>
+          </a:lnRef>
+          <a:fillRef idx="1">
+            <a:schemeClr val="accent1"/>
+          </a:fillRef>
+          <a:effectRef idx="0">
+            <a:schemeClr val="accent1"/>
+          </a:effectRef>
+          <a:fontRef idx="minor">
+            <a:schemeClr val="lt1"/>
+          </a:fontRef>
+        </p:style>
+        <p:txBody>
+          <a:bodyPr rtlCol="0" anchor="ctr"/>
+          <a:lstStyle/>
+          <a:p>
+            <a:pPr algn="ctr"/>
+            <a:endParaRPr lang="ru-RU" dirty="0"/>
+          </a:p>
+        </p:txBody>
+      </p:sp>
+      <p:sp>
+        <p:nvSpPr>
+          <p:cNvPr id="2" name="Заголовок 1">
+            <a:extLst>
+              <a:ext uri="{FF2B5EF4-FFF2-40B4-BE49-F238E27FC236}">
+                <a16:creationId xmlns:a16="http://schemas.microsoft.com/office/drawing/2014/main" id="{B97B1B31-D6CD-685C-0447-6566411BD8BA}"/>
+              </a:ext>
+            </a:extLst>
+          </p:cNvPr>
+          <p:cNvSpPr>
+            <a:spLocks noGrp="1"/>
+          </p:cNvSpPr>
+          <p:nvPr>
+            <p:ph type="title"/>
+          </p:nvPr>
+        </p:nvSpPr>
+        <p:spPr/>
+        <p:txBody>
+          <a:bodyPr/>
+          <a:lstStyle/>
+          <a:p>
+            <a:r>
+              <a:rPr lang="en-US" dirty="0"/>
+              <a:t>G2K2</a:t>
+            </a:r>
+            <a:endParaRPr lang="ru-RU" dirty="0"/>
+          </a:p>
+        </p:txBody>
+      </p:sp>
+    </p:spTree>
+    <p:extLst>
+      <p:ext uri="{BB962C8B-B14F-4D97-AF65-F5344CB8AC3E}">
+        <p14:creationId xmlns:p14="http://schemas.microsoft.com/office/powerpoint/2010/main" val="2498449054"/>
+      </p:ext>
+    </p:extLst>
+  </p:cSld>
+  <p:clrMapOvr>
+    <a:masterClrMapping/>
+  </p:clrMapOvr>
+</p:sld>
+</file>
+
+<file path=ppt/slides/slide19.xml><?xml version="1.0" encoding="utf-8"?>
+<p:sld xmlns:a="http://schemas.openxmlformats.org/drawingml/2006/main" xmlns:r="http://schemas.openxmlformats.org/officeDocument/2006/relationships" xmlns:p="http://schemas.openxmlformats.org/presentationml/2006/main">
+  <p:cSld>
+    <p:spTree>
+      <p:nvGrpSpPr>
+        <p:cNvPr id="1" name=""/>
+        <p:cNvGrpSpPr/>
+        <p:nvPr/>
+      </p:nvGrpSpPr>
+      <p:grpSpPr>
+        <a:xfrm>
+          <a:off x="0" y="0"/>
+          <a:ext cx="0" cy="0"/>
+          <a:chOff x="0" y="0"/>
+          <a:chExt cx="0" cy="0"/>
+        </a:xfrm>
+      </p:grpSpPr>
+      <p:sp>
+        <p:nvSpPr>
+          <p:cNvPr id="4" name="Шестиугольник 3">
+            <a:extLst>
+              <a:ext uri="{FF2B5EF4-FFF2-40B4-BE49-F238E27FC236}">
+                <a16:creationId xmlns:a16="http://schemas.microsoft.com/office/drawing/2014/main" id="{A6C72720-2857-BE76-EB39-FEA6BBBE559E}"/>
+              </a:ext>
+            </a:extLst>
+          </p:cNvPr>
+          <p:cNvSpPr/>
+          <p:nvPr/>
+        </p:nvSpPr>
+        <p:spPr>
+          <a:xfrm>
+            <a:off x="2201662" y="3551069"/>
+            <a:ext cx="1429200" cy="856800"/>
+          </a:xfrm>
+          <a:prstGeom prst="hexagon">
+            <a:avLst>
+              <a:gd name="adj" fmla="val 33436"/>
+              <a:gd name="vf" fmla="val 115470"/>
+            </a:avLst>
+          </a:prstGeom>
+          <a:pattFill prst="smGrid">
+            <a:fgClr>
+              <a:schemeClr val="accent1">
+                <a:lumMod val="60000"/>
+                <a:lumOff val="40000"/>
+              </a:schemeClr>
+            </a:fgClr>
+            <a:bgClr>
+              <a:schemeClr val="bg1"/>
+            </a:bgClr>
+          </a:pattFill>
+          <a:ln w="6350" cap="sq">
+            <a:noFill/>
+            <a:prstDash val="solid"/>
+            <a:miter lim="800000"/>
+          </a:ln>
+        </p:spPr>
+        <p:style>
+          <a:lnRef idx="2">
+            <a:schemeClr val="accent1">
+              <a:shade val="50000"/>
+            </a:schemeClr>
+          </a:lnRef>
+          <a:fillRef idx="1">
+            <a:schemeClr val="accent1"/>
+          </a:fillRef>
+          <a:effectRef idx="0">
+            <a:schemeClr val="accent1"/>
+          </a:effectRef>
+          <a:fontRef idx="minor">
+            <a:schemeClr val="lt1"/>
+          </a:fontRef>
+        </p:style>
+        <p:txBody>
+          <a:bodyPr rtlCol="0" anchor="ctr"/>
+          <a:lstStyle/>
+          <a:p>
+            <a:pPr algn="ctr"/>
+            <a:endParaRPr lang="ru-RU" dirty="0"/>
+          </a:p>
+        </p:txBody>
+      </p:sp>
+      <p:sp>
+        <p:nvSpPr>
+          <p:cNvPr id="2" name="Заголовок 1">
+            <a:extLst>
+              <a:ext uri="{FF2B5EF4-FFF2-40B4-BE49-F238E27FC236}">
+                <a16:creationId xmlns:a16="http://schemas.microsoft.com/office/drawing/2014/main" id="{B97B1B31-D6CD-685C-0447-6566411BD8BA}"/>
+              </a:ext>
+            </a:extLst>
+          </p:cNvPr>
+          <p:cNvSpPr>
+            <a:spLocks noGrp="1"/>
+          </p:cNvSpPr>
+          <p:nvPr>
+            <p:ph type="title"/>
+          </p:nvPr>
+        </p:nvSpPr>
+        <p:spPr/>
+        <p:txBody>
+          <a:bodyPr/>
+          <a:lstStyle/>
+          <a:p>
+            <a:r>
+              <a:rPr lang="en-US" dirty="0"/>
+              <a:t>G2K1</a:t>
+            </a:r>
+            <a:endParaRPr lang="ru-RU" dirty="0"/>
+          </a:p>
+        </p:txBody>
+      </p:sp>
+    </p:spTree>
+    <p:extLst>
+      <p:ext uri="{BB962C8B-B14F-4D97-AF65-F5344CB8AC3E}">
+        <p14:creationId xmlns:p14="http://schemas.microsoft.com/office/powerpoint/2010/main" val="1941254052"/>
       </p:ext>
     </p:extLst>
   </p:cSld>
@@ -3437,11 +5777,10 @@
             </a:avLst>
           </a:prstGeom>
           <a:noFill/>
-          <a:ln w="28575">
+          <a:ln w="31750">
             <a:solidFill>
               <a:srgbClr val="FF0000"/>
             </a:solidFill>
-            <a:prstDash val="dash"/>
           </a:ln>
         </p:spPr>
         <p:style>
@@ -3472,7 +5811,251 @@
     </p:spTree>
     <p:extLst>
       <p:ext uri="{BB962C8B-B14F-4D97-AF65-F5344CB8AC3E}">
-        <p14:creationId xmlns:p14="http://schemas.microsoft.com/office/powerpoint/2010/main" val="3210739162"/>
+        <p14:creationId xmlns:p14="http://schemas.microsoft.com/office/powerpoint/2010/main" val="3915284933"/>
+      </p:ext>
+    </p:extLst>
+  </p:cSld>
+  <p:clrMapOvr>
+    <a:masterClrMapping/>
+  </p:clrMapOvr>
+</p:sld>
+</file>
+
+<file path=ppt/slides/slide20.xml><?xml version="1.0" encoding="utf-8"?>
+<p:sld xmlns:a="http://schemas.openxmlformats.org/drawingml/2006/main" xmlns:r="http://schemas.openxmlformats.org/officeDocument/2006/relationships" xmlns:p="http://schemas.openxmlformats.org/presentationml/2006/main">
+  <p:cSld>
+    <p:spTree>
+      <p:nvGrpSpPr>
+        <p:cNvPr id="1" name=""/>
+        <p:cNvGrpSpPr/>
+        <p:nvPr/>
+      </p:nvGrpSpPr>
+      <p:grpSpPr>
+        <a:xfrm>
+          <a:off x="0" y="0"/>
+          <a:ext cx="0" cy="0"/>
+          <a:chOff x="0" y="0"/>
+          <a:chExt cx="0" cy="0"/>
+        </a:xfrm>
+      </p:grpSpPr>
+      <p:sp>
+        <p:nvSpPr>
+          <p:cNvPr id="4" name="Шестиугольник 3">
+            <a:extLst>
+              <a:ext uri="{FF2B5EF4-FFF2-40B4-BE49-F238E27FC236}">
+                <a16:creationId xmlns:a16="http://schemas.microsoft.com/office/drawing/2014/main" id="{A6C72720-2857-BE76-EB39-FEA6BBBE559E}"/>
+              </a:ext>
+            </a:extLst>
+          </p:cNvPr>
+          <p:cNvSpPr/>
+          <p:nvPr/>
+        </p:nvSpPr>
+        <p:spPr>
+          <a:xfrm>
+            <a:off x="2201662" y="3551069"/>
+            <a:ext cx="1429200" cy="856800"/>
+          </a:xfrm>
+          <a:prstGeom prst="hexagon">
+            <a:avLst>
+              <a:gd name="adj" fmla="val 33436"/>
+              <a:gd name="vf" fmla="val 115470"/>
+            </a:avLst>
+          </a:prstGeom>
+          <a:pattFill prst="openDmnd">
+            <a:fgClr>
+              <a:srgbClr val="AAAE0E"/>
+            </a:fgClr>
+            <a:bgClr>
+              <a:schemeClr val="bg1"/>
+            </a:bgClr>
+          </a:pattFill>
+          <a:ln w="6350" cap="sq">
+            <a:noFill/>
+            <a:prstDash val="solid"/>
+            <a:miter lim="800000"/>
+          </a:ln>
+        </p:spPr>
+        <p:style>
+          <a:lnRef idx="2">
+            <a:schemeClr val="accent1">
+              <a:shade val="50000"/>
+            </a:schemeClr>
+          </a:lnRef>
+          <a:fillRef idx="1">
+            <a:schemeClr val="accent1"/>
+          </a:fillRef>
+          <a:effectRef idx="0">
+            <a:schemeClr val="accent1"/>
+          </a:effectRef>
+          <a:fontRef idx="minor">
+            <a:schemeClr val="lt1"/>
+          </a:fontRef>
+        </p:style>
+        <p:txBody>
+          <a:bodyPr rtlCol="0" anchor="ctr"/>
+          <a:lstStyle/>
+          <a:p>
+            <a:pPr algn="ctr"/>
+            <a:endParaRPr lang="ru-RU" dirty="0"/>
+          </a:p>
+        </p:txBody>
+      </p:sp>
+      <p:sp>
+        <p:nvSpPr>
+          <p:cNvPr id="2" name="Заголовок 1">
+            <a:extLst>
+              <a:ext uri="{FF2B5EF4-FFF2-40B4-BE49-F238E27FC236}">
+                <a16:creationId xmlns:a16="http://schemas.microsoft.com/office/drawing/2014/main" id="{B97B1B31-D6CD-685C-0447-6566411BD8BA}"/>
+              </a:ext>
+            </a:extLst>
+          </p:cNvPr>
+          <p:cNvSpPr>
+            <a:spLocks noGrp="1"/>
+          </p:cNvSpPr>
+          <p:nvPr>
+            <p:ph type="title"/>
+          </p:nvPr>
+        </p:nvSpPr>
+        <p:spPr/>
+        <p:txBody>
+          <a:bodyPr/>
+          <a:lstStyle/>
+          <a:p>
+            <a:r>
+              <a:rPr lang="en-US" dirty="0"/>
+              <a:t>G1K-1</a:t>
+            </a:r>
+            <a:endParaRPr lang="ru-RU" dirty="0"/>
+          </a:p>
+        </p:txBody>
+      </p:sp>
+    </p:spTree>
+    <p:extLst>
+      <p:ext uri="{BB962C8B-B14F-4D97-AF65-F5344CB8AC3E}">
+        <p14:creationId xmlns:p14="http://schemas.microsoft.com/office/powerpoint/2010/main" val="2225098659"/>
+      </p:ext>
+    </p:extLst>
+  </p:cSld>
+  <p:clrMapOvr>
+    <a:masterClrMapping/>
+  </p:clrMapOvr>
+</p:sld>
+</file>
+
+<file path=ppt/slides/slide21.xml><?xml version="1.0" encoding="utf-8"?>
+<p:sld xmlns:a="http://schemas.openxmlformats.org/drawingml/2006/main" xmlns:r="http://schemas.openxmlformats.org/officeDocument/2006/relationships" xmlns:p="http://schemas.openxmlformats.org/presentationml/2006/main">
+  <p:cSld>
+    <p:spTree>
+      <p:nvGrpSpPr>
+        <p:cNvPr id="1" name=""/>
+        <p:cNvGrpSpPr/>
+        <p:nvPr/>
+      </p:nvGrpSpPr>
+      <p:grpSpPr>
+        <a:xfrm>
+          <a:off x="0" y="0"/>
+          <a:ext cx="0" cy="0"/>
+          <a:chOff x="0" y="0"/>
+          <a:chExt cx="0" cy="0"/>
+        </a:xfrm>
+      </p:grpSpPr>
+      <p:sp>
+        <p:nvSpPr>
+          <p:cNvPr id="4" name="Шестиугольник 3">
+            <a:extLst>
+              <a:ext uri="{FF2B5EF4-FFF2-40B4-BE49-F238E27FC236}">
+                <a16:creationId xmlns:a16="http://schemas.microsoft.com/office/drawing/2014/main" id="{A6C72720-2857-BE76-EB39-FEA6BBBE559E}"/>
+              </a:ext>
+            </a:extLst>
+          </p:cNvPr>
+          <p:cNvSpPr/>
+          <p:nvPr/>
+        </p:nvSpPr>
+        <p:spPr>
+          <a:xfrm>
+            <a:off x="2201662" y="3551069"/>
+            <a:ext cx="1429200" cy="856800"/>
+          </a:xfrm>
+          <a:prstGeom prst="hexagon">
+            <a:avLst>
+              <a:gd name="adj" fmla="val 33436"/>
+              <a:gd name="vf" fmla="val 115470"/>
+            </a:avLst>
+          </a:prstGeom>
+          <a:pattFill prst="pct10">
+            <a:fgClr>
+              <a:schemeClr val="bg2">
+                <a:lumMod val="25000"/>
+              </a:schemeClr>
+            </a:fgClr>
+            <a:bgClr>
+              <a:schemeClr val="bg1"/>
+            </a:bgClr>
+          </a:pattFill>
+          <a:ln w="6350" cap="sq">
+            <a:noFill/>
+            <a:prstDash val="solid"/>
+            <a:miter lim="800000"/>
+          </a:ln>
+        </p:spPr>
+        <p:style>
+          <a:lnRef idx="2">
+            <a:schemeClr val="accent1">
+              <a:shade val="50000"/>
+            </a:schemeClr>
+          </a:lnRef>
+          <a:fillRef idx="1">
+            <a:schemeClr val="accent1"/>
+          </a:fillRef>
+          <a:effectRef idx="0">
+            <a:schemeClr val="accent1"/>
+          </a:effectRef>
+          <a:fontRef idx="minor">
+            <a:schemeClr val="lt1"/>
+          </a:fontRef>
+        </p:style>
+        <p:txBody>
+          <a:bodyPr rtlCol="0" anchor="ctr"/>
+          <a:lstStyle/>
+          <a:p>
+            <a:pPr algn="ctr"/>
+            <a:endParaRPr lang="ru-RU" dirty="0"/>
+          </a:p>
+        </p:txBody>
+      </p:sp>
+      <p:sp>
+        <p:nvSpPr>
+          <p:cNvPr id="2" name="Заголовок 1">
+            <a:extLst>
+              <a:ext uri="{FF2B5EF4-FFF2-40B4-BE49-F238E27FC236}">
+                <a16:creationId xmlns:a16="http://schemas.microsoft.com/office/drawing/2014/main" id="{B97B1B31-D6CD-685C-0447-6566411BD8BA}"/>
+              </a:ext>
+            </a:extLst>
+          </p:cNvPr>
+          <p:cNvSpPr>
+            <a:spLocks noGrp="1"/>
+          </p:cNvSpPr>
+          <p:nvPr>
+            <p:ph type="title"/>
+          </p:nvPr>
+        </p:nvSpPr>
+        <p:spPr/>
+        <p:txBody>
+          <a:bodyPr/>
+          <a:lstStyle/>
+          <a:p>
+            <a:r>
+              <a:rPr lang="en-US" dirty="0"/>
+              <a:t>G2K0</a:t>
+            </a:r>
+            <a:endParaRPr lang="ru-RU" dirty="0"/>
+          </a:p>
+        </p:txBody>
+      </p:sp>
+    </p:spTree>
+    <p:extLst>
+      <p:ext uri="{BB962C8B-B14F-4D97-AF65-F5344CB8AC3E}">
+        <p14:creationId xmlns:p14="http://schemas.microsoft.com/office/powerpoint/2010/main" val="1596516822"/>
       </p:ext>
     </p:extLst>
   </p:cSld>
@@ -3522,7 +6105,472 @@
               <a:gd name="vf" fmla="val 115470"/>
             </a:avLst>
           </a:prstGeom>
-          <a:pattFill prst="openDmnd">
+          <a:noFill/>
+          <a:ln w="31750" cmpd="sng">
+            <a:solidFill>
+              <a:schemeClr val="tx1"/>
+            </a:solidFill>
+            <a:prstDash val="solid"/>
+          </a:ln>
+        </p:spPr>
+        <p:style>
+          <a:lnRef idx="2">
+            <a:schemeClr val="accent1">
+              <a:shade val="50000"/>
+            </a:schemeClr>
+          </a:lnRef>
+          <a:fillRef idx="1">
+            <a:schemeClr val="accent1"/>
+          </a:fillRef>
+          <a:effectRef idx="0">
+            <a:schemeClr val="accent1"/>
+          </a:effectRef>
+          <a:fontRef idx="minor">
+            <a:schemeClr val="lt1"/>
+          </a:fontRef>
+        </p:style>
+        <p:txBody>
+          <a:bodyPr rtlCol="0" anchor="ctr"/>
+          <a:lstStyle/>
+          <a:p>
+            <a:pPr algn="ctr"/>
+            <a:endParaRPr lang="ru-RU" dirty="0"/>
+          </a:p>
+        </p:txBody>
+      </p:sp>
+    </p:spTree>
+    <p:extLst>
+      <p:ext uri="{BB962C8B-B14F-4D97-AF65-F5344CB8AC3E}">
+        <p14:creationId xmlns:p14="http://schemas.microsoft.com/office/powerpoint/2010/main" val="3680560429"/>
+      </p:ext>
+    </p:extLst>
+  </p:cSld>
+  <p:clrMapOvr>
+    <a:masterClrMapping/>
+  </p:clrMapOvr>
+</p:sld>
+</file>
+
+<file path=ppt/slides/slide4.xml><?xml version="1.0" encoding="utf-8"?>
+<p:sld xmlns:a="http://schemas.openxmlformats.org/drawingml/2006/main" xmlns:r="http://schemas.openxmlformats.org/officeDocument/2006/relationships" xmlns:p="http://schemas.openxmlformats.org/presentationml/2006/main">
+  <p:cSld>
+    <p:spTree>
+      <p:nvGrpSpPr>
+        <p:cNvPr id="1" name=""/>
+        <p:cNvGrpSpPr/>
+        <p:nvPr/>
+      </p:nvGrpSpPr>
+      <p:grpSpPr>
+        <a:xfrm>
+          <a:off x="0" y="0"/>
+          <a:ext cx="0" cy="0"/>
+          <a:chOff x="0" y="0"/>
+          <a:chExt cx="0" cy="0"/>
+        </a:xfrm>
+      </p:grpSpPr>
+      <p:sp>
+        <p:nvSpPr>
+          <p:cNvPr id="4" name="Шестиугольник 3">
+            <a:extLst>
+              <a:ext uri="{FF2B5EF4-FFF2-40B4-BE49-F238E27FC236}">
+                <a16:creationId xmlns:a16="http://schemas.microsoft.com/office/drawing/2014/main" id="{A6C72720-2857-BE76-EB39-FEA6BBBE559E}"/>
+              </a:ext>
+            </a:extLst>
+          </p:cNvPr>
+          <p:cNvSpPr/>
+          <p:nvPr/>
+        </p:nvSpPr>
+        <p:spPr>
+          <a:xfrm>
+            <a:off x="2610035" y="1651247"/>
+            <a:ext cx="1429200" cy="856800"/>
+          </a:xfrm>
+          <a:prstGeom prst="hexagon">
+            <a:avLst>
+              <a:gd name="adj" fmla="val 33436"/>
+              <a:gd name="vf" fmla="val 115470"/>
+            </a:avLst>
+          </a:prstGeom>
+          <a:noFill/>
+          <a:ln w="25400" cmpd="sng">
+            <a:solidFill>
+              <a:schemeClr val="tx1"/>
+            </a:solidFill>
+            <a:prstDash val="solid"/>
+          </a:ln>
+        </p:spPr>
+        <p:style>
+          <a:lnRef idx="2">
+            <a:schemeClr val="accent1">
+              <a:shade val="50000"/>
+            </a:schemeClr>
+          </a:lnRef>
+          <a:fillRef idx="1">
+            <a:schemeClr val="accent1"/>
+          </a:fillRef>
+          <a:effectRef idx="0">
+            <a:schemeClr val="accent1"/>
+          </a:effectRef>
+          <a:fontRef idx="minor">
+            <a:schemeClr val="lt1"/>
+          </a:fontRef>
+        </p:style>
+        <p:txBody>
+          <a:bodyPr rtlCol="0" anchor="ctr"/>
+          <a:lstStyle/>
+          <a:p>
+            <a:pPr algn="ctr"/>
+            <a:endParaRPr lang="ru-RU" dirty="0"/>
+          </a:p>
+        </p:txBody>
+      </p:sp>
+      <p:sp>
+        <p:nvSpPr>
+          <p:cNvPr id="2" name="TextBox 1">
+            <a:extLst>
+              <a:ext uri="{FF2B5EF4-FFF2-40B4-BE49-F238E27FC236}">
+                <a16:creationId xmlns:a16="http://schemas.microsoft.com/office/drawing/2014/main" id="{85C95CA1-5BE7-975D-1ED7-2AFE4320549F}"/>
+              </a:ext>
+            </a:extLst>
+          </p:cNvPr>
+          <p:cNvSpPr txBox="1"/>
+          <p:nvPr/>
+        </p:nvSpPr>
+        <p:spPr>
+          <a:xfrm>
+            <a:off x="1788160" y="3972560"/>
+            <a:ext cx="2072640" cy="377394"/>
+          </a:xfrm>
+          <a:prstGeom prst="rect">
+            <a:avLst/>
+          </a:prstGeom>
+          <a:noFill/>
+        </p:spPr>
+        <p:txBody>
+          <a:bodyPr wrap="square" rtlCol="0">
+            <a:spAutoFit/>
+          </a:bodyPr>
+          <a:lstStyle/>
+          <a:p>
+            <a:r>
+              <a:rPr lang="ru-RU" dirty="0"/>
+              <a:t>Тонкая граница</a:t>
+            </a:r>
+          </a:p>
+        </p:txBody>
+      </p:sp>
+    </p:spTree>
+    <p:extLst>
+      <p:ext uri="{BB962C8B-B14F-4D97-AF65-F5344CB8AC3E}">
+        <p14:creationId xmlns:p14="http://schemas.microsoft.com/office/powerpoint/2010/main" val="275852627"/>
+      </p:ext>
+    </p:extLst>
+  </p:cSld>
+  <p:clrMapOvr>
+    <a:masterClrMapping/>
+  </p:clrMapOvr>
+</p:sld>
+</file>
+
+<file path=ppt/slides/slide5.xml><?xml version="1.0" encoding="utf-8"?>
+<p:sld xmlns:a="http://schemas.openxmlformats.org/drawingml/2006/main" xmlns:r="http://schemas.openxmlformats.org/officeDocument/2006/relationships" xmlns:p="http://schemas.openxmlformats.org/presentationml/2006/main">
+  <p:cSld>
+    <p:spTree>
+      <p:nvGrpSpPr>
+        <p:cNvPr id="1" name=""/>
+        <p:cNvGrpSpPr/>
+        <p:nvPr/>
+      </p:nvGrpSpPr>
+      <p:grpSpPr>
+        <a:xfrm>
+          <a:off x="0" y="0"/>
+          <a:ext cx="0" cy="0"/>
+          <a:chOff x="0" y="0"/>
+          <a:chExt cx="0" cy="0"/>
+        </a:xfrm>
+      </p:grpSpPr>
+      <p:sp>
+        <p:nvSpPr>
+          <p:cNvPr id="4" name="Шестиугольник 3">
+            <a:extLst>
+              <a:ext uri="{FF2B5EF4-FFF2-40B4-BE49-F238E27FC236}">
+                <a16:creationId xmlns:a16="http://schemas.microsoft.com/office/drawing/2014/main" id="{A6C72720-2857-BE76-EB39-FEA6BBBE559E}"/>
+              </a:ext>
+            </a:extLst>
+          </p:cNvPr>
+          <p:cNvSpPr/>
+          <p:nvPr/>
+        </p:nvSpPr>
+        <p:spPr>
+          <a:xfrm>
+            <a:off x="2610035" y="1651247"/>
+            <a:ext cx="1429200" cy="856800"/>
+          </a:xfrm>
+          <a:prstGeom prst="hexagon">
+            <a:avLst>
+              <a:gd name="adj" fmla="val 33436"/>
+              <a:gd name="vf" fmla="val 115470"/>
+            </a:avLst>
+          </a:prstGeom>
+          <a:noFill/>
+          <a:ln w="31750">
+            <a:solidFill>
+              <a:srgbClr val="FF0000"/>
+            </a:solidFill>
+            <a:prstDash val="lgDash"/>
+          </a:ln>
+        </p:spPr>
+        <p:style>
+          <a:lnRef idx="2">
+            <a:schemeClr val="accent1">
+              <a:shade val="50000"/>
+            </a:schemeClr>
+          </a:lnRef>
+          <a:fillRef idx="1">
+            <a:schemeClr val="accent1"/>
+          </a:fillRef>
+          <a:effectRef idx="0">
+            <a:schemeClr val="accent1"/>
+          </a:effectRef>
+          <a:fontRef idx="minor">
+            <a:schemeClr val="lt1"/>
+          </a:fontRef>
+        </p:style>
+        <p:txBody>
+          <a:bodyPr rtlCol="0" anchor="ctr"/>
+          <a:lstStyle/>
+          <a:p>
+            <a:pPr algn="ctr"/>
+            <a:endParaRPr lang="ru-RU"/>
+          </a:p>
+        </p:txBody>
+      </p:sp>
+    </p:spTree>
+    <p:extLst>
+      <p:ext uri="{BB962C8B-B14F-4D97-AF65-F5344CB8AC3E}">
+        <p14:creationId xmlns:p14="http://schemas.microsoft.com/office/powerpoint/2010/main" val="3210739162"/>
+      </p:ext>
+    </p:extLst>
+  </p:cSld>
+  <p:clrMapOvr>
+    <a:masterClrMapping/>
+  </p:clrMapOvr>
+</p:sld>
+</file>
+
+<file path=ppt/slides/slide6.xml><?xml version="1.0" encoding="utf-8"?>
+<p:sld xmlns:a="http://schemas.openxmlformats.org/drawingml/2006/main" xmlns:r="http://schemas.openxmlformats.org/officeDocument/2006/relationships" xmlns:p="http://schemas.openxmlformats.org/presentationml/2006/main">
+  <p:cSld>
+    <p:spTree>
+      <p:nvGrpSpPr>
+        <p:cNvPr id="1" name=""/>
+        <p:cNvGrpSpPr/>
+        <p:nvPr/>
+      </p:nvGrpSpPr>
+      <p:grpSpPr>
+        <a:xfrm>
+          <a:off x="0" y="0"/>
+          <a:ext cx="0" cy="0"/>
+          <a:chOff x="0" y="0"/>
+          <a:chExt cx="0" cy="0"/>
+        </a:xfrm>
+      </p:grpSpPr>
+      <p:sp>
+        <p:nvSpPr>
+          <p:cNvPr id="4" name="Шестиугольник 3">
+            <a:extLst>
+              <a:ext uri="{FF2B5EF4-FFF2-40B4-BE49-F238E27FC236}">
+                <a16:creationId xmlns:a16="http://schemas.microsoft.com/office/drawing/2014/main" id="{A6C72720-2857-BE76-EB39-FEA6BBBE559E}"/>
+              </a:ext>
+            </a:extLst>
+          </p:cNvPr>
+          <p:cNvSpPr/>
+          <p:nvPr/>
+        </p:nvSpPr>
+        <p:spPr>
+          <a:xfrm>
+            <a:off x="2610035" y="1651247"/>
+            <a:ext cx="1429200" cy="856800"/>
+          </a:xfrm>
+          <a:prstGeom prst="hexagon">
+            <a:avLst>
+              <a:gd name="adj" fmla="val 33436"/>
+              <a:gd name="vf" fmla="val 115470"/>
+            </a:avLst>
+          </a:prstGeom>
+          <a:noFill/>
+          <a:ln w="31750" cmpd="sng">
+            <a:solidFill>
+              <a:schemeClr val="tx1"/>
+            </a:solidFill>
+            <a:prstDash val="dash"/>
+          </a:ln>
+        </p:spPr>
+        <p:style>
+          <a:lnRef idx="2">
+            <a:schemeClr val="accent1">
+              <a:shade val="50000"/>
+            </a:schemeClr>
+          </a:lnRef>
+          <a:fillRef idx="1">
+            <a:schemeClr val="accent1"/>
+          </a:fillRef>
+          <a:effectRef idx="0">
+            <a:schemeClr val="accent1"/>
+          </a:effectRef>
+          <a:fontRef idx="minor">
+            <a:schemeClr val="lt1"/>
+          </a:fontRef>
+        </p:style>
+        <p:txBody>
+          <a:bodyPr rtlCol="0" anchor="ctr"/>
+          <a:lstStyle/>
+          <a:p>
+            <a:pPr algn="ctr"/>
+            <a:endParaRPr lang="ru-RU" dirty="0"/>
+          </a:p>
+        </p:txBody>
+      </p:sp>
+    </p:spTree>
+    <p:extLst>
+      <p:ext uri="{BB962C8B-B14F-4D97-AF65-F5344CB8AC3E}">
+        <p14:creationId xmlns:p14="http://schemas.microsoft.com/office/powerpoint/2010/main" val="452031668"/>
+      </p:ext>
+    </p:extLst>
+  </p:cSld>
+  <p:clrMapOvr>
+    <a:masterClrMapping/>
+  </p:clrMapOvr>
+</p:sld>
+</file>
+
+<file path=ppt/slides/slide7.xml><?xml version="1.0" encoding="utf-8"?>
+<p:sld xmlns:a="http://schemas.openxmlformats.org/drawingml/2006/main" xmlns:r="http://schemas.openxmlformats.org/officeDocument/2006/relationships" xmlns:p="http://schemas.openxmlformats.org/presentationml/2006/main">
+  <p:cSld>
+    <p:spTree>
+      <p:nvGrpSpPr>
+        <p:cNvPr id="1" name=""/>
+        <p:cNvGrpSpPr/>
+        <p:nvPr/>
+      </p:nvGrpSpPr>
+      <p:grpSpPr>
+        <a:xfrm>
+          <a:off x="0" y="0"/>
+          <a:ext cx="0" cy="0"/>
+          <a:chOff x="0" y="0"/>
+          <a:chExt cx="0" cy="0"/>
+        </a:xfrm>
+      </p:grpSpPr>
+      <p:sp>
+        <p:nvSpPr>
+          <p:cNvPr id="4" name="Шестиугольник 3">
+            <a:extLst>
+              <a:ext uri="{FF2B5EF4-FFF2-40B4-BE49-F238E27FC236}">
+                <a16:creationId xmlns:a16="http://schemas.microsoft.com/office/drawing/2014/main" id="{A6C72720-2857-BE76-EB39-FEA6BBBE559E}"/>
+              </a:ext>
+            </a:extLst>
+          </p:cNvPr>
+          <p:cNvSpPr/>
+          <p:nvPr/>
+        </p:nvSpPr>
+        <p:spPr>
+          <a:xfrm>
+            <a:off x="2610035" y="1651247"/>
+            <a:ext cx="1429200" cy="856800"/>
+          </a:xfrm>
+          <a:prstGeom prst="hexagon">
+            <a:avLst>
+              <a:gd name="adj" fmla="val 33436"/>
+              <a:gd name="vf" fmla="val 115470"/>
+            </a:avLst>
+          </a:prstGeom>
+          <a:noFill/>
+          <a:ln w="31750" cmpd="dbl">
+            <a:solidFill>
+              <a:schemeClr val="tx1"/>
+            </a:solidFill>
+            <a:prstDash val="lgDash"/>
+          </a:ln>
+        </p:spPr>
+        <p:style>
+          <a:lnRef idx="2">
+            <a:schemeClr val="accent1">
+              <a:shade val="50000"/>
+            </a:schemeClr>
+          </a:lnRef>
+          <a:fillRef idx="1">
+            <a:schemeClr val="accent1"/>
+          </a:fillRef>
+          <a:effectRef idx="0">
+            <a:schemeClr val="accent1"/>
+          </a:effectRef>
+          <a:fontRef idx="minor">
+            <a:schemeClr val="lt1"/>
+          </a:fontRef>
+        </p:style>
+        <p:txBody>
+          <a:bodyPr rtlCol="0" anchor="ctr"/>
+          <a:lstStyle/>
+          <a:p>
+            <a:pPr algn="ctr"/>
+            <a:endParaRPr lang="ru-RU" dirty="0"/>
+          </a:p>
+        </p:txBody>
+      </p:sp>
+    </p:spTree>
+    <p:extLst>
+      <p:ext uri="{BB962C8B-B14F-4D97-AF65-F5344CB8AC3E}">
+        <p14:creationId xmlns:p14="http://schemas.microsoft.com/office/powerpoint/2010/main" val="3730744043"/>
+      </p:ext>
+    </p:extLst>
+  </p:cSld>
+  <p:clrMapOvr>
+    <a:masterClrMapping/>
+  </p:clrMapOvr>
+</p:sld>
+</file>
+
+<file path=ppt/slides/slide8.xml><?xml version="1.0" encoding="utf-8"?>
+<p:sld xmlns:a="http://schemas.openxmlformats.org/drawingml/2006/main" xmlns:r="http://schemas.openxmlformats.org/officeDocument/2006/relationships" xmlns:p="http://schemas.openxmlformats.org/presentationml/2006/main">
+  <p:cSld>
+    <p:spTree>
+      <p:nvGrpSpPr>
+        <p:cNvPr id="1" name=""/>
+        <p:cNvGrpSpPr/>
+        <p:nvPr/>
+      </p:nvGrpSpPr>
+      <p:grpSpPr>
+        <a:xfrm>
+          <a:off x="0" y="0"/>
+          <a:ext cx="0" cy="0"/>
+          <a:chOff x="0" y="0"/>
+          <a:chExt cx="0" cy="0"/>
+        </a:xfrm>
+      </p:grpSpPr>
+      <p:sp>
+        <p:nvSpPr>
+          <p:cNvPr id="4" name="Шестиугольник 3">
+            <a:extLst>
+              <a:ext uri="{FF2B5EF4-FFF2-40B4-BE49-F238E27FC236}">
+                <a16:creationId xmlns:a16="http://schemas.microsoft.com/office/drawing/2014/main" id="{A6C72720-2857-BE76-EB39-FEA6BBBE559E}"/>
+              </a:ext>
+            </a:extLst>
+          </p:cNvPr>
+          <p:cNvSpPr/>
+          <p:nvPr/>
+        </p:nvSpPr>
+        <p:spPr>
+          <a:xfrm>
+            <a:off x="2201662" y="3551069"/>
+            <a:ext cx="1429200" cy="856800"/>
+          </a:xfrm>
+          <a:prstGeom prst="hexagon">
+            <a:avLst>
+              <a:gd name="adj" fmla="val 33436"/>
+              <a:gd name="vf" fmla="val 115470"/>
+            </a:avLst>
+          </a:prstGeom>
+          <a:pattFill prst="shingle">
             <a:fgClr>
               <a:srgbClr val="FFC000"/>
             </a:fgClr>
@@ -3531,9 +6579,7 @@
             </a:bgClr>
           </a:pattFill>
           <a:ln w="6350" cap="sq">
-            <a:solidFill>
-              <a:schemeClr val="tx1"/>
-            </a:solidFill>
+            <a:noFill/>
             <a:prstDash val="solid"/>
             <a:miter lim="800000"/>
           </a:ln>
@@ -3563,10 +6609,160 @@
           </a:p>
         </p:txBody>
       </p:sp>
+      <p:sp>
+        <p:nvSpPr>
+          <p:cNvPr id="2" name="Заголовок 1">
+            <a:extLst>
+              <a:ext uri="{FF2B5EF4-FFF2-40B4-BE49-F238E27FC236}">
+                <a16:creationId xmlns:a16="http://schemas.microsoft.com/office/drawing/2014/main" id="{B97B1B31-D6CD-685C-0447-6566411BD8BA}"/>
+              </a:ext>
+            </a:extLst>
+          </p:cNvPr>
+          <p:cNvSpPr>
+            <a:spLocks noGrp="1"/>
+          </p:cNvSpPr>
+          <p:nvPr>
+            <p:ph type="title"/>
+          </p:nvPr>
+        </p:nvSpPr>
+        <p:spPr/>
+        <p:txBody>
+          <a:bodyPr/>
+          <a:lstStyle/>
+          <a:p>
+            <a:r>
+              <a:rPr lang="en-US" dirty="0"/>
+              <a:t>G0K0</a:t>
+            </a:r>
+            <a:endParaRPr lang="ru-RU" dirty="0"/>
+          </a:p>
+        </p:txBody>
+      </p:sp>
     </p:spTree>
     <p:extLst>
       <p:ext uri="{BB962C8B-B14F-4D97-AF65-F5344CB8AC3E}">
         <p14:creationId xmlns:p14="http://schemas.microsoft.com/office/powerpoint/2010/main" val="1639410369"/>
+      </p:ext>
+    </p:extLst>
+  </p:cSld>
+  <p:clrMapOvr>
+    <a:masterClrMapping/>
+  </p:clrMapOvr>
+</p:sld>
+</file>
+
+<file path=ppt/slides/slide9.xml><?xml version="1.0" encoding="utf-8"?>
+<p:sld xmlns:a="http://schemas.openxmlformats.org/drawingml/2006/main" xmlns:r="http://schemas.openxmlformats.org/officeDocument/2006/relationships" xmlns:p="http://schemas.openxmlformats.org/presentationml/2006/main">
+  <p:cSld>
+    <p:spTree>
+      <p:nvGrpSpPr>
+        <p:cNvPr id="1" name=""/>
+        <p:cNvGrpSpPr/>
+        <p:nvPr/>
+      </p:nvGrpSpPr>
+      <p:grpSpPr>
+        <a:xfrm>
+          <a:off x="0" y="0"/>
+          <a:ext cx="0" cy="0"/>
+          <a:chOff x="0" y="0"/>
+          <a:chExt cx="0" cy="0"/>
+        </a:xfrm>
+      </p:grpSpPr>
+      <p:sp>
+        <p:nvSpPr>
+          <p:cNvPr id="4" name="Шестиугольник 3">
+            <a:extLst>
+              <a:ext uri="{FF2B5EF4-FFF2-40B4-BE49-F238E27FC236}">
+                <a16:creationId xmlns:a16="http://schemas.microsoft.com/office/drawing/2014/main" id="{A6C72720-2857-BE76-EB39-FEA6BBBE559E}"/>
+              </a:ext>
+            </a:extLst>
+          </p:cNvPr>
+          <p:cNvSpPr/>
+          <p:nvPr/>
+        </p:nvSpPr>
+        <p:spPr>
+          <a:xfrm>
+            <a:off x="2201662" y="3551069"/>
+            <a:ext cx="1429200" cy="856800"/>
+          </a:xfrm>
+          <a:prstGeom prst="hexagon">
+            <a:avLst>
+              <a:gd name="adj" fmla="val 33436"/>
+              <a:gd name="vf" fmla="val 115470"/>
+            </a:avLst>
+          </a:prstGeom>
+          <a:pattFill prst="smGrid">
+            <a:fgClr>
+              <a:srgbClr val="00B0F0"/>
+            </a:fgClr>
+            <a:bgClr>
+              <a:schemeClr val="bg1"/>
+            </a:bgClr>
+          </a:pattFill>
+          <a:ln w="6350" cap="sq">
+            <a:noFill/>
+            <a:prstDash val="solid"/>
+            <a:miter lim="800000"/>
+          </a:ln>
+        </p:spPr>
+        <p:style>
+          <a:lnRef idx="2">
+            <a:schemeClr val="accent1">
+              <a:shade val="50000"/>
+            </a:schemeClr>
+          </a:lnRef>
+          <a:fillRef idx="1">
+            <a:schemeClr val="accent1"/>
+          </a:fillRef>
+          <a:effectRef idx="0">
+            <a:schemeClr val="accent1"/>
+          </a:effectRef>
+          <a:fontRef idx="minor">
+            <a:schemeClr val="lt1"/>
+          </a:fontRef>
+        </p:style>
+        <p:txBody>
+          <a:bodyPr rtlCol="0" anchor="ctr"/>
+          <a:lstStyle/>
+          <a:p>
+            <a:pPr algn="ctr"/>
+            <a:endParaRPr lang="ru-RU" dirty="0"/>
+          </a:p>
+        </p:txBody>
+      </p:sp>
+      <p:sp>
+        <p:nvSpPr>
+          <p:cNvPr id="2" name="Заголовок 1">
+            <a:extLst>
+              <a:ext uri="{FF2B5EF4-FFF2-40B4-BE49-F238E27FC236}">
+                <a16:creationId xmlns:a16="http://schemas.microsoft.com/office/drawing/2014/main" id="{B97B1B31-D6CD-685C-0447-6566411BD8BA}"/>
+              </a:ext>
+            </a:extLst>
+          </p:cNvPr>
+          <p:cNvSpPr>
+            <a:spLocks noGrp="1"/>
+          </p:cNvSpPr>
+          <p:nvPr>
+            <p:ph type="title"/>
+          </p:nvPr>
+        </p:nvSpPr>
+        <p:spPr/>
+        <p:txBody>
+          <a:bodyPr/>
+          <a:lstStyle/>
+          <a:p>
+            <a:r>
+              <a:rPr lang="en-US" dirty="0"/>
+              <a:t>G0K-1</a:t>
+            </a:r>
+            <a:endParaRPr lang="ru-RU" dirty="0"/>
+          </a:p>
+        </p:txBody>
+      </p:sp>
+    </p:spTree>
+    <p:extLst>
+      <p:ext uri="{BB962C8B-B14F-4D97-AF65-F5344CB8AC3E}">
+        <p14:creationId xmlns:p14="http://schemas.microsoft.com/office/powerpoint/2010/main" val="1235491635"/>
       </p:ext>
     </p:extLst>
   </p:cSld>
